--- a/DataScience/Day1/Central Tendency.pptx
+++ b/DataScience/Day1/Central Tendency.pptx
@@ -233,6 +233,22 @@
       </a:defRPr>
     </a:lvl9pPr>
   </p:defaultTextStyle>
+  <p:extLst>
+    <p:ext uri="{EFAFB233-063F-42B5-8137-9DF3F51BA10A}">
+      <p15:sldGuideLst xmlns:p15="http://schemas.microsoft.com/office/powerpoint/2012/main">
+        <p15:guide id="1" orient="horz" pos="2160">
+          <p15:clr>
+            <a:srgbClr val="A4A3A4"/>
+          </p15:clr>
+        </p15:guide>
+        <p15:guide id="2" pos="2880">
+          <p15:clr>
+            <a:srgbClr val="A4A3A4"/>
+          </p15:clr>
+        </p15:guide>
+      </p15:sldGuideLst>
+    </p:ext>
+  </p:extLst>
 </p:presentation>
 </file>
 
@@ -7859,11 +7875,11 @@
     </dgm:pt>
   </dgm:ptLst>
   <dgm:cxnLst>
+    <dgm:cxn modelId="{CDEF758B-ABE4-4BBB-BD3B-6BF149686B54}" type="presOf" srcId="{68CCB221-E974-4519-AE38-01947A3169EE}" destId="{88ED877F-F8C9-4523-80B9-E9B6DF74A03A}" srcOrd="0" destOrd="0" presId="urn:microsoft.com/office/officeart/2005/8/layout/vList5"/>
+    <dgm:cxn modelId="{58ADB47B-E866-4EC6-AFD8-A03911A9CE2B}" srcId="{68CCB221-E974-4519-AE38-01947A3169EE}" destId="{EE363CBE-B8D4-4202-BE28-8D63E89698C2}" srcOrd="1" destOrd="0" parTransId="{13C8D733-30A7-48BD-A929-172386E2D9C0}" sibTransId="{8BD75662-BC8D-4DC0-B64A-5E2FE7805F57}"/>
     <dgm:cxn modelId="{FD9A5624-82C2-4965-97DA-99F20043CAD3}" srcId="{68CCB221-E974-4519-AE38-01947A3169EE}" destId="{DE6EA040-E986-42E4-BCF6-697005528CA1}" srcOrd="0" destOrd="0" parTransId="{857F56C3-330D-4F80-9BA4-CC7C7510F58F}" sibTransId="{E5450CDC-0E4A-42AA-9C66-44B08D2EC543}"/>
     <dgm:cxn modelId="{73886CE2-79BB-474C-BFDB-9B880013A1C8}" type="presOf" srcId="{EE363CBE-B8D4-4202-BE28-8D63E89698C2}" destId="{0B775421-0056-4FD7-BDA6-9708314ED1BA}" srcOrd="0" destOrd="0" presId="urn:microsoft.com/office/officeart/2005/8/layout/vList5"/>
-    <dgm:cxn modelId="{CDEF758B-ABE4-4BBB-BD3B-6BF149686B54}" type="presOf" srcId="{68CCB221-E974-4519-AE38-01947A3169EE}" destId="{88ED877F-F8C9-4523-80B9-E9B6DF74A03A}" srcOrd="0" destOrd="0" presId="urn:microsoft.com/office/officeart/2005/8/layout/vList5"/>
     <dgm:cxn modelId="{05BB1207-32EA-4CC2-8335-4B2AF4629B80}" type="presOf" srcId="{DE6EA040-E986-42E4-BCF6-697005528CA1}" destId="{BF4569F6-59C6-476B-8265-72A025260CAB}" srcOrd="0" destOrd="0" presId="urn:microsoft.com/office/officeart/2005/8/layout/vList5"/>
-    <dgm:cxn modelId="{58ADB47B-E866-4EC6-AFD8-A03911A9CE2B}" srcId="{68CCB221-E974-4519-AE38-01947A3169EE}" destId="{EE363CBE-B8D4-4202-BE28-8D63E89698C2}" srcOrd="1" destOrd="0" parTransId="{13C8D733-30A7-48BD-A929-172386E2D9C0}" sibTransId="{8BD75662-BC8D-4DC0-B64A-5E2FE7805F57}"/>
     <dgm:cxn modelId="{A906141D-C09D-4D14-B237-2EC769954EBE}" type="presParOf" srcId="{88ED877F-F8C9-4523-80B9-E9B6DF74A03A}" destId="{6537FA93-57AF-48DE-9070-6A97E7202C0B}" srcOrd="0" destOrd="0" presId="urn:microsoft.com/office/officeart/2005/8/layout/vList5"/>
     <dgm:cxn modelId="{32A779F3-14FC-4280-97DB-A2D804E3AE14}" type="presParOf" srcId="{6537FA93-57AF-48DE-9070-6A97E7202C0B}" destId="{BF4569F6-59C6-476B-8265-72A025260CAB}" srcOrd="0" destOrd="0" presId="urn:microsoft.com/office/officeart/2005/8/layout/vList5"/>
     <dgm:cxn modelId="{A31DCFDF-80C3-4F53-9AE1-5A01869B7BBF}" type="presParOf" srcId="{88ED877F-F8C9-4523-80B9-E9B6DF74A03A}" destId="{A10285E3-F1D5-4326-AB80-F754A4DE7169}" srcOrd="1" destOrd="0" presId="urn:microsoft.com/office/officeart/2005/8/layout/vList5"/>
@@ -7874,7 +7890,7 @@
   <dgm:whole/>
   <dgm:extLst>
     <a:ext uri="http://schemas.microsoft.com/office/drawing/2008/diagram">
-      <dsp:dataModelExt xmlns:dsp="http://schemas.microsoft.com/office/drawing/2008/diagram" xmlns="" relId="rId6" minVer="http://schemas.openxmlformats.org/drawingml/2006/diagram"/>
+      <dsp:dataModelExt xmlns:dsp="http://schemas.microsoft.com/office/drawing/2008/diagram" relId="rId6" minVer="http://schemas.openxmlformats.org/drawingml/2006/diagram"/>
     </a:ext>
   </dgm:extLst>
 </dgm:dataModel>
@@ -7973,6 +7989,11 @@
   </dgm:cxnLst>
   <dgm:bg/>
   <dgm:whole/>
+  <dgm:extLst>
+    <a:ext uri="http://schemas.microsoft.com/office/drawing/2008/diagram">
+      <dsp:dataModelExt xmlns:dsp="http://schemas.microsoft.com/office/drawing/2008/diagram" relId="rId6" minVer="http://schemas.openxmlformats.org/drawingml/2006/diagram"/>
+    </a:ext>
+  </dgm:extLst>
 </dgm:dataModel>
 </file>
 
@@ -8071,7 +8092,7 @@
   <dgm:whole/>
   <dgm:extLst>
     <a:ext uri="http://schemas.microsoft.com/office/drawing/2008/diagram">
-      <dsp:dataModelExt xmlns:dsp="http://schemas.microsoft.com/office/drawing/2008/diagram" xmlns="" relId="rId6" minVer="http://schemas.openxmlformats.org/drawingml/2006/diagram"/>
+      <dsp:dataModelExt xmlns:dsp="http://schemas.microsoft.com/office/drawing/2008/diagram" relId="rId6" minVer="http://schemas.openxmlformats.org/drawingml/2006/diagram"/>
     </a:ext>
   </dgm:extLst>
 </dgm:dataModel>
@@ -8172,7 +8193,7 @@
   <dgm:whole/>
   <dgm:extLst>
     <a:ext uri="http://schemas.microsoft.com/office/drawing/2008/diagram">
-      <dsp:dataModelExt xmlns:dsp="http://schemas.microsoft.com/office/drawing/2008/diagram" xmlns="" relId="rId6" minVer="http://schemas.openxmlformats.org/drawingml/2006/diagram"/>
+      <dsp:dataModelExt xmlns:dsp="http://schemas.microsoft.com/office/drawing/2008/diagram" relId="rId6" minVer="http://schemas.openxmlformats.org/drawingml/2006/diagram"/>
     </a:ext>
   </dgm:extLst>
 </dgm:dataModel>
@@ -8273,7 +8294,7 @@
   <dgm:whole/>
   <dgm:extLst>
     <a:ext uri="http://schemas.microsoft.com/office/drawing/2008/diagram">
-      <dsp:dataModelExt xmlns:dsp="http://schemas.microsoft.com/office/drawing/2008/diagram" xmlns="" relId="rId6" minVer="http://schemas.openxmlformats.org/drawingml/2006/diagram"/>
+      <dsp:dataModelExt xmlns:dsp="http://schemas.microsoft.com/office/drawing/2008/diagram" relId="rId6" minVer="http://schemas.openxmlformats.org/drawingml/2006/diagram"/>
     </a:ext>
   </dgm:extLst>
 </dgm:dataModel>
@@ -8374,7 +8395,7 @@
   <dgm:whole/>
   <dgm:extLst>
     <a:ext uri="http://schemas.microsoft.com/office/drawing/2008/diagram">
-      <dsp:dataModelExt xmlns:dsp="http://schemas.microsoft.com/office/drawing/2008/diagram" xmlns="" relId="rId6" minVer="http://schemas.openxmlformats.org/drawingml/2006/diagram"/>
+      <dsp:dataModelExt xmlns:dsp="http://schemas.microsoft.com/office/drawing/2008/diagram" relId="rId6" minVer="http://schemas.openxmlformats.org/drawingml/2006/diagram"/>
     </a:ext>
   </dgm:extLst>
 </dgm:dataModel>
@@ -8475,7 +8496,7 @@
   <dgm:whole/>
   <dgm:extLst>
     <a:ext uri="http://schemas.microsoft.com/office/drawing/2008/diagram">
-      <dsp:dataModelExt xmlns:dsp="http://schemas.microsoft.com/office/drawing/2008/diagram" xmlns="" relId="rId6" minVer="http://schemas.openxmlformats.org/drawingml/2006/diagram"/>
+      <dsp:dataModelExt xmlns:dsp="http://schemas.microsoft.com/office/drawing/2008/diagram" relId="rId6" minVer="http://schemas.openxmlformats.org/drawingml/2006/diagram"/>
     </a:ext>
   </dgm:extLst>
 </dgm:dataModel>
@@ -8576,7 +8597,7 @@
   <dgm:whole/>
   <dgm:extLst>
     <a:ext uri="http://schemas.microsoft.com/office/drawing/2008/diagram">
-      <dsp:dataModelExt xmlns:dsp="http://schemas.microsoft.com/office/drawing/2008/diagram" xmlns="" relId="rId6" minVer="http://schemas.openxmlformats.org/drawingml/2006/diagram"/>
+      <dsp:dataModelExt xmlns:dsp="http://schemas.microsoft.com/office/drawing/2008/diagram" relId="rId6" minVer="http://schemas.openxmlformats.org/drawingml/2006/diagram"/>
     </a:ext>
   </dgm:extLst>
 </dgm:dataModel>
@@ -8675,6 +8696,11 @@
   </dgm:cxnLst>
   <dgm:bg/>
   <dgm:whole/>
+  <dgm:extLst>
+    <a:ext uri="http://schemas.microsoft.com/office/drawing/2008/diagram">
+      <dsp:dataModelExt xmlns:dsp="http://schemas.microsoft.com/office/drawing/2008/diagram" relId="rId6" minVer="http://schemas.openxmlformats.org/drawingml/2006/diagram"/>
+    </a:ext>
+  </dgm:extLst>
 </dgm:dataModel>
 </file>
 
@@ -8773,7 +8799,7 @@
   <dgm:whole/>
   <dgm:extLst>
     <a:ext uri="http://schemas.microsoft.com/office/drawing/2008/diagram">
-      <dsp:dataModelExt xmlns:dsp="http://schemas.microsoft.com/office/drawing/2008/diagram" xmlns="" relId="rId6" minVer="http://schemas.openxmlformats.org/drawingml/2006/diagram"/>
+      <dsp:dataModelExt xmlns:dsp="http://schemas.microsoft.com/office/drawing/2008/diagram" relId="rId6" minVer="http://schemas.openxmlformats.org/drawingml/2006/diagram"/>
     </a:ext>
   </dgm:extLst>
 </dgm:dataModel>
@@ -8945,7 +8971,96 @@
 </dsp:drawing>
 </file>
 
-<file path=ppt/diagrams/drawing3.xml><?xml version="1.0" encoding="utf-8"?>
+<file path=ppt/diagrams/drawing10.xml><?xml version="1.0" encoding="utf-8"?>
+<dsp:drawing xmlns:dgm="http://schemas.openxmlformats.org/drawingml/2006/diagram" xmlns:dsp="http://schemas.microsoft.com/office/drawing/2008/diagram" xmlns:a="http://schemas.openxmlformats.org/drawingml/2006/main">
+  <dsp:spTree>
+    <dsp:nvGrpSpPr>
+      <dsp:cNvPr id="0" name=""/>
+      <dsp:cNvGrpSpPr/>
+    </dsp:nvGrpSpPr>
+    <dsp:grpSpPr/>
+    <dsp:sp modelId="{BCF5155D-5381-4120-9EC5-93C4C28255DE}">
+      <dsp:nvSpPr>
+        <dsp:cNvPr id="0" name=""/>
+        <dsp:cNvSpPr/>
+      </dsp:nvSpPr>
+      <dsp:spPr>
+        <a:xfrm>
+          <a:off x="0" y="10690"/>
+          <a:ext cx="8229600" cy="1031354"/>
+        </a:xfrm>
+        <a:prstGeom prst="roundRect">
+          <a:avLst/>
+        </a:prstGeom>
+        <a:solidFill>
+          <a:schemeClr val="accent1">
+            <a:hueOff val="0"/>
+            <a:satOff val="0"/>
+            <a:lumOff val="0"/>
+            <a:alphaOff val="0"/>
+          </a:schemeClr>
+        </a:solidFill>
+        <a:ln w="25400" cap="flat" cmpd="sng" algn="ctr">
+          <a:solidFill>
+            <a:schemeClr val="lt1">
+              <a:hueOff val="0"/>
+              <a:satOff val="0"/>
+              <a:lumOff val="0"/>
+              <a:alphaOff val="0"/>
+            </a:schemeClr>
+          </a:solidFill>
+          <a:prstDash val="solid"/>
+        </a:ln>
+        <a:effectLst/>
+      </dsp:spPr>
+      <dsp:style>
+        <a:lnRef idx="2">
+          <a:scrgbClr r="0" g="0" b="0"/>
+        </a:lnRef>
+        <a:fillRef idx="1">
+          <a:scrgbClr r="0" g="0" b="0"/>
+        </a:fillRef>
+        <a:effectRef idx="0">
+          <a:scrgbClr r="0" g="0" b="0"/>
+        </a:effectRef>
+        <a:fontRef idx="minor">
+          <a:schemeClr val="lt1"/>
+        </a:fontRef>
+      </dsp:style>
+      <dsp:txBody>
+        <a:bodyPr spcFirstLastPara="0" vert="horz" wrap="square" lIns="163830" tIns="163830" rIns="163830" bIns="163830" numCol="1" spcCol="1270" anchor="ctr" anchorCtr="0">
+          <a:noAutofit/>
+        </a:bodyPr>
+        <a:lstStyle/>
+        <a:p>
+          <a:pPr lvl="0" algn="l" defTabSz="1911350" rtl="0">
+            <a:lnSpc>
+              <a:spcPct val="90000"/>
+            </a:lnSpc>
+            <a:spcBef>
+              <a:spcPct val="0"/>
+            </a:spcBef>
+            <a:spcAft>
+              <a:spcPct val="35000"/>
+            </a:spcAft>
+          </a:pPr>
+          <a:r>
+            <a:rPr lang="en-IN" sz="4300" kern="1200" dirty="0" smtClean="0"/>
+            <a:t>Weighted Arithmetic mean  </a:t>
+          </a:r>
+          <a:endParaRPr lang="en-IN" sz="4300" kern="1200" dirty="0"/>
+        </a:p>
+      </dsp:txBody>
+      <dsp:txXfrm>
+        <a:off x="50347" y="61037"/>
+        <a:ext cx="8128906" cy="930660"/>
+      </dsp:txXfrm>
+    </dsp:sp>
+  </dsp:spTree>
+</dsp:drawing>
+</file>
+
+<file path=ppt/diagrams/drawing2.xml><?xml version="1.0" encoding="utf-8"?>
 <dsp:drawing xmlns:dgm="http://schemas.openxmlformats.org/drawingml/2006/diagram" xmlns:dsp="http://schemas.microsoft.com/office/drawing/2008/diagram" xmlns:a="http://schemas.openxmlformats.org/drawingml/2006/main">
   <dsp:spTree>
     <dsp:nvGrpSpPr>
@@ -9034,7 +9149,7 @@
 </dsp:drawing>
 </file>
 
-<file path=ppt/diagrams/drawing4.xml><?xml version="1.0" encoding="utf-8"?>
+<file path=ppt/diagrams/drawing3.xml><?xml version="1.0" encoding="utf-8"?>
 <dsp:drawing xmlns:dgm="http://schemas.openxmlformats.org/drawingml/2006/diagram" xmlns:dsp="http://schemas.microsoft.com/office/drawing/2008/diagram" xmlns:a="http://schemas.openxmlformats.org/drawingml/2006/main">
   <dsp:spTree>
     <dsp:nvGrpSpPr>
@@ -9117,6 +9232,95 @@
       <dsp:txXfrm>
         <a:off x="43321" y="125966"/>
         <a:ext cx="8142958" cy="800803"/>
+      </dsp:txXfrm>
+    </dsp:sp>
+  </dsp:spTree>
+</dsp:drawing>
+</file>
+
+<file path=ppt/diagrams/drawing4.xml><?xml version="1.0" encoding="utf-8"?>
+<dsp:drawing xmlns:dgm="http://schemas.openxmlformats.org/drawingml/2006/diagram" xmlns:dsp="http://schemas.microsoft.com/office/drawing/2008/diagram" xmlns:a="http://schemas.openxmlformats.org/drawingml/2006/main">
+  <dsp:spTree>
+    <dsp:nvGrpSpPr>
+      <dsp:cNvPr id="0" name=""/>
+      <dsp:cNvGrpSpPr/>
+    </dsp:nvGrpSpPr>
+    <dsp:grpSpPr/>
+    <dsp:sp modelId="{382054C9-9969-4039-A4E2-5A71331D9303}">
+      <dsp:nvSpPr>
+        <dsp:cNvPr id="0" name=""/>
+        <dsp:cNvSpPr/>
+      </dsp:nvSpPr>
+      <dsp:spPr>
+        <a:xfrm>
+          <a:off x="0" y="2208"/>
+          <a:ext cx="8229600" cy="1048320"/>
+        </a:xfrm>
+        <a:prstGeom prst="roundRect">
+          <a:avLst/>
+        </a:prstGeom>
+        <a:solidFill>
+          <a:schemeClr val="accent1">
+            <a:hueOff val="0"/>
+            <a:satOff val="0"/>
+            <a:lumOff val="0"/>
+            <a:alphaOff val="0"/>
+          </a:schemeClr>
+        </a:solidFill>
+        <a:ln w="25400" cap="flat" cmpd="sng" algn="ctr">
+          <a:solidFill>
+            <a:schemeClr val="lt1">
+              <a:hueOff val="0"/>
+              <a:satOff val="0"/>
+              <a:lumOff val="0"/>
+              <a:alphaOff val="0"/>
+            </a:schemeClr>
+          </a:solidFill>
+          <a:prstDash val="solid"/>
+        </a:ln>
+        <a:effectLst/>
+      </dsp:spPr>
+      <dsp:style>
+        <a:lnRef idx="2">
+          <a:scrgbClr r="0" g="0" b="0"/>
+        </a:lnRef>
+        <a:fillRef idx="1">
+          <a:scrgbClr r="0" g="0" b="0"/>
+        </a:fillRef>
+        <a:effectRef idx="0">
+          <a:scrgbClr r="0" g="0" b="0"/>
+        </a:effectRef>
+        <a:fontRef idx="minor">
+          <a:schemeClr val="lt1"/>
+        </a:fontRef>
+      </dsp:style>
+      <dsp:txBody>
+        <a:bodyPr spcFirstLastPara="0" vert="horz" wrap="square" lIns="152400" tIns="152400" rIns="152400" bIns="152400" numCol="1" spcCol="1270" anchor="ctr" anchorCtr="0">
+          <a:noAutofit/>
+        </a:bodyPr>
+        <a:lstStyle/>
+        <a:p>
+          <a:pPr lvl="0" algn="l" defTabSz="1778000" rtl="0">
+            <a:lnSpc>
+              <a:spcPct val="90000"/>
+            </a:lnSpc>
+            <a:spcBef>
+              <a:spcPct val="0"/>
+            </a:spcBef>
+            <a:spcAft>
+              <a:spcPct val="35000"/>
+            </a:spcAft>
+          </a:pPr>
+          <a:r>
+            <a:rPr lang="en-IN" sz="4000" kern="1200" dirty="0" smtClean="0"/>
+            <a:t>Arithmetic Mean-</a:t>
+          </a:r>
+          <a:endParaRPr lang="en-IN" sz="4000" kern="1200" dirty="0"/>
+        </a:p>
+      </dsp:txBody>
+      <dsp:txXfrm>
+        <a:off x="51175" y="53383"/>
+        <a:ext cx="8127250" cy="945970"/>
       </dsp:txXfrm>
     </dsp:sp>
   </dsp:spTree>
@@ -9309,15 +9513,15 @@
       <dsp:cNvGrpSpPr/>
     </dsp:nvGrpSpPr>
     <dsp:grpSpPr/>
-    <dsp:sp modelId="{382054C9-9969-4039-A4E2-5A71331D9303}">
+    <dsp:sp modelId="{BCF5155D-5381-4120-9EC5-93C4C28255DE}">
       <dsp:nvSpPr>
         <dsp:cNvPr id="0" name=""/>
         <dsp:cNvSpPr/>
       </dsp:nvSpPr>
       <dsp:spPr>
         <a:xfrm>
-          <a:off x="0" y="2208"/>
-          <a:ext cx="8229600" cy="1048320"/>
+          <a:off x="0" y="10690"/>
+          <a:ext cx="8229600" cy="1031354"/>
         </a:xfrm>
         <a:prstGeom prst="roundRect">
           <a:avLst/>
@@ -9358,12 +9562,12 @@
         </a:fontRef>
       </dsp:style>
       <dsp:txBody>
-        <a:bodyPr spcFirstLastPara="0" vert="horz" wrap="square" lIns="152400" tIns="152400" rIns="152400" bIns="152400" numCol="1" spcCol="1270" anchor="ctr" anchorCtr="0">
+        <a:bodyPr spcFirstLastPara="0" vert="horz" wrap="square" lIns="163830" tIns="163830" rIns="163830" bIns="163830" numCol="1" spcCol="1270" anchor="ctr" anchorCtr="0">
           <a:noAutofit/>
         </a:bodyPr>
         <a:lstStyle/>
         <a:p>
-          <a:pPr lvl="0" algn="l" defTabSz="1778000" rtl="0">
+          <a:pPr lvl="0" algn="l" defTabSz="1911350" rtl="0">
             <a:lnSpc>
               <a:spcPct val="90000"/>
             </a:lnSpc>
@@ -9375,15 +9579,15 @@
             </a:spcAft>
           </a:pPr>
           <a:r>
-            <a:rPr lang="en-IN" sz="4000" kern="1200" dirty="0" smtClean="0"/>
-            <a:t>Arithmetic Mean- [Grouped data]</a:t>
+            <a:rPr lang="en-IN" sz="4300" kern="1200" dirty="0" smtClean="0"/>
+            <a:t>Weighted Arithmetic mean  </a:t>
           </a:r>
-          <a:endParaRPr lang="en-IN" sz="4000" kern="1200" dirty="0"/>
+          <a:endParaRPr lang="en-IN" sz="4300" kern="1200" dirty="0"/>
         </a:p>
       </dsp:txBody>
       <dsp:txXfrm>
-        <a:off x="51175" y="53383"/>
-        <a:ext cx="8127250" cy="945970"/>
+        <a:off x="50347" y="61037"/>
+        <a:ext cx="8128906" cy="930660"/>
       </dsp:txXfrm>
     </dsp:sp>
   </dsp:spTree>
@@ -21826,7 +22030,7 @@
             <a:fld id="{DD88E3D4-8CBC-4457-BCFB-D1199085B8A0}" type="datetimeFigureOut">
               <a:rPr lang="en-IN" smtClean="0"/>
               <a:pPr/>
-              <a:t>26-02-2017</a:t>
+              <a:t>27-12-2018</a:t>
             </a:fld>
             <a:endParaRPr lang="en-IN"/>
           </a:p>
@@ -21878,7 +22082,7 @@
     </p:spTree>
     <p:extLst>
       <p:ext uri="{BB962C8B-B14F-4D97-AF65-F5344CB8AC3E}">
-        <p14:creationId xmlns:p14="http://schemas.microsoft.com/office/powerpoint/2010/main" xmlns="" val="1080912326"/>
+        <p14:creationId xmlns:p14="http://schemas.microsoft.com/office/powerpoint/2010/main" val="1080912326"/>
       </p:ext>
     </p:extLst>
   </p:cSld>
@@ -21998,7 +22202,7 @@
             <a:fld id="{DD88E3D4-8CBC-4457-BCFB-D1199085B8A0}" type="datetimeFigureOut">
               <a:rPr lang="en-IN" smtClean="0"/>
               <a:pPr/>
-              <a:t>26-02-2017</a:t>
+              <a:t>27-12-2018</a:t>
             </a:fld>
             <a:endParaRPr lang="en-IN"/>
           </a:p>
@@ -22050,7 +22254,7 @@
     </p:spTree>
     <p:extLst>
       <p:ext uri="{BB962C8B-B14F-4D97-AF65-F5344CB8AC3E}">
-        <p14:creationId xmlns:p14="http://schemas.microsoft.com/office/powerpoint/2010/main" xmlns="" val="3473599079"/>
+        <p14:creationId xmlns:p14="http://schemas.microsoft.com/office/powerpoint/2010/main" val="3473599079"/>
       </p:ext>
     </p:extLst>
   </p:cSld>
@@ -22180,7 +22384,7 @@
             <a:fld id="{DD88E3D4-8CBC-4457-BCFB-D1199085B8A0}" type="datetimeFigureOut">
               <a:rPr lang="en-IN" smtClean="0"/>
               <a:pPr/>
-              <a:t>26-02-2017</a:t>
+              <a:t>27-12-2018</a:t>
             </a:fld>
             <a:endParaRPr lang="en-IN"/>
           </a:p>
@@ -22232,7 +22436,7 @@
     </p:spTree>
     <p:extLst>
       <p:ext uri="{BB962C8B-B14F-4D97-AF65-F5344CB8AC3E}">
-        <p14:creationId xmlns:p14="http://schemas.microsoft.com/office/powerpoint/2010/main" xmlns="" val="588800451"/>
+        <p14:creationId xmlns:p14="http://schemas.microsoft.com/office/powerpoint/2010/main" val="588800451"/>
       </p:ext>
     </p:extLst>
   </p:cSld>
@@ -22352,7 +22556,7 @@
             <a:fld id="{DD88E3D4-8CBC-4457-BCFB-D1199085B8A0}" type="datetimeFigureOut">
               <a:rPr lang="en-IN" smtClean="0"/>
               <a:pPr/>
-              <a:t>26-02-2017</a:t>
+              <a:t>27-12-2018</a:t>
             </a:fld>
             <a:endParaRPr lang="en-IN"/>
           </a:p>
@@ -22404,7 +22608,7 @@
     </p:spTree>
     <p:extLst>
       <p:ext uri="{BB962C8B-B14F-4D97-AF65-F5344CB8AC3E}">
-        <p14:creationId xmlns:p14="http://schemas.microsoft.com/office/powerpoint/2010/main" xmlns="" val="3967824324"/>
+        <p14:creationId xmlns:p14="http://schemas.microsoft.com/office/powerpoint/2010/main" val="3967824324"/>
       </p:ext>
     </p:extLst>
   </p:cSld>
@@ -22600,7 +22804,7 @@
             <a:fld id="{DD88E3D4-8CBC-4457-BCFB-D1199085B8A0}" type="datetimeFigureOut">
               <a:rPr lang="en-IN" smtClean="0"/>
               <a:pPr/>
-              <a:t>26-02-2017</a:t>
+              <a:t>27-12-2018</a:t>
             </a:fld>
             <a:endParaRPr lang="en-IN"/>
           </a:p>
@@ -22652,7 +22856,7 @@
     </p:spTree>
     <p:extLst>
       <p:ext uri="{BB962C8B-B14F-4D97-AF65-F5344CB8AC3E}">
-        <p14:creationId xmlns:p14="http://schemas.microsoft.com/office/powerpoint/2010/main" xmlns="" val="3165987412"/>
+        <p14:creationId xmlns:p14="http://schemas.microsoft.com/office/powerpoint/2010/main" val="3165987412"/>
       </p:ext>
     </p:extLst>
   </p:cSld>
@@ -22890,7 +23094,7 @@
             <a:fld id="{DD88E3D4-8CBC-4457-BCFB-D1199085B8A0}" type="datetimeFigureOut">
               <a:rPr lang="en-IN" smtClean="0"/>
               <a:pPr/>
-              <a:t>26-02-2017</a:t>
+              <a:t>27-12-2018</a:t>
             </a:fld>
             <a:endParaRPr lang="en-IN"/>
           </a:p>
@@ -22942,7 +23146,7 @@
     </p:spTree>
     <p:extLst>
       <p:ext uri="{BB962C8B-B14F-4D97-AF65-F5344CB8AC3E}">
-        <p14:creationId xmlns:p14="http://schemas.microsoft.com/office/powerpoint/2010/main" xmlns="" val="3663183075"/>
+        <p14:creationId xmlns:p14="http://schemas.microsoft.com/office/powerpoint/2010/main" val="3663183075"/>
       </p:ext>
     </p:extLst>
   </p:cSld>
@@ -23314,7 +23518,7 @@
             <a:fld id="{DD88E3D4-8CBC-4457-BCFB-D1199085B8A0}" type="datetimeFigureOut">
               <a:rPr lang="en-IN" smtClean="0"/>
               <a:pPr/>
-              <a:t>26-02-2017</a:t>
+              <a:t>27-12-2018</a:t>
             </a:fld>
             <a:endParaRPr lang="en-IN"/>
           </a:p>
@@ -23366,7 +23570,7 @@
     </p:spTree>
     <p:extLst>
       <p:ext uri="{BB962C8B-B14F-4D97-AF65-F5344CB8AC3E}">
-        <p14:creationId xmlns:p14="http://schemas.microsoft.com/office/powerpoint/2010/main" xmlns="" val="1283925050"/>
+        <p14:creationId xmlns:p14="http://schemas.microsoft.com/office/powerpoint/2010/main" val="1283925050"/>
       </p:ext>
     </p:extLst>
   </p:cSld>
@@ -23434,7 +23638,7 @@
             <a:fld id="{DD88E3D4-8CBC-4457-BCFB-D1199085B8A0}" type="datetimeFigureOut">
               <a:rPr lang="en-IN" smtClean="0"/>
               <a:pPr/>
-              <a:t>26-02-2017</a:t>
+              <a:t>27-12-2018</a:t>
             </a:fld>
             <a:endParaRPr lang="en-IN"/>
           </a:p>
@@ -23486,7 +23690,7 @@
     </p:spTree>
     <p:extLst>
       <p:ext uri="{BB962C8B-B14F-4D97-AF65-F5344CB8AC3E}">
-        <p14:creationId xmlns:p14="http://schemas.microsoft.com/office/powerpoint/2010/main" xmlns="" val="3545761386"/>
+        <p14:creationId xmlns:p14="http://schemas.microsoft.com/office/powerpoint/2010/main" val="3545761386"/>
       </p:ext>
     </p:extLst>
   </p:cSld>
@@ -23531,7 +23735,7 @@
             <a:fld id="{DD88E3D4-8CBC-4457-BCFB-D1199085B8A0}" type="datetimeFigureOut">
               <a:rPr lang="en-IN" smtClean="0"/>
               <a:pPr/>
-              <a:t>26-02-2017</a:t>
+              <a:t>27-12-2018</a:t>
             </a:fld>
             <a:endParaRPr lang="en-IN"/>
           </a:p>
@@ -23583,7 +23787,7 @@
     </p:spTree>
     <p:extLst>
       <p:ext uri="{BB962C8B-B14F-4D97-AF65-F5344CB8AC3E}">
-        <p14:creationId xmlns:p14="http://schemas.microsoft.com/office/powerpoint/2010/main" xmlns="" val="3359039165"/>
+        <p14:creationId xmlns:p14="http://schemas.microsoft.com/office/powerpoint/2010/main" val="3359039165"/>
       </p:ext>
     </p:extLst>
   </p:cSld>
@@ -23810,7 +24014,7 @@
             <a:fld id="{DD88E3D4-8CBC-4457-BCFB-D1199085B8A0}" type="datetimeFigureOut">
               <a:rPr lang="en-IN" smtClean="0"/>
               <a:pPr/>
-              <a:t>26-02-2017</a:t>
+              <a:t>27-12-2018</a:t>
             </a:fld>
             <a:endParaRPr lang="en-IN"/>
           </a:p>
@@ -23862,7 +24066,7 @@
     </p:spTree>
     <p:extLst>
       <p:ext uri="{BB962C8B-B14F-4D97-AF65-F5344CB8AC3E}">
-        <p14:creationId xmlns:p14="http://schemas.microsoft.com/office/powerpoint/2010/main" xmlns="" val="559385981"/>
+        <p14:creationId xmlns:p14="http://schemas.microsoft.com/office/powerpoint/2010/main" val="559385981"/>
       </p:ext>
     </p:extLst>
   </p:cSld>
@@ -24065,7 +24269,7 @@
             <a:fld id="{DD88E3D4-8CBC-4457-BCFB-D1199085B8A0}" type="datetimeFigureOut">
               <a:rPr lang="en-IN" smtClean="0"/>
               <a:pPr/>
-              <a:t>26-02-2017</a:t>
+              <a:t>27-12-2018</a:t>
             </a:fld>
             <a:endParaRPr lang="en-IN"/>
           </a:p>
@@ -24117,7 +24321,7 @@
     </p:spTree>
     <p:extLst>
       <p:ext uri="{BB962C8B-B14F-4D97-AF65-F5344CB8AC3E}">
-        <p14:creationId xmlns:p14="http://schemas.microsoft.com/office/powerpoint/2010/main" xmlns="" val="728163230"/>
+        <p14:creationId xmlns:p14="http://schemas.microsoft.com/office/powerpoint/2010/main" val="728163230"/>
       </p:ext>
     </p:extLst>
   </p:cSld>
@@ -24280,7 +24484,7 @@
             <a:fld id="{DD88E3D4-8CBC-4457-BCFB-D1199085B8A0}" type="datetimeFigureOut">
               <a:rPr lang="en-IN" smtClean="0"/>
               <a:pPr/>
-              <a:t>26-02-2017</a:t>
+              <a:t>27-12-2018</a:t>
             </a:fld>
             <a:endParaRPr lang="en-IN"/>
           </a:p>
@@ -24368,7 +24572,7 @@
     </p:spTree>
     <p:extLst>
       <p:ext uri="{BB962C8B-B14F-4D97-AF65-F5344CB8AC3E}">
-        <p14:creationId xmlns:p14="http://schemas.microsoft.com/office/powerpoint/2010/main" xmlns="" val="2335441131"/>
+        <p14:creationId xmlns:p14="http://schemas.microsoft.com/office/powerpoint/2010/main" val="2335441131"/>
       </p:ext>
     </p:extLst>
   </p:cSld>
@@ -24682,7 +24886,7 @@
     </p:spTree>
     <p:extLst>
       <p:ext uri="{BB962C8B-B14F-4D97-AF65-F5344CB8AC3E}">
-        <p14:creationId xmlns:p14="http://schemas.microsoft.com/office/powerpoint/2010/main" xmlns="" val="2574606856"/>
+        <p14:creationId xmlns:p14="http://schemas.microsoft.com/office/powerpoint/2010/main" val="2574606856"/>
       </p:ext>
     </p:extLst>
   </p:cSld>
@@ -24963,7 +25167,7 @@
     </p:spTree>
     <p:extLst>
       <p:ext uri="{BB962C8B-B14F-4D97-AF65-F5344CB8AC3E}">
-        <p14:creationId xmlns:p14="http://schemas.microsoft.com/office/powerpoint/2010/main" xmlns="" val="1716183443"/>
+        <p14:creationId xmlns:p14="http://schemas.microsoft.com/office/powerpoint/2010/main" val="1716183443"/>
       </p:ext>
     </p:extLst>
   </p:cSld>
@@ -25036,7 +25240,7 @@
           <a:blip r:embed="rId2">
             <a:extLst>
               <a:ext uri="{28A0092B-C50C-407E-A947-70E740481C1C}">
-                <a14:useLocalDpi xmlns:a14="http://schemas.microsoft.com/office/drawing/2010/main" xmlns="" val="0"/>
+                <a14:useLocalDpi xmlns:a14="http://schemas.microsoft.com/office/drawing/2010/main" val="0"/>
               </a:ext>
             </a:extLst>
           </a:blip>
@@ -25059,14 +25263,14 @@
           </a:ln>
           <a:extLst>
             <a:ext uri="{909E8E84-426E-40DD-AFC4-6F175D3DCCD1}">
-              <a14:hiddenFill xmlns:a14="http://schemas.microsoft.com/office/drawing/2010/main" xmlns="">
+              <a14:hiddenFill xmlns:a14="http://schemas.microsoft.com/office/drawing/2010/main">
                 <a:solidFill>
                   <a:schemeClr val="accent1"/>
                 </a:solidFill>
               </a14:hiddenFill>
             </a:ext>
             <a:ext uri="{91240B29-F687-4F45-9708-019B960494DF}">
-              <a14:hiddenLine xmlns:a14="http://schemas.microsoft.com/office/drawing/2010/main" xmlns="" w="9525">
+              <a14:hiddenLine xmlns:a14="http://schemas.microsoft.com/office/drawing/2010/main" w="9525">
                 <a:solidFill>
                   <a:schemeClr val="tx1"/>
                 </a:solidFill>
@@ -25090,7 +25294,7 @@
           <a:blip r:embed="rId3">
             <a:extLst>
               <a:ext uri="{28A0092B-C50C-407E-A947-70E740481C1C}">
-                <a14:useLocalDpi xmlns:a14="http://schemas.microsoft.com/office/drawing/2010/main" xmlns="" val="0"/>
+                <a14:useLocalDpi xmlns:a14="http://schemas.microsoft.com/office/drawing/2010/main" val="0"/>
               </a:ext>
             </a:extLst>
           </a:blip>
@@ -25113,14 +25317,14 @@
           </a:ln>
           <a:extLst>
             <a:ext uri="{909E8E84-426E-40DD-AFC4-6F175D3DCCD1}">
-              <a14:hiddenFill xmlns:a14="http://schemas.microsoft.com/office/drawing/2010/main" xmlns="">
+              <a14:hiddenFill xmlns:a14="http://schemas.microsoft.com/office/drawing/2010/main">
                 <a:solidFill>
                   <a:schemeClr val="accent1"/>
                 </a:solidFill>
               </a14:hiddenFill>
             </a:ext>
             <a:ext uri="{91240B29-F687-4F45-9708-019B960494DF}">
-              <a14:hiddenLine xmlns:a14="http://schemas.microsoft.com/office/drawing/2010/main" xmlns="" w="9525">
+              <a14:hiddenLine xmlns:a14="http://schemas.microsoft.com/office/drawing/2010/main" w="9525">
                 <a:solidFill>
                   <a:schemeClr val="tx1"/>
                 </a:solidFill>
@@ -25144,7 +25348,7 @@
           <a:blip r:embed="rId4">
             <a:extLst>
               <a:ext uri="{28A0092B-C50C-407E-A947-70E740481C1C}">
-                <a14:useLocalDpi xmlns:a14="http://schemas.microsoft.com/office/drawing/2010/main" xmlns="" val="0"/>
+                <a14:useLocalDpi xmlns:a14="http://schemas.microsoft.com/office/drawing/2010/main" val="0"/>
               </a:ext>
             </a:extLst>
           </a:blip>
@@ -25167,14 +25371,14 @@
           </a:ln>
           <a:extLst>
             <a:ext uri="{909E8E84-426E-40DD-AFC4-6F175D3DCCD1}">
-              <a14:hiddenFill xmlns:a14="http://schemas.microsoft.com/office/drawing/2010/main" xmlns="">
+              <a14:hiddenFill xmlns:a14="http://schemas.microsoft.com/office/drawing/2010/main">
                 <a:solidFill>
                   <a:schemeClr val="accent1"/>
                 </a:solidFill>
               </a14:hiddenFill>
             </a:ext>
             <a:ext uri="{91240B29-F687-4F45-9708-019B960494DF}">
-              <a14:hiddenLine xmlns:a14="http://schemas.microsoft.com/office/drawing/2010/main" xmlns="" w="9525">
+              <a14:hiddenLine xmlns:a14="http://schemas.microsoft.com/office/drawing/2010/main" w="9525">
                 <a:solidFill>
                   <a:schemeClr val="tx1"/>
                 </a:solidFill>
@@ -25189,7 +25393,7 @@
     </p:spTree>
     <p:extLst>
       <p:ext uri="{BB962C8B-B14F-4D97-AF65-F5344CB8AC3E}">
-        <p14:creationId xmlns:p14="http://schemas.microsoft.com/office/powerpoint/2010/main" xmlns="" val="642318051"/>
+        <p14:creationId xmlns:p14="http://schemas.microsoft.com/office/powerpoint/2010/main" val="642318051"/>
       </p:ext>
     </p:extLst>
   </p:cSld>
@@ -25347,7 +25551,7 @@
     </p:spTree>
     <p:extLst>
       <p:ext uri="{BB962C8B-B14F-4D97-AF65-F5344CB8AC3E}">
-        <p14:creationId xmlns:p14="http://schemas.microsoft.com/office/powerpoint/2010/main" xmlns="" val="938919735"/>
+        <p14:creationId xmlns:p14="http://schemas.microsoft.com/office/powerpoint/2010/main" val="938919735"/>
       </p:ext>
     </p:extLst>
   </p:cSld>
@@ -25415,7 +25619,7 @@
           <a:blip r:embed="rId2">
             <a:extLst>
               <a:ext uri="{28A0092B-C50C-407E-A947-70E740481C1C}">
-                <a14:useLocalDpi xmlns:a14="http://schemas.microsoft.com/office/drawing/2010/main" xmlns="" val="0"/>
+                <a14:useLocalDpi xmlns:a14="http://schemas.microsoft.com/office/drawing/2010/main" val="0"/>
               </a:ext>
             </a:extLst>
           </a:blip>
@@ -25438,14 +25642,14 @@
           </a:ln>
           <a:extLst>
             <a:ext uri="{909E8E84-426E-40DD-AFC4-6F175D3DCCD1}">
-              <a14:hiddenFill xmlns:a14="http://schemas.microsoft.com/office/drawing/2010/main" xmlns="">
+              <a14:hiddenFill xmlns:a14="http://schemas.microsoft.com/office/drawing/2010/main">
                 <a:solidFill>
                   <a:schemeClr val="accent1"/>
                 </a:solidFill>
               </a14:hiddenFill>
             </a:ext>
             <a:ext uri="{91240B29-F687-4F45-9708-019B960494DF}">
-              <a14:hiddenLine xmlns:a14="http://schemas.microsoft.com/office/drawing/2010/main" xmlns="" w="9525">
+              <a14:hiddenLine xmlns:a14="http://schemas.microsoft.com/office/drawing/2010/main" w="9525">
                 <a:solidFill>
                   <a:schemeClr val="tx1"/>
                 </a:solidFill>
@@ -25460,7 +25664,7 @@
     </p:spTree>
     <p:extLst>
       <p:ext uri="{BB962C8B-B14F-4D97-AF65-F5344CB8AC3E}">
-        <p14:creationId xmlns:p14="http://schemas.microsoft.com/office/powerpoint/2010/main" xmlns="" val="2985799067"/>
+        <p14:creationId xmlns:p14="http://schemas.microsoft.com/office/powerpoint/2010/main" val="2985799067"/>
       </p:ext>
     </p:extLst>
   </p:cSld>
@@ -25535,7 +25739,7 @@
           <a:blip r:embed="rId2">
             <a:extLst>
               <a:ext uri="{28A0092B-C50C-407E-A947-70E740481C1C}">
-                <a14:useLocalDpi xmlns:a14="http://schemas.microsoft.com/office/drawing/2010/main" xmlns="" val="0"/>
+                <a14:useLocalDpi xmlns:a14="http://schemas.microsoft.com/office/drawing/2010/main" val="0"/>
               </a:ext>
             </a:extLst>
           </a:blip>
@@ -25558,14 +25762,14 @@
           </a:ln>
           <a:extLst>
             <a:ext uri="{909E8E84-426E-40DD-AFC4-6F175D3DCCD1}">
-              <a14:hiddenFill xmlns:a14="http://schemas.microsoft.com/office/drawing/2010/main" xmlns="">
+              <a14:hiddenFill xmlns:a14="http://schemas.microsoft.com/office/drawing/2010/main">
                 <a:solidFill>
                   <a:schemeClr val="accent1"/>
                 </a:solidFill>
               </a14:hiddenFill>
             </a:ext>
             <a:ext uri="{91240B29-F687-4F45-9708-019B960494DF}">
-              <a14:hiddenLine xmlns:a14="http://schemas.microsoft.com/office/drawing/2010/main" xmlns="" w="9525">
+              <a14:hiddenLine xmlns:a14="http://schemas.microsoft.com/office/drawing/2010/main" w="9525">
                 <a:solidFill>
                   <a:schemeClr val="tx1"/>
                 </a:solidFill>
@@ -25589,7 +25793,7 @@
           <a:blip r:embed="rId3">
             <a:extLst>
               <a:ext uri="{28A0092B-C50C-407E-A947-70E740481C1C}">
-                <a14:useLocalDpi xmlns:a14="http://schemas.microsoft.com/office/drawing/2010/main" xmlns="" val="0"/>
+                <a14:useLocalDpi xmlns:a14="http://schemas.microsoft.com/office/drawing/2010/main" val="0"/>
               </a:ext>
             </a:extLst>
           </a:blip>
@@ -25612,14 +25816,14 @@
           </a:ln>
           <a:extLst>
             <a:ext uri="{909E8E84-426E-40DD-AFC4-6F175D3DCCD1}">
-              <a14:hiddenFill xmlns:a14="http://schemas.microsoft.com/office/drawing/2010/main" xmlns="">
+              <a14:hiddenFill xmlns:a14="http://schemas.microsoft.com/office/drawing/2010/main">
                 <a:solidFill>
                   <a:schemeClr val="accent1"/>
                 </a:solidFill>
               </a14:hiddenFill>
             </a:ext>
             <a:ext uri="{91240B29-F687-4F45-9708-019B960494DF}">
-              <a14:hiddenLine xmlns:a14="http://schemas.microsoft.com/office/drawing/2010/main" xmlns="" w="9525">
+              <a14:hiddenLine xmlns:a14="http://schemas.microsoft.com/office/drawing/2010/main" w="9525">
                 <a:solidFill>
                   <a:schemeClr val="tx1"/>
                 </a:solidFill>
@@ -25643,7 +25847,7 @@
           <a:blip r:embed="rId4">
             <a:extLst>
               <a:ext uri="{28A0092B-C50C-407E-A947-70E740481C1C}">
-                <a14:useLocalDpi xmlns:a14="http://schemas.microsoft.com/office/drawing/2010/main" xmlns="" val="0"/>
+                <a14:useLocalDpi xmlns:a14="http://schemas.microsoft.com/office/drawing/2010/main" val="0"/>
               </a:ext>
             </a:extLst>
           </a:blip>
@@ -25666,14 +25870,14 @@
           </a:ln>
           <a:extLst>
             <a:ext uri="{909E8E84-426E-40DD-AFC4-6F175D3DCCD1}">
-              <a14:hiddenFill xmlns:a14="http://schemas.microsoft.com/office/drawing/2010/main" xmlns="">
+              <a14:hiddenFill xmlns:a14="http://schemas.microsoft.com/office/drawing/2010/main">
                 <a:solidFill>
                   <a:schemeClr val="accent1"/>
                 </a:solidFill>
               </a14:hiddenFill>
             </a:ext>
             <a:ext uri="{91240B29-F687-4F45-9708-019B960494DF}">
-              <a14:hiddenLine xmlns:a14="http://schemas.microsoft.com/office/drawing/2010/main" xmlns="" w="9525">
+              <a14:hiddenLine xmlns:a14="http://schemas.microsoft.com/office/drawing/2010/main" w="9525">
                 <a:solidFill>
                   <a:schemeClr val="tx1"/>
                 </a:solidFill>
@@ -25697,7 +25901,7 @@
           <a:blip r:embed="rId5">
             <a:extLst>
               <a:ext uri="{28A0092B-C50C-407E-A947-70E740481C1C}">
-                <a14:useLocalDpi xmlns:a14="http://schemas.microsoft.com/office/drawing/2010/main" xmlns="" val="0"/>
+                <a14:useLocalDpi xmlns:a14="http://schemas.microsoft.com/office/drawing/2010/main" val="0"/>
               </a:ext>
             </a:extLst>
           </a:blip>
@@ -25720,14 +25924,14 @@
           </a:ln>
           <a:extLst>
             <a:ext uri="{909E8E84-426E-40DD-AFC4-6F175D3DCCD1}">
-              <a14:hiddenFill xmlns:a14="http://schemas.microsoft.com/office/drawing/2010/main" xmlns="">
+              <a14:hiddenFill xmlns:a14="http://schemas.microsoft.com/office/drawing/2010/main">
                 <a:solidFill>
                   <a:schemeClr val="accent1"/>
                 </a:solidFill>
               </a14:hiddenFill>
             </a:ext>
             <a:ext uri="{91240B29-F687-4F45-9708-019B960494DF}">
-              <a14:hiddenLine xmlns:a14="http://schemas.microsoft.com/office/drawing/2010/main" xmlns="" w="9525">
+              <a14:hiddenLine xmlns:a14="http://schemas.microsoft.com/office/drawing/2010/main" w="9525">
                 <a:solidFill>
                   <a:schemeClr val="tx1"/>
                 </a:solidFill>
@@ -25742,7 +25946,7 @@
     </p:spTree>
     <p:extLst>
       <p:ext uri="{BB962C8B-B14F-4D97-AF65-F5344CB8AC3E}">
-        <p14:creationId xmlns:p14="http://schemas.microsoft.com/office/powerpoint/2010/main" xmlns="" val="982467530"/>
+        <p14:creationId xmlns:p14="http://schemas.microsoft.com/office/powerpoint/2010/main" val="982467530"/>
       </p:ext>
     </p:extLst>
   </p:cSld>
@@ -25810,7 +26014,7 @@
           <a:blip r:embed="rId2">
             <a:extLst>
               <a:ext uri="{28A0092B-C50C-407E-A947-70E740481C1C}">
-                <a14:useLocalDpi xmlns:a14="http://schemas.microsoft.com/office/drawing/2010/main" xmlns="" val="0"/>
+                <a14:useLocalDpi xmlns:a14="http://schemas.microsoft.com/office/drawing/2010/main" val="0"/>
               </a:ext>
             </a:extLst>
           </a:blip>
@@ -25833,14 +26037,14 @@
           </a:ln>
           <a:extLst>
             <a:ext uri="{909E8E84-426E-40DD-AFC4-6F175D3DCCD1}">
-              <a14:hiddenFill xmlns:a14="http://schemas.microsoft.com/office/drawing/2010/main" xmlns="">
+              <a14:hiddenFill xmlns:a14="http://schemas.microsoft.com/office/drawing/2010/main">
                 <a:solidFill>
                   <a:schemeClr val="accent1"/>
                 </a:solidFill>
               </a14:hiddenFill>
             </a:ext>
             <a:ext uri="{91240B29-F687-4F45-9708-019B960494DF}">
-              <a14:hiddenLine xmlns:a14="http://schemas.microsoft.com/office/drawing/2010/main" xmlns="" w="9525">
+              <a14:hiddenLine xmlns:a14="http://schemas.microsoft.com/office/drawing/2010/main" w="9525">
                 <a:solidFill>
                   <a:schemeClr val="tx1"/>
                 </a:solidFill>
@@ -25855,7 +26059,7 @@
     </p:spTree>
     <p:extLst>
       <p:ext uri="{BB962C8B-B14F-4D97-AF65-F5344CB8AC3E}">
-        <p14:creationId xmlns:p14="http://schemas.microsoft.com/office/powerpoint/2010/main" xmlns="" val="1812611124"/>
+        <p14:creationId xmlns:p14="http://schemas.microsoft.com/office/powerpoint/2010/main" val="1812611124"/>
       </p:ext>
     </p:extLst>
   </p:cSld>
@@ -25923,7 +26127,7 @@
           <a:blip r:embed="rId2">
             <a:extLst>
               <a:ext uri="{28A0092B-C50C-407E-A947-70E740481C1C}">
-                <a14:useLocalDpi xmlns:a14="http://schemas.microsoft.com/office/drawing/2010/main" xmlns="" val="0"/>
+                <a14:useLocalDpi xmlns:a14="http://schemas.microsoft.com/office/drawing/2010/main" val="0"/>
               </a:ext>
             </a:extLst>
           </a:blip>
@@ -25946,14 +26150,14 @@
           </a:ln>
           <a:extLst>
             <a:ext uri="{909E8E84-426E-40DD-AFC4-6F175D3DCCD1}">
-              <a14:hiddenFill xmlns:a14="http://schemas.microsoft.com/office/drawing/2010/main" xmlns="">
+              <a14:hiddenFill xmlns:a14="http://schemas.microsoft.com/office/drawing/2010/main">
                 <a:solidFill>
                   <a:schemeClr val="accent1"/>
                 </a:solidFill>
               </a14:hiddenFill>
             </a:ext>
             <a:ext uri="{91240B29-F687-4F45-9708-019B960494DF}">
-              <a14:hiddenLine xmlns:a14="http://schemas.microsoft.com/office/drawing/2010/main" xmlns="" w="9525">
+              <a14:hiddenLine xmlns:a14="http://schemas.microsoft.com/office/drawing/2010/main" w="9525">
                 <a:solidFill>
                   <a:schemeClr val="tx1"/>
                 </a:solidFill>
@@ -25968,7 +26172,7 @@
     </p:spTree>
     <p:extLst>
       <p:ext uri="{BB962C8B-B14F-4D97-AF65-F5344CB8AC3E}">
-        <p14:creationId xmlns:p14="http://schemas.microsoft.com/office/powerpoint/2010/main" xmlns="" val="255732066"/>
+        <p14:creationId xmlns:p14="http://schemas.microsoft.com/office/powerpoint/2010/main" val="255732066"/>
       </p:ext>
     </p:extLst>
   </p:cSld>
@@ -26038,7 +26242,7 @@
           <a:blip r:embed="rId2">
             <a:extLst>
               <a:ext uri="{28A0092B-C50C-407E-A947-70E740481C1C}">
-                <a14:useLocalDpi xmlns:a14="http://schemas.microsoft.com/office/drawing/2010/main" xmlns="" val="0"/>
+                <a14:useLocalDpi xmlns:a14="http://schemas.microsoft.com/office/drawing/2010/main" val="0"/>
               </a:ext>
             </a:extLst>
           </a:blip>
@@ -26061,14 +26265,14 @@
           </a:ln>
           <a:extLst>
             <a:ext uri="{909E8E84-426E-40DD-AFC4-6F175D3DCCD1}">
-              <a14:hiddenFill xmlns:a14="http://schemas.microsoft.com/office/drawing/2010/main" xmlns="">
+              <a14:hiddenFill xmlns:a14="http://schemas.microsoft.com/office/drawing/2010/main">
                 <a:solidFill>
                   <a:schemeClr val="accent1"/>
                 </a:solidFill>
               </a14:hiddenFill>
             </a:ext>
             <a:ext uri="{91240B29-F687-4F45-9708-019B960494DF}">
-              <a14:hiddenLine xmlns:a14="http://schemas.microsoft.com/office/drawing/2010/main" xmlns="" w="9525">
+              <a14:hiddenLine xmlns:a14="http://schemas.microsoft.com/office/drawing/2010/main" w="9525">
                 <a:solidFill>
                   <a:schemeClr val="tx1"/>
                 </a:solidFill>
@@ -26092,7 +26296,7 @@
           <a:blip r:embed="rId3">
             <a:extLst>
               <a:ext uri="{28A0092B-C50C-407E-A947-70E740481C1C}">
-                <a14:useLocalDpi xmlns:a14="http://schemas.microsoft.com/office/drawing/2010/main" xmlns="" val="0"/>
+                <a14:useLocalDpi xmlns:a14="http://schemas.microsoft.com/office/drawing/2010/main" val="0"/>
               </a:ext>
             </a:extLst>
           </a:blip>
@@ -26115,14 +26319,14 @@
           </a:ln>
           <a:extLst>
             <a:ext uri="{909E8E84-426E-40DD-AFC4-6F175D3DCCD1}">
-              <a14:hiddenFill xmlns:a14="http://schemas.microsoft.com/office/drawing/2010/main" xmlns="">
+              <a14:hiddenFill xmlns:a14="http://schemas.microsoft.com/office/drawing/2010/main">
                 <a:solidFill>
                   <a:schemeClr val="accent1"/>
                 </a:solidFill>
               </a14:hiddenFill>
             </a:ext>
             <a:ext uri="{91240B29-F687-4F45-9708-019B960494DF}">
-              <a14:hiddenLine xmlns:a14="http://schemas.microsoft.com/office/drawing/2010/main" xmlns="" w="9525">
+              <a14:hiddenLine xmlns:a14="http://schemas.microsoft.com/office/drawing/2010/main" w="9525">
                 <a:solidFill>
                   <a:schemeClr val="tx1"/>
                 </a:solidFill>
@@ -26146,7 +26350,7 @@
           <a:blip r:embed="rId4">
             <a:extLst>
               <a:ext uri="{28A0092B-C50C-407E-A947-70E740481C1C}">
-                <a14:useLocalDpi xmlns:a14="http://schemas.microsoft.com/office/drawing/2010/main" xmlns="" val="0"/>
+                <a14:useLocalDpi xmlns:a14="http://schemas.microsoft.com/office/drawing/2010/main" val="0"/>
               </a:ext>
             </a:extLst>
           </a:blip>
@@ -26169,14 +26373,14 @@
           </a:ln>
           <a:extLst>
             <a:ext uri="{909E8E84-426E-40DD-AFC4-6F175D3DCCD1}">
-              <a14:hiddenFill xmlns:a14="http://schemas.microsoft.com/office/drawing/2010/main" xmlns="">
+              <a14:hiddenFill xmlns:a14="http://schemas.microsoft.com/office/drawing/2010/main">
                 <a:solidFill>
                   <a:schemeClr val="accent1"/>
                 </a:solidFill>
               </a14:hiddenFill>
             </a:ext>
             <a:ext uri="{91240B29-F687-4F45-9708-019B960494DF}">
-              <a14:hiddenLine xmlns:a14="http://schemas.microsoft.com/office/drawing/2010/main" xmlns="" w="9525">
+              <a14:hiddenLine xmlns:a14="http://schemas.microsoft.com/office/drawing/2010/main" w="9525">
                 <a:solidFill>
                   <a:schemeClr val="tx1"/>
                 </a:solidFill>
@@ -26191,7 +26395,7 @@
     </p:spTree>
     <p:extLst>
       <p:ext uri="{BB962C8B-B14F-4D97-AF65-F5344CB8AC3E}">
-        <p14:creationId xmlns:p14="http://schemas.microsoft.com/office/powerpoint/2010/main" xmlns="" val="2221401654"/>
+        <p14:creationId xmlns:p14="http://schemas.microsoft.com/office/powerpoint/2010/main" val="2221401654"/>
       </p:ext>
     </p:extLst>
   </p:cSld>
@@ -26296,7 +26500,7 @@
     </p:spTree>
     <p:extLst>
       <p:ext uri="{BB962C8B-B14F-4D97-AF65-F5344CB8AC3E}">
-        <p14:creationId xmlns:p14="http://schemas.microsoft.com/office/powerpoint/2010/main" xmlns="" val="814595774"/>
+        <p14:creationId xmlns:p14="http://schemas.microsoft.com/office/powerpoint/2010/main" val="814595774"/>
       </p:ext>
     </p:extLst>
   </p:cSld>
@@ -26419,7 +26623,7 @@
     </p:spTree>
     <p:extLst>
       <p:ext uri="{BB962C8B-B14F-4D97-AF65-F5344CB8AC3E}">
-        <p14:creationId xmlns:p14="http://schemas.microsoft.com/office/powerpoint/2010/main" xmlns="" val="2677251110"/>
+        <p14:creationId xmlns:p14="http://schemas.microsoft.com/office/powerpoint/2010/main" val="2677251110"/>
       </p:ext>
     </p:extLst>
   </p:cSld>
@@ -26516,7 +26720,7 @@
     </p:spTree>
     <p:extLst>
       <p:ext uri="{BB962C8B-B14F-4D97-AF65-F5344CB8AC3E}">
-        <p14:creationId xmlns:p14="http://schemas.microsoft.com/office/powerpoint/2010/main" xmlns="" val="3391530097"/>
+        <p14:creationId xmlns:p14="http://schemas.microsoft.com/office/powerpoint/2010/main" val="3391530097"/>
       </p:ext>
     </p:extLst>
   </p:cSld>
@@ -26626,7 +26830,7 @@
     </p:spTree>
     <p:extLst>
       <p:ext uri="{BB962C8B-B14F-4D97-AF65-F5344CB8AC3E}">
-        <p14:creationId xmlns:p14="http://schemas.microsoft.com/office/powerpoint/2010/main" xmlns="" val="1383352224"/>
+        <p14:creationId xmlns:p14="http://schemas.microsoft.com/office/powerpoint/2010/main" val="1383352224"/>
       </p:ext>
     </p:extLst>
   </p:cSld>
@@ -26768,7 +26972,7 @@
     </p:spTree>
     <p:extLst>
       <p:ext uri="{BB962C8B-B14F-4D97-AF65-F5344CB8AC3E}">
-        <p14:creationId xmlns:p14="http://schemas.microsoft.com/office/powerpoint/2010/main" xmlns="" val="2447491790"/>
+        <p14:creationId xmlns:p14="http://schemas.microsoft.com/office/powerpoint/2010/main" val="2447491790"/>
       </p:ext>
     </p:extLst>
   </p:cSld>
@@ -26837,7 +27041,7 @@
           <a:blip r:embed="rId2">
             <a:extLst>
               <a:ext uri="{28A0092B-C50C-407E-A947-70E740481C1C}">
-                <a14:useLocalDpi xmlns:a14="http://schemas.microsoft.com/office/drawing/2010/main" xmlns="" val="0"/>
+                <a14:useLocalDpi xmlns:a14="http://schemas.microsoft.com/office/drawing/2010/main" val="0"/>
               </a:ext>
             </a:extLst>
           </a:blip>
@@ -26860,14 +27064,14 @@
           </a:ln>
           <a:extLst>
             <a:ext uri="{909E8E84-426E-40DD-AFC4-6F175D3DCCD1}">
-              <a14:hiddenFill xmlns:a14="http://schemas.microsoft.com/office/drawing/2010/main" xmlns="">
+              <a14:hiddenFill xmlns:a14="http://schemas.microsoft.com/office/drawing/2010/main">
                 <a:solidFill>
                   <a:schemeClr val="accent1"/>
                 </a:solidFill>
               </a14:hiddenFill>
             </a:ext>
             <a:ext uri="{91240B29-F687-4F45-9708-019B960494DF}">
-              <a14:hiddenLine xmlns:a14="http://schemas.microsoft.com/office/drawing/2010/main" xmlns="" w="9525">
+              <a14:hiddenLine xmlns:a14="http://schemas.microsoft.com/office/drawing/2010/main" w="9525">
                 <a:solidFill>
                   <a:schemeClr val="tx1"/>
                 </a:solidFill>
@@ -26936,7 +27140,7 @@
     </p:spTree>
     <p:extLst>
       <p:ext uri="{BB962C8B-B14F-4D97-AF65-F5344CB8AC3E}">
-        <p14:creationId xmlns:p14="http://schemas.microsoft.com/office/powerpoint/2010/main" xmlns="" val="866721396"/>
+        <p14:creationId xmlns:p14="http://schemas.microsoft.com/office/powerpoint/2010/main" val="866721396"/>
       </p:ext>
     </p:extLst>
   </p:cSld>
@@ -27032,7 +27236,7 @@
     </p:spTree>
     <p:extLst>
       <p:ext uri="{BB962C8B-B14F-4D97-AF65-F5344CB8AC3E}">
-        <p14:creationId xmlns:p14="http://schemas.microsoft.com/office/powerpoint/2010/main" xmlns="" val="4070814654"/>
+        <p14:creationId xmlns:p14="http://schemas.microsoft.com/office/powerpoint/2010/main" val="4070814654"/>
       </p:ext>
     </p:extLst>
   </p:cSld>
@@ -27105,7 +27309,7 @@
           <a:blip r:embed="rId2">
             <a:extLst>
               <a:ext uri="{28A0092B-C50C-407E-A947-70E740481C1C}">
-                <a14:useLocalDpi xmlns:a14="http://schemas.microsoft.com/office/drawing/2010/main" xmlns="" val="0"/>
+                <a14:useLocalDpi xmlns:a14="http://schemas.microsoft.com/office/drawing/2010/main" val="0"/>
               </a:ext>
             </a:extLst>
           </a:blip>
@@ -27128,14 +27332,14 @@
           </a:ln>
           <a:extLst>
             <a:ext uri="{909E8E84-426E-40DD-AFC4-6F175D3DCCD1}">
-              <a14:hiddenFill xmlns:a14="http://schemas.microsoft.com/office/drawing/2010/main" xmlns="">
+              <a14:hiddenFill xmlns:a14="http://schemas.microsoft.com/office/drawing/2010/main">
                 <a:solidFill>
                   <a:schemeClr val="accent1"/>
                 </a:solidFill>
               </a14:hiddenFill>
             </a:ext>
             <a:ext uri="{91240B29-F687-4F45-9708-019B960494DF}">
-              <a14:hiddenLine xmlns:a14="http://schemas.microsoft.com/office/drawing/2010/main" xmlns="" w="9525">
+              <a14:hiddenLine xmlns:a14="http://schemas.microsoft.com/office/drawing/2010/main" w="9525">
                 <a:solidFill>
                   <a:schemeClr val="tx1"/>
                 </a:solidFill>
@@ -27150,7 +27354,7 @@
     </p:spTree>
     <p:extLst>
       <p:ext uri="{BB962C8B-B14F-4D97-AF65-F5344CB8AC3E}">
-        <p14:creationId xmlns:p14="http://schemas.microsoft.com/office/powerpoint/2010/main" xmlns="" val="270026370"/>
+        <p14:creationId xmlns:p14="http://schemas.microsoft.com/office/powerpoint/2010/main" val="270026370"/>
       </p:ext>
     </p:extLst>
   </p:cSld>
@@ -27220,7 +27424,7 @@
           <a:blip r:embed="rId2">
             <a:extLst>
               <a:ext uri="{28A0092B-C50C-407E-A947-70E740481C1C}">
-                <a14:useLocalDpi xmlns:a14="http://schemas.microsoft.com/office/drawing/2010/main" xmlns="" val="0"/>
+                <a14:useLocalDpi xmlns:a14="http://schemas.microsoft.com/office/drawing/2010/main" val="0"/>
               </a:ext>
             </a:extLst>
           </a:blip>
@@ -27243,14 +27447,14 @@
           </a:ln>
           <a:extLst>
             <a:ext uri="{909E8E84-426E-40DD-AFC4-6F175D3DCCD1}">
-              <a14:hiddenFill xmlns:a14="http://schemas.microsoft.com/office/drawing/2010/main" xmlns="">
+              <a14:hiddenFill xmlns:a14="http://schemas.microsoft.com/office/drawing/2010/main">
                 <a:solidFill>
                   <a:schemeClr val="accent1"/>
                 </a:solidFill>
               </a14:hiddenFill>
             </a:ext>
             <a:ext uri="{91240B29-F687-4F45-9708-019B960494DF}">
-              <a14:hiddenLine xmlns:a14="http://schemas.microsoft.com/office/drawing/2010/main" xmlns="" w="9525">
+              <a14:hiddenLine xmlns:a14="http://schemas.microsoft.com/office/drawing/2010/main" w="9525">
                 <a:solidFill>
                   <a:schemeClr val="tx1"/>
                 </a:solidFill>
@@ -27274,7 +27478,7 @@
           <a:blip r:embed="rId3">
             <a:extLst>
               <a:ext uri="{28A0092B-C50C-407E-A947-70E740481C1C}">
-                <a14:useLocalDpi xmlns:a14="http://schemas.microsoft.com/office/drawing/2010/main" xmlns="" val="0"/>
+                <a14:useLocalDpi xmlns:a14="http://schemas.microsoft.com/office/drawing/2010/main" val="0"/>
               </a:ext>
             </a:extLst>
           </a:blip>
@@ -27297,14 +27501,14 @@
           </a:ln>
           <a:extLst>
             <a:ext uri="{909E8E84-426E-40DD-AFC4-6F175D3DCCD1}">
-              <a14:hiddenFill xmlns:a14="http://schemas.microsoft.com/office/drawing/2010/main" xmlns="">
+              <a14:hiddenFill xmlns:a14="http://schemas.microsoft.com/office/drawing/2010/main">
                 <a:solidFill>
                   <a:schemeClr val="accent1"/>
                 </a:solidFill>
               </a14:hiddenFill>
             </a:ext>
             <a:ext uri="{91240B29-F687-4F45-9708-019B960494DF}">
-              <a14:hiddenLine xmlns:a14="http://schemas.microsoft.com/office/drawing/2010/main" xmlns="" w="9525">
+              <a14:hiddenLine xmlns:a14="http://schemas.microsoft.com/office/drawing/2010/main" w="9525">
                 <a:solidFill>
                   <a:schemeClr val="tx1"/>
                 </a:solidFill>
@@ -27358,7 +27562,7 @@
           <a:blip r:embed="rId4">
             <a:extLst>
               <a:ext uri="{28A0092B-C50C-407E-A947-70E740481C1C}">
-                <a14:useLocalDpi xmlns:a14="http://schemas.microsoft.com/office/drawing/2010/main" xmlns="" val="0"/>
+                <a14:useLocalDpi xmlns:a14="http://schemas.microsoft.com/office/drawing/2010/main" val="0"/>
               </a:ext>
             </a:extLst>
           </a:blip>
@@ -27381,14 +27585,14 @@
           </a:ln>
           <a:extLst>
             <a:ext uri="{909E8E84-426E-40DD-AFC4-6F175D3DCCD1}">
-              <a14:hiddenFill xmlns:a14="http://schemas.microsoft.com/office/drawing/2010/main" xmlns="">
+              <a14:hiddenFill xmlns:a14="http://schemas.microsoft.com/office/drawing/2010/main">
                 <a:solidFill>
                   <a:schemeClr val="accent1"/>
                 </a:solidFill>
               </a14:hiddenFill>
             </a:ext>
             <a:ext uri="{91240B29-F687-4F45-9708-019B960494DF}">
-              <a14:hiddenLine xmlns:a14="http://schemas.microsoft.com/office/drawing/2010/main" xmlns="" w="9525">
+              <a14:hiddenLine xmlns:a14="http://schemas.microsoft.com/office/drawing/2010/main" w="9525">
                 <a:solidFill>
                   <a:schemeClr val="tx1"/>
                 </a:solidFill>
@@ -27403,7 +27607,7 @@
     </p:spTree>
     <p:extLst>
       <p:ext uri="{BB962C8B-B14F-4D97-AF65-F5344CB8AC3E}">
-        <p14:creationId xmlns:p14="http://schemas.microsoft.com/office/powerpoint/2010/main" xmlns="" val="2195662521"/>
+        <p14:creationId xmlns:p14="http://schemas.microsoft.com/office/powerpoint/2010/main" val="2195662521"/>
       </p:ext>
     </p:extLst>
   </p:cSld>
@@ -27476,7 +27680,7 @@
           <a:blip r:embed="rId2">
             <a:extLst>
               <a:ext uri="{28A0092B-C50C-407E-A947-70E740481C1C}">
-                <a14:useLocalDpi xmlns:a14="http://schemas.microsoft.com/office/drawing/2010/main" xmlns="" val="0"/>
+                <a14:useLocalDpi xmlns:a14="http://schemas.microsoft.com/office/drawing/2010/main" val="0"/>
               </a:ext>
             </a:extLst>
           </a:blip>
@@ -27499,14 +27703,14 @@
           </a:ln>
           <a:extLst>
             <a:ext uri="{909E8E84-426E-40DD-AFC4-6F175D3DCCD1}">
-              <a14:hiddenFill xmlns:a14="http://schemas.microsoft.com/office/drawing/2010/main" xmlns="">
+              <a14:hiddenFill xmlns:a14="http://schemas.microsoft.com/office/drawing/2010/main">
                 <a:solidFill>
                   <a:schemeClr val="accent1"/>
                 </a:solidFill>
               </a14:hiddenFill>
             </a:ext>
             <a:ext uri="{91240B29-F687-4F45-9708-019B960494DF}">
-              <a14:hiddenLine xmlns:a14="http://schemas.microsoft.com/office/drawing/2010/main" xmlns="" w="9525">
+              <a14:hiddenLine xmlns:a14="http://schemas.microsoft.com/office/drawing/2010/main" w="9525">
                 <a:solidFill>
                   <a:schemeClr val="tx1"/>
                 </a:solidFill>
@@ -27530,7 +27734,7 @@
           <a:blip r:embed="rId3">
             <a:extLst>
               <a:ext uri="{28A0092B-C50C-407E-A947-70E740481C1C}">
-                <a14:useLocalDpi xmlns:a14="http://schemas.microsoft.com/office/drawing/2010/main" xmlns="" val="0"/>
+                <a14:useLocalDpi xmlns:a14="http://schemas.microsoft.com/office/drawing/2010/main" val="0"/>
               </a:ext>
             </a:extLst>
           </a:blip>
@@ -27553,14 +27757,14 @@
           </a:ln>
           <a:extLst>
             <a:ext uri="{909E8E84-426E-40DD-AFC4-6F175D3DCCD1}">
-              <a14:hiddenFill xmlns:a14="http://schemas.microsoft.com/office/drawing/2010/main" xmlns="">
+              <a14:hiddenFill xmlns:a14="http://schemas.microsoft.com/office/drawing/2010/main">
                 <a:solidFill>
                   <a:schemeClr val="accent1"/>
                 </a:solidFill>
               </a14:hiddenFill>
             </a:ext>
             <a:ext uri="{91240B29-F687-4F45-9708-019B960494DF}">
-              <a14:hiddenLine xmlns:a14="http://schemas.microsoft.com/office/drawing/2010/main" xmlns="" w="9525">
+              <a14:hiddenLine xmlns:a14="http://schemas.microsoft.com/office/drawing/2010/main" w="9525">
                 <a:solidFill>
                   <a:schemeClr val="tx1"/>
                 </a:solidFill>
@@ -27575,7 +27779,7 @@
     </p:spTree>
     <p:extLst>
       <p:ext uri="{BB962C8B-B14F-4D97-AF65-F5344CB8AC3E}">
-        <p14:creationId xmlns:p14="http://schemas.microsoft.com/office/powerpoint/2010/main" xmlns="" val="4101799619"/>
+        <p14:creationId xmlns:p14="http://schemas.microsoft.com/office/powerpoint/2010/main" val="4101799619"/>
       </p:ext>
     </p:extLst>
   </p:cSld>
@@ -27623,7 +27827,7 @@
           <a:blip r:embed="rId2">
             <a:extLst>
               <a:ext uri="{28A0092B-C50C-407E-A947-70E740481C1C}">
-                <a14:useLocalDpi xmlns:a14="http://schemas.microsoft.com/office/drawing/2010/main" xmlns="" val="0"/>
+                <a14:useLocalDpi xmlns:a14="http://schemas.microsoft.com/office/drawing/2010/main" val="0"/>
               </a:ext>
             </a:extLst>
           </a:blip>
@@ -27646,14 +27850,14 @@
           </a:ln>
           <a:extLst>
             <a:ext uri="{909E8E84-426E-40DD-AFC4-6F175D3DCCD1}">
-              <a14:hiddenFill xmlns:a14="http://schemas.microsoft.com/office/drawing/2010/main" xmlns="">
+              <a14:hiddenFill xmlns:a14="http://schemas.microsoft.com/office/drawing/2010/main">
                 <a:solidFill>
                   <a:schemeClr val="accent1"/>
                 </a:solidFill>
               </a14:hiddenFill>
             </a:ext>
             <a:ext uri="{91240B29-F687-4F45-9708-019B960494DF}">
-              <a14:hiddenLine xmlns:a14="http://schemas.microsoft.com/office/drawing/2010/main" xmlns="" w="9525">
+              <a14:hiddenLine xmlns:a14="http://schemas.microsoft.com/office/drawing/2010/main" w="9525">
                 <a:solidFill>
                   <a:schemeClr val="tx1"/>
                 </a:solidFill>
@@ -27677,7 +27881,7 @@
           <a:blip r:embed="rId3">
             <a:extLst>
               <a:ext uri="{28A0092B-C50C-407E-A947-70E740481C1C}">
-                <a14:useLocalDpi xmlns:a14="http://schemas.microsoft.com/office/drawing/2010/main" xmlns="" val="0"/>
+                <a14:useLocalDpi xmlns:a14="http://schemas.microsoft.com/office/drawing/2010/main" val="0"/>
               </a:ext>
             </a:extLst>
           </a:blip>
@@ -27700,14 +27904,14 @@
           </a:ln>
           <a:extLst>
             <a:ext uri="{909E8E84-426E-40DD-AFC4-6F175D3DCCD1}">
-              <a14:hiddenFill xmlns:a14="http://schemas.microsoft.com/office/drawing/2010/main" xmlns="">
+              <a14:hiddenFill xmlns:a14="http://schemas.microsoft.com/office/drawing/2010/main">
                 <a:solidFill>
                   <a:schemeClr val="accent1"/>
                 </a:solidFill>
               </a14:hiddenFill>
             </a:ext>
             <a:ext uri="{91240B29-F687-4F45-9708-019B960494DF}">
-              <a14:hiddenLine xmlns:a14="http://schemas.microsoft.com/office/drawing/2010/main" xmlns="" w="9525">
+              <a14:hiddenLine xmlns:a14="http://schemas.microsoft.com/office/drawing/2010/main" w="9525">
                 <a:solidFill>
                   <a:schemeClr val="tx1"/>
                 </a:solidFill>
@@ -27722,7 +27926,7 @@
     </p:spTree>
     <p:extLst>
       <p:ext uri="{BB962C8B-B14F-4D97-AF65-F5344CB8AC3E}">
-        <p14:creationId xmlns:p14="http://schemas.microsoft.com/office/powerpoint/2010/main" xmlns="" val="3790154819"/>
+        <p14:creationId xmlns:p14="http://schemas.microsoft.com/office/powerpoint/2010/main" val="3790154819"/>
       </p:ext>
     </p:extLst>
   </p:cSld>
@@ -27779,8 +27983,8 @@
           </a:p>
         </p:txBody>
       </p:sp>
-      <mc:AlternateContent xmlns:mc="http://schemas.openxmlformats.org/markup-compatibility/2006">
-        <mc:Choice xmlns:a14="http://schemas.microsoft.com/office/drawing/2010/main" xmlns="" Requires="a14">
+      <mc:AlternateContent xmlns:mc="http://schemas.openxmlformats.org/markup-compatibility/2006" xmlns:a14="http://schemas.microsoft.com/office/drawing/2010/main">
+        <mc:Choice Requires="a14">
           <p:sp>
             <p:nvSpPr>
               <p:cNvPr id="3" name="Content Placeholder 2"/>
@@ -27834,7 +28038,7 @@
                       <m:fPr>
                         <m:ctrlPr>
                           <a:rPr lang="en-IN" i="1" smtClean="0">
-                            <a:latin typeface="Cambria Math"/>
+                            <a:latin typeface="Cambria Math" panose="02040503050406030204" pitchFamily="18" charset="0"/>
                           </a:rPr>
                         </m:ctrlPr>
                       </m:fPr>
@@ -27878,7 +28082,7 @@
             </p:txBody>
           </p:sp>
         </mc:Choice>
-        <mc:Fallback>
+        <mc:Fallback xmlns="">
           <p:sp>
             <p:nvSpPr>
               <p:cNvPr id="3" name="Content Placeholder 2"/>
@@ -27915,7 +28119,7 @@
     </p:spTree>
     <p:extLst>
       <p:ext uri="{BB962C8B-B14F-4D97-AF65-F5344CB8AC3E}">
-        <p14:creationId xmlns:p14="http://schemas.microsoft.com/office/powerpoint/2010/main" xmlns="" val="1142909078"/>
+        <p14:creationId xmlns:p14="http://schemas.microsoft.com/office/powerpoint/2010/main" val="1142909078"/>
       </p:ext>
     </p:extLst>
   </p:cSld>
@@ -27961,7 +28165,7 @@
           <a:blip r:embed="rId2">
             <a:extLst>
               <a:ext uri="{28A0092B-C50C-407E-A947-70E740481C1C}">
-                <a14:useLocalDpi xmlns:a14="http://schemas.microsoft.com/office/drawing/2010/main" xmlns="" val="0"/>
+                <a14:useLocalDpi xmlns:a14="http://schemas.microsoft.com/office/drawing/2010/main" val="0"/>
               </a:ext>
             </a:extLst>
           </a:blip>
@@ -27984,14 +28188,14 @@
           </a:ln>
           <a:extLst>
             <a:ext uri="{909E8E84-426E-40DD-AFC4-6F175D3DCCD1}">
-              <a14:hiddenFill xmlns:a14="http://schemas.microsoft.com/office/drawing/2010/main" xmlns="">
+              <a14:hiddenFill xmlns:a14="http://schemas.microsoft.com/office/drawing/2010/main">
                 <a:solidFill>
                   <a:schemeClr val="accent1"/>
                 </a:solidFill>
               </a14:hiddenFill>
             </a:ext>
             <a:ext uri="{91240B29-F687-4F45-9708-019B960494DF}">
-              <a14:hiddenLine xmlns:a14="http://schemas.microsoft.com/office/drawing/2010/main" xmlns="" w="9525">
+              <a14:hiddenLine xmlns:a14="http://schemas.microsoft.com/office/drawing/2010/main" w="9525">
                 <a:solidFill>
                   <a:schemeClr val="tx1"/>
                 </a:solidFill>
@@ -28015,7 +28219,7 @@
           <a:blip r:embed="rId3">
             <a:extLst>
               <a:ext uri="{28A0092B-C50C-407E-A947-70E740481C1C}">
-                <a14:useLocalDpi xmlns:a14="http://schemas.microsoft.com/office/drawing/2010/main" xmlns="" val="0"/>
+                <a14:useLocalDpi xmlns:a14="http://schemas.microsoft.com/office/drawing/2010/main" val="0"/>
               </a:ext>
             </a:extLst>
           </a:blip>
@@ -28038,14 +28242,14 @@
           </a:ln>
           <a:extLst>
             <a:ext uri="{909E8E84-426E-40DD-AFC4-6F175D3DCCD1}">
-              <a14:hiddenFill xmlns:a14="http://schemas.microsoft.com/office/drawing/2010/main" xmlns="">
+              <a14:hiddenFill xmlns:a14="http://schemas.microsoft.com/office/drawing/2010/main">
                 <a:solidFill>
                   <a:schemeClr val="accent1"/>
                 </a:solidFill>
               </a14:hiddenFill>
             </a:ext>
             <a:ext uri="{91240B29-F687-4F45-9708-019B960494DF}">
-              <a14:hiddenLine xmlns:a14="http://schemas.microsoft.com/office/drawing/2010/main" xmlns="" w="9525">
+              <a14:hiddenLine xmlns:a14="http://schemas.microsoft.com/office/drawing/2010/main" w="9525">
                 <a:solidFill>
                   <a:schemeClr val="tx1"/>
                 </a:solidFill>
@@ -28069,7 +28273,7 @@
           <a:blip r:embed="rId4">
             <a:extLst>
               <a:ext uri="{28A0092B-C50C-407E-A947-70E740481C1C}">
-                <a14:useLocalDpi xmlns:a14="http://schemas.microsoft.com/office/drawing/2010/main" xmlns="" val="0"/>
+                <a14:useLocalDpi xmlns:a14="http://schemas.microsoft.com/office/drawing/2010/main" val="0"/>
               </a:ext>
             </a:extLst>
           </a:blip>
@@ -28092,14 +28296,14 @@
           </a:ln>
           <a:extLst>
             <a:ext uri="{909E8E84-426E-40DD-AFC4-6F175D3DCCD1}">
-              <a14:hiddenFill xmlns:a14="http://schemas.microsoft.com/office/drawing/2010/main" xmlns="">
+              <a14:hiddenFill xmlns:a14="http://schemas.microsoft.com/office/drawing/2010/main">
                 <a:solidFill>
                   <a:schemeClr val="accent1"/>
                 </a:solidFill>
               </a14:hiddenFill>
             </a:ext>
             <a:ext uri="{91240B29-F687-4F45-9708-019B960494DF}">
-              <a14:hiddenLine xmlns:a14="http://schemas.microsoft.com/office/drawing/2010/main" xmlns="" w="9525">
+              <a14:hiddenLine xmlns:a14="http://schemas.microsoft.com/office/drawing/2010/main" w="9525">
                 <a:solidFill>
                   <a:schemeClr val="tx1"/>
                 </a:solidFill>
@@ -28114,7 +28318,7 @@
     </p:spTree>
     <p:extLst>
       <p:ext uri="{BB962C8B-B14F-4D97-AF65-F5344CB8AC3E}">
-        <p14:creationId xmlns:p14="http://schemas.microsoft.com/office/powerpoint/2010/main" xmlns="" val="2077906285"/>
+        <p14:creationId xmlns:p14="http://schemas.microsoft.com/office/powerpoint/2010/main" val="2077906285"/>
       </p:ext>
     </p:extLst>
   </p:cSld>
@@ -28254,7 +28458,7 @@
     </p:spTree>
     <p:extLst>
       <p:ext uri="{BB962C8B-B14F-4D97-AF65-F5344CB8AC3E}">
-        <p14:creationId xmlns:p14="http://schemas.microsoft.com/office/powerpoint/2010/main" xmlns="" val="2927789142"/>
+        <p14:creationId xmlns:p14="http://schemas.microsoft.com/office/powerpoint/2010/main" val="2927789142"/>
       </p:ext>
     </p:extLst>
   </p:cSld>
@@ -28342,7 +28546,7 @@
     </p:spTree>
     <p:extLst>
       <p:ext uri="{BB962C8B-B14F-4D97-AF65-F5344CB8AC3E}">
-        <p14:creationId xmlns:p14="http://schemas.microsoft.com/office/powerpoint/2010/main" xmlns="" val="3077796067"/>
+        <p14:creationId xmlns:p14="http://schemas.microsoft.com/office/powerpoint/2010/main" val="3077796067"/>
       </p:ext>
     </p:extLst>
   </p:cSld>
@@ -28410,7 +28614,7 @@
           <a:blip r:embed="rId2">
             <a:extLst>
               <a:ext uri="{28A0092B-C50C-407E-A947-70E740481C1C}">
-                <a14:useLocalDpi xmlns:a14="http://schemas.microsoft.com/office/drawing/2010/main" xmlns="" val="0"/>
+                <a14:useLocalDpi xmlns:a14="http://schemas.microsoft.com/office/drawing/2010/main" val="0"/>
               </a:ext>
             </a:extLst>
           </a:blip>
@@ -28433,14 +28637,14 @@
           </a:ln>
           <a:extLst>
             <a:ext uri="{909E8E84-426E-40DD-AFC4-6F175D3DCCD1}">
-              <a14:hiddenFill xmlns:a14="http://schemas.microsoft.com/office/drawing/2010/main" xmlns="">
+              <a14:hiddenFill xmlns:a14="http://schemas.microsoft.com/office/drawing/2010/main">
                 <a:solidFill>
                   <a:schemeClr val="accent1"/>
                 </a:solidFill>
               </a14:hiddenFill>
             </a:ext>
             <a:ext uri="{91240B29-F687-4F45-9708-019B960494DF}">
-              <a14:hiddenLine xmlns:a14="http://schemas.microsoft.com/office/drawing/2010/main" xmlns="" w="9525">
+              <a14:hiddenLine xmlns:a14="http://schemas.microsoft.com/office/drawing/2010/main" w="9525">
                 <a:solidFill>
                   <a:schemeClr val="tx1"/>
                 </a:solidFill>
@@ -28455,7 +28659,7 @@
     </p:spTree>
     <p:extLst>
       <p:ext uri="{BB962C8B-B14F-4D97-AF65-F5344CB8AC3E}">
-        <p14:creationId xmlns:p14="http://schemas.microsoft.com/office/powerpoint/2010/main" xmlns="" val="2551014556"/>
+        <p14:creationId xmlns:p14="http://schemas.microsoft.com/office/powerpoint/2010/main" val="2551014556"/>
       </p:ext>
     </p:extLst>
   </p:cSld>
@@ -28524,7 +28728,7 @@
           <a:blip r:embed="rId2">
             <a:extLst>
               <a:ext uri="{28A0092B-C50C-407E-A947-70E740481C1C}">
-                <a14:useLocalDpi xmlns:a14="http://schemas.microsoft.com/office/drawing/2010/main" xmlns="" val="0"/>
+                <a14:useLocalDpi xmlns:a14="http://schemas.microsoft.com/office/drawing/2010/main" val="0"/>
               </a:ext>
             </a:extLst>
           </a:blip>
@@ -28547,14 +28751,14 @@
           </a:ln>
           <a:extLst>
             <a:ext uri="{909E8E84-426E-40DD-AFC4-6F175D3DCCD1}">
-              <a14:hiddenFill xmlns:a14="http://schemas.microsoft.com/office/drawing/2010/main" xmlns="">
+              <a14:hiddenFill xmlns:a14="http://schemas.microsoft.com/office/drawing/2010/main">
                 <a:solidFill>
                   <a:schemeClr val="accent1"/>
                 </a:solidFill>
               </a14:hiddenFill>
             </a:ext>
             <a:ext uri="{91240B29-F687-4F45-9708-019B960494DF}">
-              <a14:hiddenLine xmlns:a14="http://schemas.microsoft.com/office/drawing/2010/main" xmlns="" w="9525">
+              <a14:hiddenLine xmlns:a14="http://schemas.microsoft.com/office/drawing/2010/main" w="9525">
                 <a:solidFill>
                   <a:schemeClr val="tx1"/>
                 </a:solidFill>
@@ -28578,7 +28782,7 @@
           <a:blip r:embed="rId3">
             <a:extLst>
               <a:ext uri="{28A0092B-C50C-407E-A947-70E740481C1C}">
-                <a14:useLocalDpi xmlns:a14="http://schemas.microsoft.com/office/drawing/2010/main" xmlns="" val="0"/>
+                <a14:useLocalDpi xmlns:a14="http://schemas.microsoft.com/office/drawing/2010/main" val="0"/>
               </a:ext>
             </a:extLst>
           </a:blip>
@@ -28601,14 +28805,14 @@
           </a:ln>
           <a:extLst>
             <a:ext uri="{909E8E84-426E-40DD-AFC4-6F175D3DCCD1}">
-              <a14:hiddenFill xmlns:a14="http://schemas.microsoft.com/office/drawing/2010/main" xmlns="">
+              <a14:hiddenFill xmlns:a14="http://schemas.microsoft.com/office/drawing/2010/main">
                 <a:solidFill>
                   <a:schemeClr val="accent1"/>
                 </a:solidFill>
               </a14:hiddenFill>
             </a:ext>
             <a:ext uri="{91240B29-F687-4F45-9708-019B960494DF}">
-              <a14:hiddenLine xmlns:a14="http://schemas.microsoft.com/office/drawing/2010/main" xmlns="" w="9525">
+              <a14:hiddenLine xmlns:a14="http://schemas.microsoft.com/office/drawing/2010/main" w="9525">
                 <a:solidFill>
                   <a:schemeClr val="tx1"/>
                 </a:solidFill>
@@ -28623,7 +28827,7 @@
     </p:spTree>
     <p:extLst>
       <p:ext uri="{BB962C8B-B14F-4D97-AF65-F5344CB8AC3E}">
-        <p14:creationId xmlns:p14="http://schemas.microsoft.com/office/powerpoint/2010/main" xmlns="" val="1602061477"/>
+        <p14:creationId xmlns:p14="http://schemas.microsoft.com/office/powerpoint/2010/main" val="1602061477"/>
       </p:ext>
     </p:extLst>
   </p:cSld>
@@ -28720,7 +28924,7 @@
     </p:spTree>
     <p:extLst>
       <p:ext uri="{BB962C8B-B14F-4D97-AF65-F5344CB8AC3E}">
-        <p14:creationId xmlns:p14="http://schemas.microsoft.com/office/powerpoint/2010/main" xmlns="" val="2497817155"/>
+        <p14:creationId xmlns:p14="http://schemas.microsoft.com/office/powerpoint/2010/main" val="2497817155"/>
       </p:ext>
     </p:extLst>
   </p:cSld>
@@ -28830,7 +29034,7 @@
     </p:spTree>
     <p:extLst>
       <p:ext uri="{BB962C8B-B14F-4D97-AF65-F5344CB8AC3E}">
-        <p14:creationId xmlns:p14="http://schemas.microsoft.com/office/powerpoint/2010/main" xmlns="" val="2918026906"/>
+        <p14:creationId xmlns:p14="http://schemas.microsoft.com/office/powerpoint/2010/main" val="2918026906"/>
       </p:ext>
     </p:extLst>
   </p:cSld>
@@ -28901,7 +29105,7 @@
           <a:blip r:embed="rId2">
             <a:extLst>
               <a:ext uri="{28A0092B-C50C-407E-A947-70E740481C1C}">
-                <a14:useLocalDpi xmlns:a14="http://schemas.microsoft.com/office/drawing/2010/main" xmlns="" val="0"/>
+                <a14:useLocalDpi xmlns:a14="http://schemas.microsoft.com/office/drawing/2010/main" val="0"/>
               </a:ext>
             </a:extLst>
           </a:blip>
@@ -28924,14 +29128,14 @@
           </a:ln>
           <a:extLst>
             <a:ext uri="{909E8E84-426E-40DD-AFC4-6F175D3DCCD1}">
-              <a14:hiddenFill xmlns:a14="http://schemas.microsoft.com/office/drawing/2010/main" xmlns="">
+              <a14:hiddenFill xmlns:a14="http://schemas.microsoft.com/office/drawing/2010/main">
                 <a:solidFill>
                   <a:schemeClr val="accent1"/>
                 </a:solidFill>
               </a14:hiddenFill>
             </a:ext>
             <a:ext uri="{91240B29-F687-4F45-9708-019B960494DF}">
-              <a14:hiddenLine xmlns:a14="http://schemas.microsoft.com/office/drawing/2010/main" xmlns="" w="9525">
+              <a14:hiddenLine xmlns:a14="http://schemas.microsoft.com/office/drawing/2010/main" w="9525">
                 <a:solidFill>
                   <a:schemeClr val="tx1"/>
                 </a:solidFill>
@@ -28955,7 +29159,7 @@
           <a:blip r:embed="rId3">
             <a:extLst>
               <a:ext uri="{28A0092B-C50C-407E-A947-70E740481C1C}">
-                <a14:useLocalDpi xmlns:a14="http://schemas.microsoft.com/office/drawing/2010/main" xmlns="" val="0"/>
+                <a14:useLocalDpi xmlns:a14="http://schemas.microsoft.com/office/drawing/2010/main" val="0"/>
               </a:ext>
             </a:extLst>
           </a:blip>
@@ -28978,14 +29182,14 @@
           </a:ln>
           <a:extLst>
             <a:ext uri="{909E8E84-426E-40DD-AFC4-6F175D3DCCD1}">
-              <a14:hiddenFill xmlns:a14="http://schemas.microsoft.com/office/drawing/2010/main" xmlns="">
+              <a14:hiddenFill xmlns:a14="http://schemas.microsoft.com/office/drawing/2010/main">
                 <a:solidFill>
                   <a:schemeClr val="accent1"/>
                 </a:solidFill>
               </a14:hiddenFill>
             </a:ext>
             <a:ext uri="{91240B29-F687-4F45-9708-019B960494DF}">
-              <a14:hiddenLine xmlns:a14="http://schemas.microsoft.com/office/drawing/2010/main" xmlns="" w="9525">
+              <a14:hiddenLine xmlns:a14="http://schemas.microsoft.com/office/drawing/2010/main" w="9525">
                 <a:solidFill>
                   <a:schemeClr val="tx1"/>
                 </a:solidFill>
@@ -29009,7 +29213,7 @@
           <a:blip r:embed="rId4">
             <a:extLst>
               <a:ext uri="{28A0092B-C50C-407E-A947-70E740481C1C}">
-                <a14:useLocalDpi xmlns:a14="http://schemas.microsoft.com/office/drawing/2010/main" xmlns="" val="0"/>
+                <a14:useLocalDpi xmlns:a14="http://schemas.microsoft.com/office/drawing/2010/main" val="0"/>
               </a:ext>
             </a:extLst>
           </a:blip>
@@ -29032,14 +29236,14 @@
           </a:ln>
           <a:extLst>
             <a:ext uri="{909E8E84-426E-40DD-AFC4-6F175D3DCCD1}">
-              <a14:hiddenFill xmlns:a14="http://schemas.microsoft.com/office/drawing/2010/main" xmlns="">
+              <a14:hiddenFill xmlns:a14="http://schemas.microsoft.com/office/drawing/2010/main">
                 <a:solidFill>
                   <a:schemeClr val="accent1"/>
                 </a:solidFill>
               </a14:hiddenFill>
             </a:ext>
             <a:ext uri="{91240B29-F687-4F45-9708-019B960494DF}">
-              <a14:hiddenLine xmlns:a14="http://schemas.microsoft.com/office/drawing/2010/main" xmlns="" w="9525">
+              <a14:hiddenLine xmlns:a14="http://schemas.microsoft.com/office/drawing/2010/main" w="9525">
                 <a:solidFill>
                   <a:schemeClr val="tx1"/>
                 </a:solidFill>
@@ -29054,7 +29258,7 @@
     </p:spTree>
     <p:extLst>
       <p:ext uri="{BB962C8B-B14F-4D97-AF65-F5344CB8AC3E}">
-        <p14:creationId xmlns:p14="http://schemas.microsoft.com/office/powerpoint/2010/main" xmlns="" val="1273612263"/>
+        <p14:creationId xmlns:p14="http://schemas.microsoft.com/office/powerpoint/2010/main" val="1273612263"/>
       </p:ext>
     </p:extLst>
   </p:cSld>
@@ -29100,7 +29304,7 @@
           <a:blip r:embed="rId2">
             <a:extLst>
               <a:ext uri="{28A0092B-C50C-407E-A947-70E740481C1C}">
-                <a14:useLocalDpi xmlns:a14="http://schemas.microsoft.com/office/drawing/2010/main" xmlns="" val="0"/>
+                <a14:useLocalDpi xmlns:a14="http://schemas.microsoft.com/office/drawing/2010/main" val="0"/>
               </a:ext>
             </a:extLst>
           </a:blip>
@@ -29123,14 +29327,14 @@
           </a:ln>
           <a:extLst>
             <a:ext uri="{909E8E84-426E-40DD-AFC4-6F175D3DCCD1}">
-              <a14:hiddenFill xmlns:a14="http://schemas.microsoft.com/office/drawing/2010/main" xmlns="">
+              <a14:hiddenFill xmlns:a14="http://schemas.microsoft.com/office/drawing/2010/main">
                 <a:solidFill>
                   <a:schemeClr val="accent1"/>
                 </a:solidFill>
               </a14:hiddenFill>
             </a:ext>
             <a:ext uri="{91240B29-F687-4F45-9708-019B960494DF}">
-              <a14:hiddenLine xmlns:a14="http://schemas.microsoft.com/office/drawing/2010/main" xmlns="" w="9525">
+              <a14:hiddenLine xmlns:a14="http://schemas.microsoft.com/office/drawing/2010/main" w="9525">
                 <a:solidFill>
                   <a:schemeClr val="tx1"/>
                 </a:solidFill>
@@ -29154,7 +29358,7 @@
           <a:blip r:embed="rId3">
             <a:extLst>
               <a:ext uri="{28A0092B-C50C-407E-A947-70E740481C1C}">
-                <a14:useLocalDpi xmlns:a14="http://schemas.microsoft.com/office/drawing/2010/main" xmlns="" val="0"/>
+                <a14:useLocalDpi xmlns:a14="http://schemas.microsoft.com/office/drawing/2010/main" val="0"/>
               </a:ext>
             </a:extLst>
           </a:blip>
@@ -29177,14 +29381,14 @@
           </a:ln>
           <a:extLst>
             <a:ext uri="{909E8E84-426E-40DD-AFC4-6F175D3DCCD1}">
-              <a14:hiddenFill xmlns:a14="http://schemas.microsoft.com/office/drawing/2010/main" xmlns="">
+              <a14:hiddenFill xmlns:a14="http://schemas.microsoft.com/office/drawing/2010/main">
                 <a:solidFill>
                   <a:schemeClr val="accent1"/>
                 </a:solidFill>
               </a14:hiddenFill>
             </a:ext>
             <a:ext uri="{91240B29-F687-4F45-9708-019B960494DF}">
-              <a14:hiddenLine xmlns:a14="http://schemas.microsoft.com/office/drawing/2010/main" xmlns="" w="9525">
+              <a14:hiddenLine xmlns:a14="http://schemas.microsoft.com/office/drawing/2010/main" w="9525">
                 <a:solidFill>
                   <a:schemeClr val="tx1"/>
                 </a:solidFill>
@@ -29208,7 +29412,7 @@
           <a:blip r:embed="rId4">
             <a:extLst>
               <a:ext uri="{28A0092B-C50C-407E-A947-70E740481C1C}">
-                <a14:useLocalDpi xmlns:a14="http://schemas.microsoft.com/office/drawing/2010/main" xmlns="" val="0"/>
+                <a14:useLocalDpi xmlns:a14="http://schemas.microsoft.com/office/drawing/2010/main" val="0"/>
               </a:ext>
             </a:extLst>
           </a:blip>
@@ -29231,14 +29435,14 @@
           </a:ln>
           <a:extLst>
             <a:ext uri="{909E8E84-426E-40DD-AFC4-6F175D3DCCD1}">
-              <a14:hiddenFill xmlns:a14="http://schemas.microsoft.com/office/drawing/2010/main" xmlns="">
+              <a14:hiddenFill xmlns:a14="http://schemas.microsoft.com/office/drawing/2010/main">
                 <a:solidFill>
                   <a:schemeClr val="accent1"/>
                 </a:solidFill>
               </a14:hiddenFill>
             </a:ext>
             <a:ext uri="{91240B29-F687-4F45-9708-019B960494DF}">
-              <a14:hiddenLine xmlns:a14="http://schemas.microsoft.com/office/drawing/2010/main" xmlns="" w="9525">
+              <a14:hiddenLine xmlns:a14="http://schemas.microsoft.com/office/drawing/2010/main" w="9525">
                 <a:solidFill>
                   <a:schemeClr val="tx1"/>
                 </a:solidFill>
@@ -29262,7 +29466,7 @@
           <a:blip r:embed="rId5">
             <a:extLst>
               <a:ext uri="{28A0092B-C50C-407E-A947-70E740481C1C}">
-                <a14:useLocalDpi xmlns:a14="http://schemas.microsoft.com/office/drawing/2010/main" xmlns="" val="0"/>
+                <a14:useLocalDpi xmlns:a14="http://schemas.microsoft.com/office/drawing/2010/main" val="0"/>
               </a:ext>
             </a:extLst>
           </a:blip>
@@ -29285,14 +29489,14 @@
           </a:ln>
           <a:extLst>
             <a:ext uri="{909E8E84-426E-40DD-AFC4-6F175D3DCCD1}">
-              <a14:hiddenFill xmlns:a14="http://schemas.microsoft.com/office/drawing/2010/main" xmlns="">
+              <a14:hiddenFill xmlns:a14="http://schemas.microsoft.com/office/drawing/2010/main">
                 <a:solidFill>
                   <a:schemeClr val="accent1"/>
                 </a:solidFill>
               </a14:hiddenFill>
             </a:ext>
             <a:ext uri="{91240B29-F687-4F45-9708-019B960494DF}">
-              <a14:hiddenLine xmlns:a14="http://schemas.microsoft.com/office/drawing/2010/main" xmlns="" w="9525">
+              <a14:hiddenLine xmlns:a14="http://schemas.microsoft.com/office/drawing/2010/main" w="9525">
                 <a:solidFill>
                   <a:schemeClr val="tx1"/>
                 </a:solidFill>
@@ -29307,7 +29511,7 @@
     </p:spTree>
     <p:extLst>
       <p:ext uri="{BB962C8B-B14F-4D97-AF65-F5344CB8AC3E}">
-        <p14:creationId xmlns:p14="http://schemas.microsoft.com/office/powerpoint/2010/main" xmlns="" val="3101794602"/>
+        <p14:creationId xmlns:p14="http://schemas.microsoft.com/office/powerpoint/2010/main" val="3101794602"/>
       </p:ext>
     </p:extLst>
   </p:cSld>
@@ -29353,7 +29557,7 @@
           <a:blip r:embed="rId2">
             <a:extLst>
               <a:ext uri="{28A0092B-C50C-407E-A947-70E740481C1C}">
-                <a14:useLocalDpi xmlns:a14="http://schemas.microsoft.com/office/drawing/2010/main" xmlns="" val="0"/>
+                <a14:useLocalDpi xmlns:a14="http://schemas.microsoft.com/office/drawing/2010/main" val="0"/>
               </a:ext>
             </a:extLst>
           </a:blip>
@@ -29376,14 +29580,14 @@
           </a:ln>
           <a:extLst>
             <a:ext uri="{909E8E84-426E-40DD-AFC4-6F175D3DCCD1}">
-              <a14:hiddenFill xmlns:a14="http://schemas.microsoft.com/office/drawing/2010/main" xmlns="">
+              <a14:hiddenFill xmlns:a14="http://schemas.microsoft.com/office/drawing/2010/main">
                 <a:solidFill>
                   <a:schemeClr val="accent1"/>
                 </a:solidFill>
               </a14:hiddenFill>
             </a:ext>
             <a:ext uri="{91240B29-F687-4F45-9708-019B960494DF}">
-              <a14:hiddenLine xmlns:a14="http://schemas.microsoft.com/office/drawing/2010/main" xmlns="" w="9525">
+              <a14:hiddenLine xmlns:a14="http://schemas.microsoft.com/office/drawing/2010/main" w="9525">
                 <a:solidFill>
                   <a:schemeClr val="tx1"/>
                 </a:solidFill>
@@ -29407,7 +29611,7 @@
           <a:blip r:embed="rId3">
             <a:extLst>
               <a:ext uri="{28A0092B-C50C-407E-A947-70E740481C1C}">
-                <a14:useLocalDpi xmlns:a14="http://schemas.microsoft.com/office/drawing/2010/main" xmlns="" val="0"/>
+                <a14:useLocalDpi xmlns:a14="http://schemas.microsoft.com/office/drawing/2010/main" val="0"/>
               </a:ext>
             </a:extLst>
           </a:blip>
@@ -29430,14 +29634,14 @@
           </a:ln>
           <a:extLst>
             <a:ext uri="{909E8E84-426E-40DD-AFC4-6F175D3DCCD1}">
-              <a14:hiddenFill xmlns:a14="http://schemas.microsoft.com/office/drawing/2010/main" xmlns="">
+              <a14:hiddenFill xmlns:a14="http://schemas.microsoft.com/office/drawing/2010/main">
                 <a:solidFill>
                   <a:schemeClr val="accent1"/>
                 </a:solidFill>
               </a14:hiddenFill>
             </a:ext>
             <a:ext uri="{91240B29-F687-4F45-9708-019B960494DF}">
-              <a14:hiddenLine xmlns:a14="http://schemas.microsoft.com/office/drawing/2010/main" xmlns="" w="9525">
+              <a14:hiddenLine xmlns:a14="http://schemas.microsoft.com/office/drawing/2010/main" w="9525">
                 <a:solidFill>
                   <a:schemeClr val="tx1"/>
                 </a:solidFill>
@@ -29452,7 +29656,7 @@
     </p:spTree>
     <p:extLst>
       <p:ext uri="{BB962C8B-B14F-4D97-AF65-F5344CB8AC3E}">
-        <p14:creationId xmlns:p14="http://schemas.microsoft.com/office/powerpoint/2010/main" xmlns="" val="329450225"/>
+        <p14:creationId xmlns:p14="http://schemas.microsoft.com/office/powerpoint/2010/main" val="329450225"/>
       </p:ext>
     </p:extLst>
   </p:cSld>
@@ -29639,7 +29843,7 @@
     </p:spTree>
     <p:extLst>
       <p:ext uri="{BB962C8B-B14F-4D97-AF65-F5344CB8AC3E}">
-        <p14:creationId xmlns:p14="http://schemas.microsoft.com/office/powerpoint/2010/main" xmlns="" val="690147957"/>
+        <p14:creationId xmlns:p14="http://schemas.microsoft.com/office/powerpoint/2010/main" val="690147957"/>
       </p:ext>
     </p:extLst>
   </p:cSld>
@@ -29813,7 +30017,7 @@
     </p:spTree>
     <p:extLst>
       <p:ext uri="{BB962C8B-B14F-4D97-AF65-F5344CB8AC3E}">
-        <p14:creationId xmlns:p14="http://schemas.microsoft.com/office/powerpoint/2010/main" xmlns="" val="4232707012"/>
+        <p14:creationId xmlns:p14="http://schemas.microsoft.com/office/powerpoint/2010/main" val="4232707012"/>
       </p:ext>
     </p:extLst>
   </p:cSld>
@@ -29872,8 +30076,8 @@
           </a:p>
         </p:txBody>
       </p:sp>
-      <mc:AlternateContent xmlns:mc="http://schemas.openxmlformats.org/markup-compatibility/2006">
-        <mc:Choice xmlns:a14="http://schemas.microsoft.com/office/drawing/2010/main" xmlns="" Requires="a14">
+      <mc:AlternateContent xmlns:mc="http://schemas.openxmlformats.org/markup-compatibility/2006" xmlns:a14="http://schemas.microsoft.com/office/drawing/2010/main">
+        <mc:Choice Requires="a14">
           <p:sp>
             <p:nvSpPr>
               <p:cNvPr id="3" name="Content Placeholder 2"/>
@@ -29921,7 +30125,7 @@
                       <m:sSupPr>
                         <m:ctrlPr>
                           <a:rPr lang="en-IN" i="1" smtClean="0">
-                            <a:latin typeface="Cambria Math"/>
+                            <a:latin typeface="Cambria Math" panose="02040503050406030204" pitchFamily="18" charset="0"/>
                           </a:rPr>
                         </m:ctrlPr>
                       </m:sSupPr>
@@ -29953,7 +30157,7 @@
             </p:txBody>
           </p:sp>
         </mc:Choice>
-        <mc:Fallback>
+        <mc:Fallback xmlns="">
           <p:sp>
             <p:nvSpPr>
               <p:cNvPr id="3" name="Content Placeholder 2"/>
@@ -29990,7 +30194,7 @@
     </p:spTree>
     <p:extLst>
       <p:ext uri="{BB962C8B-B14F-4D97-AF65-F5344CB8AC3E}">
-        <p14:creationId xmlns:p14="http://schemas.microsoft.com/office/powerpoint/2010/main" xmlns="" val="139953597"/>
+        <p14:creationId xmlns:p14="http://schemas.microsoft.com/office/powerpoint/2010/main" val="139953597"/>
       </p:ext>
     </p:extLst>
   </p:cSld>
@@ -30109,7 +30313,7 @@
     </p:spTree>
     <p:extLst>
       <p:ext uri="{BB962C8B-B14F-4D97-AF65-F5344CB8AC3E}">
-        <p14:creationId xmlns:p14="http://schemas.microsoft.com/office/powerpoint/2010/main" xmlns="" val="4279337875"/>
+        <p14:creationId xmlns:p14="http://schemas.microsoft.com/office/powerpoint/2010/main" val="4279337875"/>
       </p:ext>
     </p:extLst>
   </p:cSld>
@@ -30288,7 +30492,7 @@
     </p:spTree>
     <p:extLst>
       <p:ext uri="{BB962C8B-B14F-4D97-AF65-F5344CB8AC3E}">
-        <p14:creationId xmlns:p14="http://schemas.microsoft.com/office/powerpoint/2010/main" xmlns="" val="2790779396"/>
+        <p14:creationId xmlns:p14="http://schemas.microsoft.com/office/powerpoint/2010/main" val="2790779396"/>
       </p:ext>
     </p:extLst>
   </p:cSld>
@@ -30420,7 +30624,7 @@
     </p:spTree>
     <p:extLst>
       <p:ext uri="{BB962C8B-B14F-4D97-AF65-F5344CB8AC3E}">
-        <p14:creationId xmlns:p14="http://schemas.microsoft.com/office/powerpoint/2010/main" xmlns="" val="2073449506"/>
+        <p14:creationId xmlns:p14="http://schemas.microsoft.com/office/powerpoint/2010/main" val="2073449506"/>
       </p:ext>
     </p:extLst>
   </p:cSld>
@@ -30530,7 +30734,7 @@
     </p:spTree>
     <p:extLst>
       <p:ext uri="{BB962C8B-B14F-4D97-AF65-F5344CB8AC3E}">
-        <p14:creationId xmlns:p14="http://schemas.microsoft.com/office/powerpoint/2010/main" xmlns="" val="822154765"/>
+        <p14:creationId xmlns:p14="http://schemas.microsoft.com/office/powerpoint/2010/main" val="822154765"/>
       </p:ext>
     </p:extLst>
   </p:cSld>
@@ -30632,7 +30836,7 @@
     </p:spTree>
     <p:extLst>
       <p:ext uri="{BB962C8B-B14F-4D97-AF65-F5344CB8AC3E}">
-        <p14:creationId xmlns:p14="http://schemas.microsoft.com/office/powerpoint/2010/main" xmlns="" val="406499009"/>
+        <p14:creationId xmlns:p14="http://schemas.microsoft.com/office/powerpoint/2010/main" val="406499009"/>
       </p:ext>
     </p:extLst>
   </p:cSld>
@@ -30847,7 +31051,7 @@
     </p:spTree>
     <p:extLst>
       <p:ext uri="{BB962C8B-B14F-4D97-AF65-F5344CB8AC3E}">
-        <p14:creationId xmlns:p14="http://schemas.microsoft.com/office/powerpoint/2010/main" xmlns="" val="853364585"/>
+        <p14:creationId xmlns:p14="http://schemas.microsoft.com/office/powerpoint/2010/main" val="853364585"/>
       </p:ext>
     </p:extLst>
   </p:cSld>
@@ -30938,7 +31142,7 @@
           <p:nvPr>
             <p:extLst>
               <p:ext uri="{D42A27DB-BD31-4B8C-83A1-F6EECF244321}">
-                <p14:modId xmlns:p14="http://schemas.microsoft.com/office/powerpoint/2010/main" xmlns="" val="2980096974"/>
+                <p14:modId xmlns:p14="http://schemas.microsoft.com/office/powerpoint/2010/main" val="2980096974"/>
               </p:ext>
             </p:extLst>
           </p:nvPr>
@@ -31220,7 +31424,7 @@
     </p:spTree>
     <p:extLst>
       <p:ext uri="{BB962C8B-B14F-4D97-AF65-F5344CB8AC3E}">
-        <p14:creationId xmlns:p14="http://schemas.microsoft.com/office/powerpoint/2010/main" xmlns="" val="369643934"/>
+        <p14:creationId xmlns:p14="http://schemas.microsoft.com/office/powerpoint/2010/main" val="369643934"/>
       </p:ext>
     </p:extLst>
   </p:cSld>
@@ -31324,7 +31528,7 @@
           <p:nvPr>
             <p:extLst>
               <p:ext uri="{D42A27DB-BD31-4B8C-83A1-F6EECF244321}">
-                <p14:modId xmlns:p14="http://schemas.microsoft.com/office/powerpoint/2010/main" xmlns="" val="4267430573"/>
+                <p14:modId xmlns:p14="http://schemas.microsoft.com/office/powerpoint/2010/main" val="4267430573"/>
               </p:ext>
             </p:extLst>
           </p:nvPr>
@@ -31606,7 +31810,7 @@
     </p:spTree>
     <p:extLst>
       <p:ext uri="{BB962C8B-B14F-4D97-AF65-F5344CB8AC3E}">
-        <p14:creationId xmlns:p14="http://schemas.microsoft.com/office/powerpoint/2010/main" xmlns="" val="1620307490"/>
+        <p14:creationId xmlns:p14="http://schemas.microsoft.com/office/powerpoint/2010/main" val="1620307490"/>
       </p:ext>
     </p:extLst>
   </p:cSld>
@@ -31847,7 +32051,7 @@
     </p:spTree>
     <p:extLst>
       <p:ext uri="{BB962C8B-B14F-4D97-AF65-F5344CB8AC3E}">
-        <p14:creationId xmlns:p14="http://schemas.microsoft.com/office/powerpoint/2010/main" xmlns="" val="3207676811"/>
+        <p14:creationId xmlns:p14="http://schemas.microsoft.com/office/powerpoint/2010/main" val="3207676811"/>
       </p:ext>
     </p:extLst>
   </p:cSld>
@@ -31935,7 +32139,7 @@
           <p:nvPr>
             <p:extLst>
               <p:ext uri="{D42A27DB-BD31-4B8C-83A1-F6EECF244321}">
-                <p14:modId xmlns:p14="http://schemas.microsoft.com/office/powerpoint/2010/main" xmlns="" val="1376483379"/>
+                <p14:modId xmlns:p14="http://schemas.microsoft.com/office/powerpoint/2010/main" val="1376483379"/>
               </p:ext>
             </p:extLst>
           </p:nvPr>
@@ -32217,7 +32421,7 @@
     </p:spTree>
     <p:extLst>
       <p:ext uri="{BB962C8B-B14F-4D97-AF65-F5344CB8AC3E}">
-        <p14:creationId xmlns:p14="http://schemas.microsoft.com/office/powerpoint/2010/main" xmlns="" val="481880443"/>
+        <p14:creationId xmlns:p14="http://schemas.microsoft.com/office/powerpoint/2010/main" val="481880443"/>
       </p:ext>
     </p:extLst>
   </p:cSld>
@@ -32334,7 +32538,7 @@
     </p:spTree>
     <p:extLst>
       <p:ext uri="{BB962C8B-B14F-4D97-AF65-F5344CB8AC3E}">
-        <p14:creationId xmlns:p14="http://schemas.microsoft.com/office/powerpoint/2010/main" xmlns="" val="3289848397"/>
+        <p14:creationId xmlns:p14="http://schemas.microsoft.com/office/powerpoint/2010/main" val="3289848397"/>
       </p:ext>
     </p:extLst>
   </p:cSld>
@@ -32505,7 +32709,7 @@
     </p:spTree>
     <p:extLst>
       <p:ext uri="{BB962C8B-B14F-4D97-AF65-F5344CB8AC3E}">
-        <p14:creationId xmlns:p14="http://schemas.microsoft.com/office/powerpoint/2010/main" xmlns="" val="3215837997"/>
+        <p14:creationId xmlns:p14="http://schemas.microsoft.com/office/powerpoint/2010/main" val="3215837997"/>
       </p:ext>
     </p:extLst>
   </p:cSld>
@@ -32641,7 +32845,7 @@
     </p:spTree>
     <p:extLst>
       <p:ext uri="{BB962C8B-B14F-4D97-AF65-F5344CB8AC3E}">
-        <p14:creationId xmlns:p14="http://schemas.microsoft.com/office/powerpoint/2010/main" xmlns="" val="315525987"/>
+        <p14:creationId xmlns:p14="http://schemas.microsoft.com/office/powerpoint/2010/main" val="315525987"/>
       </p:ext>
     </p:extLst>
   </p:cSld>
@@ -32708,7 +32912,7 @@
             <p:ph idx="1"/>
             <p:extLst>
               <p:ext uri="{D42A27DB-BD31-4B8C-83A1-F6EECF244321}">
-                <p14:modId xmlns:p14="http://schemas.microsoft.com/office/powerpoint/2010/main" xmlns="" val="2957626686"/>
+                <p14:modId xmlns:p14="http://schemas.microsoft.com/office/powerpoint/2010/main" val="2957626686"/>
               </p:ext>
             </p:extLst>
           </p:nvPr>
@@ -32989,7 +33193,7 @@
     </p:spTree>
     <p:extLst>
       <p:ext uri="{BB962C8B-B14F-4D97-AF65-F5344CB8AC3E}">
-        <p14:creationId xmlns:p14="http://schemas.microsoft.com/office/powerpoint/2010/main" xmlns="" val="2667146487"/>
+        <p14:creationId xmlns:p14="http://schemas.microsoft.com/office/powerpoint/2010/main" val="2667146487"/>
       </p:ext>
     </p:extLst>
   </p:cSld>
@@ -33087,7 +33291,7 @@
           <a:blip r:embed="rId2">
             <a:extLst>
               <a:ext uri="{28A0092B-C50C-407E-A947-70E740481C1C}">
-                <a14:useLocalDpi xmlns:a14="http://schemas.microsoft.com/office/drawing/2010/main" xmlns="" val="0"/>
+                <a14:useLocalDpi xmlns:a14="http://schemas.microsoft.com/office/drawing/2010/main" val="0"/>
               </a:ext>
             </a:extLst>
           </a:blip>
@@ -33110,14 +33314,14 @@
           </a:ln>
           <a:extLst>
             <a:ext uri="{909E8E84-426E-40DD-AFC4-6F175D3DCCD1}">
-              <a14:hiddenFill xmlns:a14="http://schemas.microsoft.com/office/drawing/2010/main" xmlns="">
+              <a14:hiddenFill xmlns:a14="http://schemas.microsoft.com/office/drawing/2010/main">
                 <a:solidFill>
                   <a:schemeClr val="accent1"/>
                 </a:solidFill>
               </a14:hiddenFill>
             </a:ext>
             <a:ext uri="{91240B29-F687-4F45-9708-019B960494DF}">
-              <a14:hiddenLine xmlns:a14="http://schemas.microsoft.com/office/drawing/2010/main" xmlns="" w="9525">
+              <a14:hiddenLine xmlns:a14="http://schemas.microsoft.com/office/drawing/2010/main" w="9525">
                 <a:solidFill>
                   <a:schemeClr val="tx1"/>
                 </a:solidFill>
@@ -33141,7 +33345,7 @@
           <a:blip r:embed="rId3">
             <a:extLst>
               <a:ext uri="{28A0092B-C50C-407E-A947-70E740481C1C}">
-                <a14:useLocalDpi xmlns:a14="http://schemas.microsoft.com/office/drawing/2010/main" xmlns="" val="0"/>
+                <a14:useLocalDpi xmlns:a14="http://schemas.microsoft.com/office/drawing/2010/main" val="0"/>
               </a:ext>
             </a:extLst>
           </a:blip>
@@ -33164,14 +33368,14 @@
           </a:ln>
           <a:extLst>
             <a:ext uri="{909E8E84-426E-40DD-AFC4-6F175D3DCCD1}">
-              <a14:hiddenFill xmlns:a14="http://schemas.microsoft.com/office/drawing/2010/main" xmlns="">
+              <a14:hiddenFill xmlns:a14="http://schemas.microsoft.com/office/drawing/2010/main">
                 <a:solidFill>
                   <a:schemeClr val="accent1"/>
                 </a:solidFill>
               </a14:hiddenFill>
             </a:ext>
             <a:ext uri="{91240B29-F687-4F45-9708-019B960494DF}">
-              <a14:hiddenLine xmlns:a14="http://schemas.microsoft.com/office/drawing/2010/main" xmlns="" w="9525">
+              <a14:hiddenLine xmlns:a14="http://schemas.microsoft.com/office/drawing/2010/main" w="9525">
                 <a:solidFill>
                   <a:schemeClr val="tx1"/>
                 </a:solidFill>
@@ -33186,7 +33390,7 @@
     </p:spTree>
     <p:extLst>
       <p:ext uri="{BB962C8B-B14F-4D97-AF65-F5344CB8AC3E}">
-        <p14:creationId xmlns:p14="http://schemas.microsoft.com/office/powerpoint/2010/main" xmlns="" val="3651767542"/>
+        <p14:creationId xmlns:p14="http://schemas.microsoft.com/office/powerpoint/2010/main" val="3651767542"/>
       </p:ext>
     </p:extLst>
   </p:cSld>
@@ -33301,7 +33505,7 @@
     </p:spTree>
     <p:extLst>
       <p:ext uri="{BB962C8B-B14F-4D97-AF65-F5344CB8AC3E}">
-        <p14:creationId xmlns:p14="http://schemas.microsoft.com/office/powerpoint/2010/main" xmlns="" val="3623267581"/>
+        <p14:creationId xmlns:p14="http://schemas.microsoft.com/office/powerpoint/2010/main" val="3623267581"/>
       </p:ext>
     </p:extLst>
   </p:cSld>
@@ -33397,7 +33601,7 @@
     </p:spTree>
     <p:extLst>
       <p:ext uri="{BB962C8B-B14F-4D97-AF65-F5344CB8AC3E}">
-        <p14:creationId xmlns:p14="http://schemas.microsoft.com/office/powerpoint/2010/main" xmlns="" val="3023446641"/>
+        <p14:creationId xmlns:p14="http://schemas.microsoft.com/office/powerpoint/2010/main" val="3023446641"/>
       </p:ext>
     </p:extLst>
   </p:cSld>
@@ -33474,7 +33678,7 @@
           <a:blip r:embed="rId2">
             <a:extLst>
               <a:ext uri="{28A0092B-C50C-407E-A947-70E740481C1C}">
-                <a14:useLocalDpi xmlns:a14="http://schemas.microsoft.com/office/drawing/2010/main" xmlns="" val="0"/>
+                <a14:useLocalDpi xmlns:a14="http://schemas.microsoft.com/office/drawing/2010/main" val="0"/>
               </a:ext>
             </a:extLst>
           </a:blip>
@@ -33497,14 +33701,14 @@
           </a:ln>
           <a:extLst>
             <a:ext uri="{909E8E84-426E-40DD-AFC4-6F175D3DCCD1}">
-              <a14:hiddenFill xmlns:a14="http://schemas.microsoft.com/office/drawing/2010/main" xmlns="">
+              <a14:hiddenFill xmlns:a14="http://schemas.microsoft.com/office/drawing/2010/main">
                 <a:solidFill>
                   <a:schemeClr val="accent1"/>
                 </a:solidFill>
               </a14:hiddenFill>
             </a:ext>
             <a:ext uri="{91240B29-F687-4F45-9708-019B960494DF}">
-              <a14:hiddenLine xmlns:a14="http://schemas.microsoft.com/office/drawing/2010/main" xmlns="" w="9525">
+              <a14:hiddenLine xmlns:a14="http://schemas.microsoft.com/office/drawing/2010/main" w="9525">
                 <a:solidFill>
                   <a:schemeClr val="tx1"/>
                 </a:solidFill>
@@ -33519,7 +33723,7 @@
     </p:spTree>
     <p:extLst>
       <p:ext uri="{BB962C8B-B14F-4D97-AF65-F5344CB8AC3E}">
-        <p14:creationId xmlns:p14="http://schemas.microsoft.com/office/powerpoint/2010/main" xmlns="" val="1475970617"/>
+        <p14:creationId xmlns:p14="http://schemas.microsoft.com/office/powerpoint/2010/main" val="1475970617"/>
       </p:ext>
     </p:extLst>
   </p:cSld>
@@ -33671,7 +33875,7 @@
     </p:spTree>
     <p:extLst>
       <p:ext uri="{BB962C8B-B14F-4D97-AF65-F5344CB8AC3E}">
-        <p14:creationId xmlns:p14="http://schemas.microsoft.com/office/powerpoint/2010/main" xmlns="" val="1024575716"/>
+        <p14:creationId xmlns:p14="http://schemas.microsoft.com/office/powerpoint/2010/main" val="1024575716"/>
       </p:ext>
     </p:extLst>
   </p:cSld>
@@ -33818,7 +34022,7 @@
     </p:spTree>
     <p:extLst>
       <p:ext uri="{BB962C8B-B14F-4D97-AF65-F5344CB8AC3E}">
-        <p14:creationId xmlns:p14="http://schemas.microsoft.com/office/powerpoint/2010/main" xmlns="" val="1162978377"/>
+        <p14:creationId xmlns:p14="http://schemas.microsoft.com/office/powerpoint/2010/main" val="1162978377"/>
       </p:ext>
     </p:extLst>
   </p:cSld>
@@ -33926,7 +34130,7 @@
     </p:spTree>
     <p:extLst>
       <p:ext uri="{BB962C8B-B14F-4D97-AF65-F5344CB8AC3E}">
-        <p14:creationId xmlns:p14="http://schemas.microsoft.com/office/powerpoint/2010/main" xmlns="" val="1057686899"/>
+        <p14:creationId xmlns:p14="http://schemas.microsoft.com/office/powerpoint/2010/main" val="1057686899"/>
       </p:ext>
     </p:extLst>
   </p:cSld>
@@ -34039,7 +34243,7 @@
           <a:blip r:embed="rId2">
             <a:extLst>
               <a:ext uri="{28A0092B-C50C-407E-A947-70E740481C1C}">
-                <a14:useLocalDpi xmlns:a14="http://schemas.microsoft.com/office/drawing/2010/main" xmlns="" val="0"/>
+                <a14:useLocalDpi xmlns:a14="http://schemas.microsoft.com/office/drawing/2010/main" val="0"/>
               </a:ext>
             </a:extLst>
           </a:blip>
@@ -34062,14 +34266,14 @@
           </a:ln>
           <a:extLst>
             <a:ext uri="{909E8E84-426E-40DD-AFC4-6F175D3DCCD1}">
-              <a14:hiddenFill xmlns:a14="http://schemas.microsoft.com/office/drawing/2010/main" xmlns="">
+              <a14:hiddenFill xmlns:a14="http://schemas.microsoft.com/office/drawing/2010/main">
                 <a:solidFill>
                   <a:schemeClr val="accent1"/>
                 </a:solidFill>
               </a14:hiddenFill>
             </a:ext>
             <a:ext uri="{91240B29-F687-4F45-9708-019B960494DF}">
-              <a14:hiddenLine xmlns:a14="http://schemas.microsoft.com/office/drawing/2010/main" xmlns="" w="9525">
+              <a14:hiddenLine xmlns:a14="http://schemas.microsoft.com/office/drawing/2010/main" w="9525">
                 <a:solidFill>
                   <a:schemeClr val="tx1"/>
                 </a:solidFill>
@@ -34155,7 +34359,7 @@
     </p:spTree>
     <p:extLst>
       <p:ext uri="{BB962C8B-B14F-4D97-AF65-F5344CB8AC3E}">
-        <p14:creationId xmlns:p14="http://schemas.microsoft.com/office/powerpoint/2010/main" xmlns="" val="819590532"/>
+        <p14:creationId xmlns:p14="http://schemas.microsoft.com/office/powerpoint/2010/main" val="819590532"/>
       </p:ext>
     </p:extLst>
   </p:cSld>
@@ -34273,7 +34477,7 @@
     </p:spTree>
     <p:extLst>
       <p:ext uri="{BB962C8B-B14F-4D97-AF65-F5344CB8AC3E}">
-        <p14:creationId xmlns:p14="http://schemas.microsoft.com/office/powerpoint/2010/main" xmlns="" val="3171771659"/>
+        <p14:creationId xmlns:p14="http://schemas.microsoft.com/office/powerpoint/2010/main" val="3171771659"/>
       </p:ext>
     </p:extLst>
   </p:cSld>
@@ -34374,7 +34578,7 @@
     </p:spTree>
     <p:extLst>
       <p:ext uri="{BB962C8B-B14F-4D97-AF65-F5344CB8AC3E}">
-        <p14:creationId xmlns:p14="http://schemas.microsoft.com/office/powerpoint/2010/main" xmlns="" val="3226041262"/>
+        <p14:creationId xmlns:p14="http://schemas.microsoft.com/office/powerpoint/2010/main" val="3226041262"/>
       </p:ext>
     </p:extLst>
   </p:cSld>
@@ -34423,8 +34627,8 @@
           </a:p>
         </p:txBody>
       </p:sp>
-      <mc:AlternateContent xmlns:mc="http://schemas.openxmlformats.org/markup-compatibility/2006">
-        <mc:Choice xmlns:a14="http://schemas.microsoft.com/office/drawing/2010/main" xmlns="" Requires="a14">
+      <mc:AlternateContent xmlns:mc="http://schemas.openxmlformats.org/markup-compatibility/2006" xmlns:a14="http://schemas.microsoft.com/office/drawing/2010/main">
+        <mc:Choice Requires="a14">
           <p:sp>
             <p:nvSpPr>
               <p:cNvPr id="3" name="Content Placeholder 2"/>
@@ -34461,7 +34665,7 @@
                       <m:sSupPr>
                         <m:ctrlPr>
                           <a:rPr lang="en-IN" i="1" smtClean="0">
-                            <a:latin typeface="Cambria Math"/>
+                            <a:latin typeface="Cambria Math" panose="02040503050406030204" pitchFamily="18" charset="0"/>
                           </a:rPr>
                         </m:ctrlPr>
                       </m:sSupPr>
@@ -34514,7 +34718,7 @@
                       <m:sSupPr>
                         <m:ctrlPr>
                           <a:rPr lang="en-IN" i="1">
-                            <a:latin typeface="Cambria Math"/>
+                            <a:latin typeface="Cambria Math" panose="02040503050406030204" pitchFamily="18" charset="0"/>
                           </a:rPr>
                         </m:ctrlPr>
                       </m:sSupPr>
@@ -34546,7 +34750,7 @@
             </p:txBody>
           </p:sp>
         </mc:Choice>
-        <mc:Fallback>
+        <mc:Fallback xmlns="">
           <p:sp>
             <p:nvSpPr>
               <p:cNvPr id="3" name="Content Placeholder 2"/>
@@ -34583,7 +34787,7 @@
     </p:spTree>
     <p:extLst>
       <p:ext uri="{BB962C8B-B14F-4D97-AF65-F5344CB8AC3E}">
-        <p14:creationId xmlns:p14="http://schemas.microsoft.com/office/powerpoint/2010/main" xmlns="" val="788261016"/>
+        <p14:creationId xmlns:p14="http://schemas.microsoft.com/office/powerpoint/2010/main" val="788261016"/>
       </p:ext>
     </p:extLst>
   </p:cSld>
@@ -34744,7 +34948,7 @@
     </p:spTree>
     <p:extLst>
       <p:ext uri="{BB962C8B-B14F-4D97-AF65-F5344CB8AC3E}">
-        <p14:creationId xmlns:p14="http://schemas.microsoft.com/office/powerpoint/2010/main" xmlns="" val="1569940988"/>
+        <p14:creationId xmlns:p14="http://schemas.microsoft.com/office/powerpoint/2010/main" val="1569940988"/>
       </p:ext>
     </p:extLst>
   </p:cSld>
@@ -34950,8 +35154,8 @@
           </a:p>
         </p:txBody>
       </p:sp>
-      <mc:AlternateContent xmlns:mc="http://schemas.openxmlformats.org/markup-compatibility/2006">
-        <mc:Choice xmlns:a14="http://schemas.microsoft.com/office/drawing/2010/main" xmlns="" Requires="a14">
+      <mc:AlternateContent xmlns:mc="http://schemas.openxmlformats.org/markup-compatibility/2006" xmlns:a14="http://schemas.microsoft.com/office/drawing/2010/main">
+        <mc:Choice Requires="a14">
           <p:sp>
             <p:nvSpPr>
               <p:cNvPr id="3" name="Content Placeholder 2"/>
@@ -34986,10 +35190,6 @@
                   <a:buNone/>
                 </a:pPr>
                 <a:r>
-                  <a:rPr lang="en-IN" dirty="0"/>
-                  <a:t/>
-                </a:r>
-                <a:r>
                   <a:rPr lang="en-IN" dirty="0" smtClean="0"/>
                   <a:t>C = Range/ Number of class intervals</a:t>
                 </a:r>
@@ -34998,10 +35198,6 @@
                 <a:pPr marL="0" indent="0">
                   <a:buNone/>
                 </a:pPr>
-                <a:r>
-                  <a:rPr lang="en-IN" dirty="0"/>
-                  <a:t/>
-                </a:r>
                 <a:r>
                   <a:rPr lang="en-IN" dirty="0" smtClean="0"/>
                   <a:t>   = Range /1+3.322*</a:t>
@@ -35012,7 +35208,7 @@
                       <m:sSubPr>
                         <m:ctrlPr>
                           <a:rPr lang="en-IN" i="1" dirty="0" smtClean="0">
-                            <a:latin typeface="Cambria Math"/>
+                            <a:latin typeface="Cambria Math" panose="02040503050406030204" pitchFamily="18" charset="0"/>
                           </a:rPr>
                         </m:ctrlPr>
                       </m:sSubPr>
@@ -35060,7 +35256,7 @@
             </p:txBody>
           </p:sp>
         </mc:Choice>
-        <mc:Fallback>
+        <mc:Fallback xmlns="">
           <p:sp>
             <p:nvSpPr>
               <p:cNvPr id="3" name="Content Placeholder 2"/>
@@ -35097,7 +35293,7 @@
     </p:spTree>
     <p:extLst>
       <p:ext uri="{BB962C8B-B14F-4D97-AF65-F5344CB8AC3E}">
-        <p14:creationId xmlns:p14="http://schemas.microsoft.com/office/powerpoint/2010/main" xmlns="" val="1011820735"/>
+        <p14:creationId xmlns:p14="http://schemas.microsoft.com/office/powerpoint/2010/main" val="1011820735"/>
       </p:ext>
     </p:extLst>
   </p:cSld>
@@ -35272,7 +35468,7 @@
     </p:spTree>
     <p:extLst>
       <p:ext uri="{BB962C8B-B14F-4D97-AF65-F5344CB8AC3E}">
-        <p14:creationId xmlns:p14="http://schemas.microsoft.com/office/powerpoint/2010/main" xmlns="" val="2859037342"/>
+        <p14:creationId xmlns:p14="http://schemas.microsoft.com/office/powerpoint/2010/main" val="2859037342"/>
       </p:ext>
     </p:extLst>
   </p:cSld>
@@ -35359,7 +35555,7 @@
     </p:spTree>
     <p:extLst>
       <p:ext uri="{BB962C8B-B14F-4D97-AF65-F5344CB8AC3E}">
-        <p14:creationId xmlns:p14="http://schemas.microsoft.com/office/powerpoint/2010/main" xmlns="" val="3803761621"/>
+        <p14:creationId xmlns:p14="http://schemas.microsoft.com/office/powerpoint/2010/main" val="3803761621"/>
       </p:ext>
     </p:extLst>
   </p:cSld>
@@ -35419,7 +35615,7 @@
             <p:ph idx="1"/>
             <p:extLst>
               <p:ext uri="{D42A27DB-BD31-4B8C-83A1-F6EECF244321}">
-                <p14:modId xmlns:p14="http://schemas.microsoft.com/office/powerpoint/2010/main" xmlns="" val="3388540541"/>
+                <p14:modId xmlns:p14="http://schemas.microsoft.com/office/powerpoint/2010/main" val="3388540541"/>
               </p:ext>
             </p:extLst>
           </p:nvPr>
@@ -35681,7 +35877,7 @@
     </p:spTree>
     <p:extLst>
       <p:ext uri="{BB962C8B-B14F-4D97-AF65-F5344CB8AC3E}">
-        <p14:creationId xmlns:p14="http://schemas.microsoft.com/office/powerpoint/2010/main" xmlns="" val="182368268"/>
+        <p14:creationId xmlns:p14="http://schemas.microsoft.com/office/powerpoint/2010/main" val="182368268"/>
       </p:ext>
     </p:extLst>
   </p:cSld>
@@ -35769,7 +35965,7 @@
           <p:nvPr>
             <p:extLst>
               <p:ext uri="{D42A27DB-BD31-4B8C-83A1-F6EECF244321}">
-                <p14:modId xmlns:p14="http://schemas.microsoft.com/office/powerpoint/2010/main" xmlns="" val="29546053"/>
+                <p14:modId xmlns:p14="http://schemas.microsoft.com/office/powerpoint/2010/main" val="29546053"/>
               </p:ext>
             </p:extLst>
           </p:nvPr>
@@ -35986,7 +36182,7 @@
     </p:spTree>
     <p:extLst>
       <p:ext uri="{BB962C8B-B14F-4D97-AF65-F5344CB8AC3E}">
-        <p14:creationId xmlns:p14="http://schemas.microsoft.com/office/powerpoint/2010/main" xmlns="" val="1474391744"/>
+        <p14:creationId xmlns:p14="http://schemas.microsoft.com/office/powerpoint/2010/main" val="1474391744"/>
       </p:ext>
     </p:extLst>
   </p:cSld>
@@ -36106,7 +36302,7 @@
           <a:blip r:embed="rId2">
             <a:extLst>
               <a:ext uri="{28A0092B-C50C-407E-A947-70E740481C1C}">
-                <a14:useLocalDpi xmlns:a14="http://schemas.microsoft.com/office/drawing/2010/main" xmlns="" val="0"/>
+                <a14:useLocalDpi xmlns:a14="http://schemas.microsoft.com/office/drawing/2010/main" val="0"/>
               </a:ext>
             </a:extLst>
           </a:blip>
@@ -36129,14 +36325,14 @@
           </a:ln>
           <a:extLst>
             <a:ext uri="{909E8E84-426E-40DD-AFC4-6F175D3DCCD1}">
-              <a14:hiddenFill xmlns:a14="http://schemas.microsoft.com/office/drawing/2010/main" xmlns="">
+              <a14:hiddenFill xmlns:a14="http://schemas.microsoft.com/office/drawing/2010/main">
                 <a:solidFill>
                   <a:schemeClr val="accent1"/>
                 </a:solidFill>
               </a14:hiddenFill>
             </a:ext>
             <a:ext uri="{91240B29-F687-4F45-9708-019B960494DF}">
-              <a14:hiddenLine xmlns:a14="http://schemas.microsoft.com/office/drawing/2010/main" xmlns="" w="9525">
+              <a14:hiddenLine xmlns:a14="http://schemas.microsoft.com/office/drawing/2010/main" w="9525">
                 <a:solidFill>
                   <a:schemeClr val="tx1"/>
                 </a:solidFill>
@@ -36151,7 +36347,7 @@
     </p:spTree>
     <p:extLst>
       <p:ext uri="{BB962C8B-B14F-4D97-AF65-F5344CB8AC3E}">
-        <p14:creationId xmlns:p14="http://schemas.microsoft.com/office/powerpoint/2010/main" xmlns="" val="3911058232"/>
+        <p14:creationId xmlns:p14="http://schemas.microsoft.com/office/powerpoint/2010/main" val="3911058232"/>
       </p:ext>
     </p:extLst>
   </p:cSld>
@@ -36222,7 +36418,7 @@
           <a:blip r:embed="rId2">
             <a:extLst>
               <a:ext uri="{28A0092B-C50C-407E-A947-70E740481C1C}">
-                <a14:useLocalDpi xmlns:a14="http://schemas.microsoft.com/office/drawing/2010/main" xmlns="" val="0"/>
+                <a14:useLocalDpi xmlns:a14="http://schemas.microsoft.com/office/drawing/2010/main" val="0"/>
               </a:ext>
             </a:extLst>
           </a:blip>
@@ -36245,14 +36441,14 @@
           </a:ln>
           <a:extLst>
             <a:ext uri="{909E8E84-426E-40DD-AFC4-6F175D3DCCD1}">
-              <a14:hiddenFill xmlns:a14="http://schemas.microsoft.com/office/drawing/2010/main" xmlns="">
+              <a14:hiddenFill xmlns:a14="http://schemas.microsoft.com/office/drawing/2010/main">
                 <a:solidFill>
                   <a:schemeClr val="accent1"/>
                 </a:solidFill>
               </a14:hiddenFill>
             </a:ext>
             <a:ext uri="{91240B29-F687-4F45-9708-019B960494DF}">
-              <a14:hiddenLine xmlns:a14="http://schemas.microsoft.com/office/drawing/2010/main" xmlns="" w="9525">
+              <a14:hiddenLine xmlns:a14="http://schemas.microsoft.com/office/drawing/2010/main" w="9525">
                 <a:solidFill>
                   <a:schemeClr val="tx1"/>
                 </a:solidFill>
@@ -36276,7 +36472,7 @@
           <a:blip r:embed="rId3">
             <a:extLst>
               <a:ext uri="{28A0092B-C50C-407E-A947-70E740481C1C}">
-                <a14:useLocalDpi xmlns:a14="http://schemas.microsoft.com/office/drawing/2010/main" xmlns="" val="0"/>
+                <a14:useLocalDpi xmlns:a14="http://schemas.microsoft.com/office/drawing/2010/main" val="0"/>
               </a:ext>
             </a:extLst>
           </a:blip>
@@ -36299,14 +36495,14 @@
           </a:ln>
           <a:extLst>
             <a:ext uri="{909E8E84-426E-40DD-AFC4-6F175D3DCCD1}">
-              <a14:hiddenFill xmlns:a14="http://schemas.microsoft.com/office/drawing/2010/main" xmlns="">
+              <a14:hiddenFill xmlns:a14="http://schemas.microsoft.com/office/drawing/2010/main">
                 <a:solidFill>
                   <a:schemeClr val="accent1"/>
                 </a:solidFill>
               </a14:hiddenFill>
             </a:ext>
             <a:ext uri="{91240B29-F687-4F45-9708-019B960494DF}">
-              <a14:hiddenLine xmlns:a14="http://schemas.microsoft.com/office/drawing/2010/main" xmlns="" w="9525">
+              <a14:hiddenLine xmlns:a14="http://schemas.microsoft.com/office/drawing/2010/main" w="9525">
                 <a:solidFill>
                   <a:schemeClr val="tx1"/>
                 </a:solidFill>
@@ -36321,7 +36517,7 @@
     </p:spTree>
     <p:extLst>
       <p:ext uri="{BB962C8B-B14F-4D97-AF65-F5344CB8AC3E}">
-        <p14:creationId xmlns:p14="http://schemas.microsoft.com/office/powerpoint/2010/main" xmlns="" val="1453274276"/>
+        <p14:creationId xmlns:p14="http://schemas.microsoft.com/office/powerpoint/2010/main" val="1453274276"/>
       </p:ext>
     </p:extLst>
   </p:cSld>
@@ -36450,7 +36646,7 @@
           <a:blip r:embed="rId2">
             <a:extLst>
               <a:ext uri="{28A0092B-C50C-407E-A947-70E740481C1C}">
-                <a14:useLocalDpi xmlns:a14="http://schemas.microsoft.com/office/drawing/2010/main" xmlns="" val="0"/>
+                <a14:useLocalDpi xmlns:a14="http://schemas.microsoft.com/office/drawing/2010/main" val="0"/>
               </a:ext>
             </a:extLst>
           </a:blip>
@@ -36473,14 +36669,14 @@
           </a:ln>
           <a:extLst>
             <a:ext uri="{909E8E84-426E-40DD-AFC4-6F175D3DCCD1}">
-              <a14:hiddenFill xmlns:a14="http://schemas.microsoft.com/office/drawing/2010/main" xmlns="">
+              <a14:hiddenFill xmlns:a14="http://schemas.microsoft.com/office/drawing/2010/main">
                 <a:solidFill>
                   <a:schemeClr val="accent1"/>
                 </a:solidFill>
               </a14:hiddenFill>
             </a:ext>
             <a:ext uri="{91240B29-F687-4F45-9708-019B960494DF}">
-              <a14:hiddenLine xmlns:a14="http://schemas.microsoft.com/office/drawing/2010/main" xmlns="" w="9525">
+              <a14:hiddenLine xmlns:a14="http://schemas.microsoft.com/office/drawing/2010/main" w="9525">
                 <a:solidFill>
                   <a:schemeClr val="tx1"/>
                 </a:solidFill>
@@ -36495,7 +36691,7 @@
     </p:spTree>
     <p:extLst>
       <p:ext uri="{BB962C8B-B14F-4D97-AF65-F5344CB8AC3E}">
-        <p14:creationId xmlns:p14="http://schemas.microsoft.com/office/powerpoint/2010/main" xmlns="" val="937822149"/>
+        <p14:creationId xmlns:p14="http://schemas.microsoft.com/office/powerpoint/2010/main" val="937822149"/>
       </p:ext>
     </p:extLst>
   </p:cSld>
@@ -36568,7 +36764,7 @@
           <a:blip r:embed="rId2">
             <a:extLst>
               <a:ext uri="{28A0092B-C50C-407E-A947-70E740481C1C}">
-                <a14:useLocalDpi xmlns:a14="http://schemas.microsoft.com/office/drawing/2010/main" xmlns="" val="0"/>
+                <a14:useLocalDpi xmlns:a14="http://schemas.microsoft.com/office/drawing/2010/main" val="0"/>
               </a:ext>
             </a:extLst>
           </a:blip>
@@ -36591,14 +36787,14 @@
           </a:ln>
           <a:extLst>
             <a:ext uri="{909E8E84-426E-40DD-AFC4-6F175D3DCCD1}">
-              <a14:hiddenFill xmlns:a14="http://schemas.microsoft.com/office/drawing/2010/main" xmlns="">
+              <a14:hiddenFill xmlns:a14="http://schemas.microsoft.com/office/drawing/2010/main">
                 <a:solidFill>
                   <a:schemeClr val="accent1"/>
                 </a:solidFill>
               </a14:hiddenFill>
             </a:ext>
             <a:ext uri="{91240B29-F687-4F45-9708-019B960494DF}">
-              <a14:hiddenLine xmlns:a14="http://schemas.microsoft.com/office/drawing/2010/main" xmlns="" w="9525">
+              <a14:hiddenLine xmlns:a14="http://schemas.microsoft.com/office/drawing/2010/main" w="9525">
                 <a:solidFill>
                   <a:schemeClr val="tx1"/>
                 </a:solidFill>
@@ -36622,7 +36818,7 @@
           <a:blip r:embed="rId3">
             <a:extLst>
               <a:ext uri="{28A0092B-C50C-407E-A947-70E740481C1C}">
-                <a14:useLocalDpi xmlns:a14="http://schemas.microsoft.com/office/drawing/2010/main" xmlns="" val="0"/>
+                <a14:useLocalDpi xmlns:a14="http://schemas.microsoft.com/office/drawing/2010/main" val="0"/>
               </a:ext>
             </a:extLst>
           </a:blip>
@@ -36645,14 +36841,14 @@
           </a:ln>
           <a:extLst>
             <a:ext uri="{909E8E84-426E-40DD-AFC4-6F175D3DCCD1}">
-              <a14:hiddenFill xmlns:a14="http://schemas.microsoft.com/office/drawing/2010/main" xmlns="">
+              <a14:hiddenFill xmlns:a14="http://schemas.microsoft.com/office/drawing/2010/main">
                 <a:solidFill>
                   <a:schemeClr val="accent1"/>
                 </a:solidFill>
               </a14:hiddenFill>
             </a:ext>
             <a:ext uri="{91240B29-F687-4F45-9708-019B960494DF}">
-              <a14:hiddenLine xmlns:a14="http://schemas.microsoft.com/office/drawing/2010/main" xmlns="" w="9525">
+              <a14:hiddenLine xmlns:a14="http://schemas.microsoft.com/office/drawing/2010/main" w="9525">
                 <a:solidFill>
                   <a:schemeClr val="tx1"/>
                 </a:solidFill>
@@ -36667,7 +36863,7 @@
     </p:spTree>
     <p:extLst>
       <p:ext uri="{BB962C8B-B14F-4D97-AF65-F5344CB8AC3E}">
-        <p14:creationId xmlns:p14="http://schemas.microsoft.com/office/powerpoint/2010/main" xmlns="" val="1071210193"/>
+        <p14:creationId xmlns:p14="http://schemas.microsoft.com/office/powerpoint/2010/main" val="1071210193"/>
       </p:ext>
     </p:extLst>
   </p:cSld>
@@ -36738,7 +36934,7 @@
           <a:blip r:embed="rId2">
             <a:extLst>
               <a:ext uri="{28A0092B-C50C-407E-A947-70E740481C1C}">
-                <a14:useLocalDpi xmlns:a14="http://schemas.microsoft.com/office/drawing/2010/main" xmlns="" val="0"/>
+                <a14:useLocalDpi xmlns:a14="http://schemas.microsoft.com/office/drawing/2010/main" val="0"/>
               </a:ext>
             </a:extLst>
           </a:blip>
@@ -36761,14 +36957,14 @@
           </a:ln>
           <a:extLst>
             <a:ext uri="{909E8E84-426E-40DD-AFC4-6F175D3DCCD1}">
-              <a14:hiddenFill xmlns:a14="http://schemas.microsoft.com/office/drawing/2010/main" xmlns="">
+              <a14:hiddenFill xmlns:a14="http://schemas.microsoft.com/office/drawing/2010/main">
                 <a:solidFill>
                   <a:schemeClr val="accent1"/>
                 </a:solidFill>
               </a14:hiddenFill>
             </a:ext>
             <a:ext uri="{91240B29-F687-4F45-9708-019B960494DF}">
-              <a14:hiddenLine xmlns:a14="http://schemas.microsoft.com/office/drawing/2010/main" xmlns="" w="9525">
+              <a14:hiddenLine xmlns:a14="http://schemas.microsoft.com/office/drawing/2010/main" w="9525">
                 <a:solidFill>
                   <a:schemeClr val="tx1"/>
                 </a:solidFill>
@@ -36783,7 +36979,7 @@
     </p:spTree>
     <p:extLst>
       <p:ext uri="{BB962C8B-B14F-4D97-AF65-F5344CB8AC3E}">
-        <p14:creationId xmlns:p14="http://schemas.microsoft.com/office/powerpoint/2010/main" xmlns="" val="1182880256"/>
+        <p14:creationId xmlns:p14="http://schemas.microsoft.com/office/powerpoint/2010/main" val="1182880256"/>
       </p:ext>
     </p:extLst>
   </p:cSld>
@@ -36905,7 +37101,7 @@
           <a:blip r:embed="rId2">
             <a:extLst>
               <a:ext uri="{28A0092B-C50C-407E-A947-70E740481C1C}">
-                <a14:useLocalDpi xmlns:a14="http://schemas.microsoft.com/office/drawing/2010/main" xmlns="" val="0"/>
+                <a14:useLocalDpi xmlns:a14="http://schemas.microsoft.com/office/drawing/2010/main" val="0"/>
               </a:ext>
             </a:extLst>
           </a:blip>
@@ -36928,14 +37124,14 @@
           </a:ln>
           <a:extLst>
             <a:ext uri="{909E8E84-426E-40DD-AFC4-6F175D3DCCD1}">
-              <a14:hiddenFill xmlns:a14="http://schemas.microsoft.com/office/drawing/2010/main" xmlns="">
+              <a14:hiddenFill xmlns:a14="http://schemas.microsoft.com/office/drawing/2010/main">
                 <a:solidFill>
                   <a:schemeClr val="accent1"/>
                 </a:solidFill>
               </a14:hiddenFill>
             </a:ext>
             <a:ext uri="{91240B29-F687-4F45-9708-019B960494DF}">
-              <a14:hiddenLine xmlns:a14="http://schemas.microsoft.com/office/drawing/2010/main" xmlns="" w="9525">
+              <a14:hiddenLine xmlns:a14="http://schemas.microsoft.com/office/drawing/2010/main" w="9525">
                 <a:solidFill>
                   <a:schemeClr val="tx1"/>
                 </a:solidFill>
@@ -36959,7 +37155,7 @@
           <a:blip r:embed="rId3">
             <a:extLst>
               <a:ext uri="{28A0092B-C50C-407E-A947-70E740481C1C}">
-                <a14:useLocalDpi xmlns:a14="http://schemas.microsoft.com/office/drawing/2010/main" xmlns="" val="0"/>
+                <a14:useLocalDpi xmlns:a14="http://schemas.microsoft.com/office/drawing/2010/main" val="0"/>
               </a:ext>
             </a:extLst>
           </a:blip>
@@ -36982,14 +37178,14 @@
           </a:ln>
           <a:extLst>
             <a:ext uri="{909E8E84-426E-40DD-AFC4-6F175D3DCCD1}">
-              <a14:hiddenFill xmlns:a14="http://schemas.microsoft.com/office/drawing/2010/main" xmlns="">
+              <a14:hiddenFill xmlns:a14="http://schemas.microsoft.com/office/drawing/2010/main">
                 <a:solidFill>
                   <a:schemeClr val="accent1"/>
                 </a:solidFill>
               </a14:hiddenFill>
             </a:ext>
             <a:ext uri="{91240B29-F687-4F45-9708-019B960494DF}">
-              <a14:hiddenLine xmlns:a14="http://schemas.microsoft.com/office/drawing/2010/main" xmlns="" w="9525">
+              <a14:hiddenLine xmlns:a14="http://schemas.microsoft.com/office/drawing/2010/main" w="9525">
                 <a:solidFill>
                   <a:schemeClr val="tx1"/>
                 </a:solidFill>
@@ -37013,7 +37209,7 @@
           <a:blip r:embed="rId4">
             <a:extLst>
               <a:ext uri="{28A0092B-C50C-407E-A947-70E740481C1C}">
-                <a14:useLocalDpi xmlns:a14="http://schemas.microsoft.com/office/drawing/2010/main" xmlns="" val="0"/>
+                <a14:useLocalDpi xmlns:a14="http://schemas.microsoft.com/office/drawing/2010/main" val="0"/>
               </a:ext>
             </a:extLst>
           </a:blip>
@@ -37036,14 +37232,14 @@
           </a:ln>
           <a:extLst>
             <a:ext uri="{909E8E84-426E-40DD-AFC4-6F175D3DCCD1}">
-              <a14:hiddenFill xmlns:a14="http://schemas.microsoft.com/office/drawing/2010/main" xmlns="">
+              <a14:hiddenFill xmlns:a14="http://schemas.microsoft.com/office/drawing/2010/main">
                 <a:solidFill>
                   <a:schemeClr val="accent1"/>
                 </a:solidFill>
               </a14:hiddenFill>
             </a:ext>
             <a:ext uri="{91240B29-F687-4F45-9708-019B960494DF}">
-              <a14:hiddenLine xmlns:a14="http://schemas.microsoft.com/office/drawing/2010/main" xmlns="" w="9525">
+              <a14:hiddenLine xmlns:a14="http://schemas.microsoft.com/office/drawing/2010/main" w="9525">
                 <a:solidFill>
                   <a:schemeClr val="tx1"/>
                 </a:solidFill>
@@ -37058,7 +37254,7 @@
     </p:spTree>
     <p:extLst>
       <p:ext uri="{BB962C8B-B14F-4D97-AF65-F5344CB8AC3E}">
-        <p14:creationId xmlns:p14="http://schemas.microsoft.com/office/powerpoint/2010/main" xmlns="" val="1835275112"/>
+        <p14:creationId xmlns:p14="http://schemas.microsoft.com/office/powerpoint/2010/main" val="1835275112"/>
       </p:ext>
     </p:extLst>
   </p:cSld>
@@ -37195,7 +37391,7 @@
     </p:spTree>
     <p:extLst>
       <p:ext uri="{BB962C8B-B14F-4D97-AF65-F5344CB8AC3E}">
-        <p14:creationId xmlns:p14="http://schemas.microsoft.com/office/powerpoint/2010/main" xmlns="" val="1731067654"/>
+        <p14:creationId xmlns:p14="http://schemas.microsoft.com/office/powerpoint/2010/main" val="1731067654"/>
       </p:ext>
     </p:extLst>
   </p:cSld>
@@ -37364,7 +37560,7 @@
     </p:spTree>
     <p:extLst>
       <p:ext uri="{BB962C8B-B14F-4D97-AF65-F5344CB8AC3E}">
-        <p14:creationId xmlns:p14="http://schemas.microsoft.com/office/powerpoint/2010/main" xmlns="" val="215228696"/>
+        <p14:creationId xmlns:p14="http://schemas.microsoft.com/office/powerpoint/2010/main" val="215228696"/>
       </p:ext>
     </p:extLst>
   </p:cSld>
@@ -37424,7 +37620,7 @@
             <p:ph idx="1"/>
             <p:extLst>
               <p:ext uri="{D42A27DB-BD31-4B8C-83A1-F6EECF244321}">
-                <p14:modId xmlns:p14="http://schemas.microsoft.com/office/powerpoint/2010/main" xmlns="" val="2420105945"/>
+                <p14:modId xmlns:p14="http://schemas.microsoft.com/office/powerpoint/2010/main" val="2420105945"/>
               </p:ext>
             </p:extLst>
           </p:nvPr>
@@ -37442,7 +37638,7 @@
     </p:spTree>
     <p:extLst>
       <p:ext uri="{BB962C8B-B14F-4D97-AF65-F5344CB8AC3E}">
-        <p14:creationId xmlns:p14="http://schemas.microsoft.com/office/powerpoint/2010/main" xmlns="" val="1338942177"/>
+        <p14:creationId xmlns:p14="http://schemas.microsoft.com/office/powerpoint/2010/main" val="1338942177"/>
       </p:ext>
     </p:extLst>
   </p:cSld>
@@ -37483,7 +37679,7 @@
           <p:nvPr>
             <p:extLst>
               <p:ext uri="{D42A27DB-BD31-4B8C-83A1-F6EECF244321}">
-                <p14:modId xmlns:p14="http://schemas.microsoft.com/office/powerpoint/2010/main" xmlns="" val="3164352488"/>
+                <p14:modId xmlns:p14="http://schemas.microsoft.com/office/powerpoint/2010/main" val="3164352488"/>
               </p:ext>
             </p:extLst>
           </p:nvPr>
@@ -37507,10 +37703,10 @@
           <p:nvPr/>
         </p:nvPicPr>
         <p:blipFill>
-          <a:blip r:embed="rId6">
+          <a:blip r:embed="rId7">
             <a:extLst>
               <a:ext uri="{28A0092B-C50C-407E-A947-70E740481C1C}">
-                <a14:useLocalDpi xmlns:a14="http://schemas.microsoft.com/office/drawing/2010/main" xmlns="" val="0"/>
+                <a14:useLocalDpi xmlns:a14="http://schemas.microsoft.com/office/drawing/2010/main" val="0"/>
               </a:ext>
             </a:extLst>
           </a:blip>
@@ -37530,7 +37726,7 @@
           <a:noFill/>
           <a:extLst>
             <a:ext uri="{909E8E84-426E-40DD-AFC4-6F175D3DCCD1}">
-              <a14:hiddenFill xmlns:a14="http://schemas.microsoft.com/office/drawing/2010/main" xmlns="">
+              <a14:hiddenFill xmlns:a14="http://schemas.microsoft.com/office/drawing/2010/main">
                 <a:solidFill>
                   <a:srgbClr val="FFFFFF"/>
                 </a:solidFill>
@@ -37548,7 +37744,7 @@
           <p:nvPr/>
         </p:nvPicPr>
         <p:blipFill>
-          <a:blip r:embed="rId7"/>
+          <a:blip r:embed="rId8"/>
           <a:srcRect/>
           <a:stretch>
             <a:fillRect/>
@@ -37575,7 +37771,7 @@
     </p:spTree>
     <p:extLst>
       <p:ext uri="{BB962C8B-B14F-4D97-AF65-F5344CB8AC3E}">
-        <p14:creationId xmlns:p14="http://schemas.microsoft.com/office/powerpoint/2010/main" xmlns="" val="3110022855"/>
+        <p14:creationId xmlns:p14="http://schemas.microsoft.com/office/powerpoint/2010/main" val="3110022855"/>
       </p:ext>
     </p:extLst>
   </p:cSld>
@@ -37648,8 +37844,8 @@
           </a:p>
         </p:txBody>
       </p:sp>
-      <mc:AlternateContent xmlns:mc="http://schemas.openxmlformats.org/markup-compatibility/2006">
-        <mc:Choice xmlns:a14="http://schemas.microsoft.com/office/drawing/2010/main" xmlns="" Requires="a14">
+      <mc:AlternateContent xmlns:mc="http://schemas.openxmlformats.org/markup-compatibility/2006" xmlns:a14="http://schemas.microsoft.com/office/drawing/2010/main">
+        <mc:Choice Requires="a14">
           <p:sp>
             <p:nvSpPr>
               <p:cNvPr id="3" name="Content Placeholder 2"/>
@@ -37676,19 +37872,12 @@
                 <a:pPr marL="0" indent="0">
                   <a:buNone/>
                 </a:pPr>
-                <a:r>
-                  <a:rPr lang="en-IN" dirty="0" smtClean="0"/>
-                  <a:t/>
-                </a:r>
+                <a:endParaRPr lang="en-IN" dirty="0" smtClean="0"/>
               </a:p>
               <a:p>
                 <a:pPr marL="0" indent="0">
                   <a:buNone/>
                 </a:pPr>
-                <a:r>
-                  <a:rPr lang="en-IN" dirty="0"/>
-                  <a:t/>
-                </a:r>
                 <a:r>
                   <a:rPr lang="en-IN" dirty="0" smtClean="0"/>
                   <a:t>      Price- 2600,2533, 2631, 2628,2740,2644</a:t>
@@ -37698,20 +37887,12 @@
                 <a:pPr marL="0" indent="0">
                   <a:buNone/>
                 </a:pPr>
-                <a:r>
-                  <a:rPr lang="en-IN" dirty="0"/>
-                  <a:t/>
-                </a:r>
                 <a:endParaRPr lang="en-IN" dirty="0" smtClean="0"/>
               </a:p>
               <a:p>
                 <a:pPr marL="0" indent="0">
                   <a:buNone/>
                 </a:pPr>
-                <a:r>
-                  <a:rPr lang="en-IN" dirty="0"/>
-                  <a:t/>
-                </a:r>
                 <a14:m>
                   <m:oMath xmlns:m="http://schemas.openxmlformats.org/officeDocument/2006/math">
                     <m:acc>
@@ -37719,7 +37900,7 @@
                         <m:chr m:val="̅"/>
                         <m:ctrlPr>
                           <a:rPr lang="en-IN" i="1" smtClean="0">
-                            <a:latin typeface="Cambria Math"/>
+                            <a:latin typeface="Cambria Math" panose="02040503050406030204" pitchFamily="18" charset="0"/>
                           </a:rPr>
                         </m:ctrlPr>
                       </m:accPr>
@@ -37744,7 +37925,7 @@
                       <m:fPr>
                         <m:ctrlPr>
                           <a:rPr lang="en-IN" i="1" smtClean="0">
-                            <a:latin typeface="Cambria Math"/>
+                            <a:latin typeface="Cambria Math" panose="02040503050406030204" pitchFamily="18" charset="0"/>
                           </a:rPr>
                         </m:ctrlPr>
                       </m:fPr>
@@ -37850,10 +38031,6 @@
                 <a:pPr marL="0" indent="0">
                   <a:buNone/>
                 </a:pPr>
-                <a:r>
-                  <a:rPr lang="en-IN" dirty="0" smtClean="0"/>
-                  <a:t/>
-                </a:r>
                 <a14:m>
                   <m:oMath xmlns:m="http://schemas.openxmlformats.org/officeDocument/2006/math">
                     <m:acc>
@@ -37861,7 +38038,7 @@
                         <m:chr m:val="̅"/>
                         <m:ctrlPr>
                           <a:rPr lang="en-IN" i="1">
-                            <a:latin typeface="Cambria Math"/>
+                            <a:latin typeface="Cambria Math" panose="02040503050406030204" pitchFamily="18" charset="0"/>
                           </a:rPr>
                         </m:ctrlPr>
                       </m:accPr>
@@ -37885,7 +38062,7 @@
             </p:txBody>
           </p:sp>
         </mc:Choice>
-        <mc:Fallback>
+        <mc:Fallback xmlns="">
           <p:sp>
             <p:nvSpPr>
               <p:cNvPr id="3" name="Content Placeholder 2"/>
@@ -37922,7 +38099,7 @@
     </p:spTree>
     <p:extLst>
       <p:ext uri="{BB962C8B-B14F-4D97-AF65-F5344CB8AC3E}">
-        <p14:creationId xmlns:p14="http://schemas.microsoft.com/office/powerpoint/2010/main" xmlns="" val="2365552395"/>
+        <p14:creationId xmlns:p14="http://schemas.microsoft.com/office/powerpoint/2010/main" val="2365552395"/>
       </p:ext>
     </p:extLst>
   </p:cSld>
@@ -38125,7 +38302,7 @@
           <p:nvPr>
             <p:extLst>
               <p:ext uri="{D42A27DB-BD31-4B8C-83A1-F6EECF244321}">
-                <p14:modId xmlns:p14="http://schemas.microsoft.com/office/powerpoint/2010/main" xmlns="" val="602553528"/>
+                <p14:modId xmlns:p14="http://schemas.microsoft.com/office/powerpoint/2010/main" val="602553528"/>
               </p:ext>
             </p:extLst>
           </p:nvPr>
@@ -38151,10 +38328,10 @@
           </p:nvPr>
         </p:nvPicPr>
         <p:blipFill>
-          <a:blip r:embed="rId6">
+          <a:blip r:embed="rId7">
             <a:extLst>
               <a:ext uri="{28A0092B-C50C-407E-A947-70E740481C1C}">
-                <a14:useLocalDpi xmlns:a14="http://schemas.microsoft.com/office/drawing/2010/main" xmlns="" val="0"/>
+                <a14:useLocalDpi xmlns:a14="http://schemas.microsoft.com/office/drawing/2010/main" val="0"/>
               </a:ext>
             </a:extLst>
           </a:blip>
@@ -38177,14 +38354,14 @@
           </a:ln>
           <a:extLst>
             <a:ext uri="{909E8E84-426E-40DD-AFC4-6F175D3DCCD1}">
-              <a14:hiddenFill xmlns:a14="http://schemas.microsoft.com/office/drawing/2010/main" xmlns="">
+              <a14:hiddenFill xmlns:a14="http://schemas.microsoft.com/office/drawing/2010/main">
                 <a:solidFill>
                   <a:schemeClr val="accent1"/>
                 </a:solidFill>
               </a14:hiddenFill>
             </a:ext>
             <a:ext uri="{91240B29-F687-4F45-9708-019B960494DF}">
-              <a14:hiddenLine xmlns:a14="http://schemas.microsoft.com/office/drawing/2010/main" xmlns="" w="9525">
+              <a14:hiddenLine xmlns:a14="http://schemas.microsoft.com/office/drawing/2010/main" w="9525">
                 <a:solidFill>
                   <a:schemeClr val="tx1"/>
                 </a:solidFill>
@@ -38265,10 +38442,10 @@
           <p:nvPr/>
         </p:nvPicPr>
         <p:blipFill>
-          <a:blip r:embed="rId7">
+          <a:blip r:embed="rId8">
             <a:extLst>
               <a:ext uri="{28A0092B-C50C-407E-A947-70E740481C1C}">
-                <a14:useLocalDpi xmlns:a14="http://schemas.microsoft.com/office/drawing/2010/main" xmlns="" val="0"/>
+                <a14:useLocalDpi xmlns:a14="http://schemas.microsoft.com/office/drawing/2010/main" val="0"/>
               </a:ext>
             </a:extLst>
           </a:blip>
@@ -38291,14 +38468,14 @@
           </a:ln>
           <a:extLst>
             <a:ext uri="{909E8E84-426E-40DD-AFC4-6F175D3DCCD1}">
-              <a14:hiddenFill xmlns:a14="http://schemas.microsoft.com/office/drawing/2010/main" xmlns="">
+              <a14:hiddenFill xmlns:a14="http://schemas.microsoft.com/office/drawing/2010/main">
                 <a:solidFill>
                   <a:schemeClr val="accent1"/>
                 </a:solidFill>
               </a14:hiddenFill>
             </a:ext>
             <a:ext uri="{91240B29-F687-4F45-9708-019B960494DF}">
-              <a14:hiddenLine xmlns:a14="http://schemas.microsoft.com/office/drawing/2010/main" xmlns="" w="9525">
+              <a14:hiddenLine xmlns:a14="http://schemas.microsoft.com/office/drawing/2010/main" w="9525">
                 <a:solidFill>
                   <a:schemeClr val="tx1"/>
                 </a:solidFill>
@@ -38319,10 +38496,10 @@
           <p:nvPr/>
         </p:nvPicPr>
         <p:blipFill>
-          <a:blip r:embed="rId8">
+          <a:blip r:embed="rId9">
             <a:extLst>
               <a:ext uri="{28A0092B-C50C-407E-A947-70E740481C1C}">
-                <a14:useLocalDpi xmlns:a14="http://schemas.microsoft.com/office/drawing/2010/main" xmlns="" val="0"/>
+                <a14:useLocalDpi xmlns:a14="http://schemas.microsoft.com/office/drawing/2010/main" val="0"/>
               </a:ext>
             </a:extLst>
           </a:blip>
@@ -38345,14 +38522,14 @@
           </a:ln>
           <a:extLst>
             <a:ext uri="{909E8E84-426E-40DD-AFC4-6F175D3DCCD1}">
-              <a14:hiddenFill xmlns:a14="http://schemas.microsoft.com/office/drawing/2010/main" xmlns="">
+              <a14:hiddenFill xmlns:a14="http://schemas.microsoft.com/office/drawing/2010/main">
                 <a:solidFill>
                   <a:schemeClr val="accent1"/>
                 </a:solidFill>
               </a14:hiddenFill>
             </a:ext>
             <a:ext uri="{91240B29-F687-4F45-9708-019B960494DF}">
-              <a14:hiddenLine xmlns:a14="http://schemas.microsoft.com/office/drawing/2010/main" xmlns="" w="9525">
+              <a14:hiddenLine xmlns:a14="http://schemas.microsoft.com/office/drawing/2010/main" w="9525">
                 <a:solidFill>
                   <a:schemeClr val="tx1"/>
                 </a:solidFill>
@@ -38367,7 +38544,7 @@
     </p:spTree>
     <p:extLst>
       <p:ext uri="{BB962C8B-B14F-4D97-AF65-F5344CB8AC3E}">
-        <p14:creationId xmlns:p14="http://schemas.microsoft.com/office/powerpoint/2010/main" xmlns="" val="3723992077"/>
+        <p14:creationId xmlns:p14="http://schemas.microsoft.com/office/powerpoint/2010/main" val="3723992077"/>
       </p:ext>
     </p:extLst>
   </p:cSld>
@@ -38408,7 +38585,7 @@
           <p:nvPr>
             <p:extLst>
               <p:ext uri="{D42A27DB-BD31-4B8C-83A1-F6EECF244321}">
-                <p14:modId xmlns:p14="http://schemas.microsoft.com/office/powerpoint/2010/main" xmlns="" val="1903115186"/>
+                <p14:modId xmlns:p14="http://schemas.microsoft.com/office/powerpoint/2010/main" val="1903115186"/>
               </p:ext>
             </p:extLst>
           </p:nvPr>
@@ -38432,10 +38609,10 @@
           <p:nvPr/>
         </p:nvPicPr>
         <p:blipFill>
-          <a:blip r:embed="rId6">
+          <a:blip r:embed="rId7">
             <a:extLst>
               <a:ext uri="{28A0092B-C50C-407E-A947-70E740481C1C}">
-                <a14:useLocalDpi xmlns:a14="http://schemas.microsoft.com/office/drawing/2010/main" xmlns="" val="0"/>
+                <a14:useLocalDpi xmlns:a14="http://schemas.microsoft.com/office/drawing/2010/main" val="0"/>
               </a:ext>
             </a:extLst>
           </a:blip>
@@ -38458,14 +38635,14 @@
           </a:ln>
           <a:extLst>
             <a:ext uri="{909E8E84-426E-40DD-AFC4-6F175D3DCCD1}">
-              <a14:hiddenFill xmlns:a14="http://schemas.microsoft.com/office/drawing/2010/main" xmlns="">
+              <a14:hiddenFill xmlns:a14="http://schemas.microsoft.com/office/drawing/2010/main">
                 <a:solidFill>
                   <a:schemeClr val="accent1"/>
                 </a:solidFill>
               </a14:hiddenFill>
             </a:ext>
             <a:ext uri="{91240B29-F687-4F45-9708-019B960494DF}">
-              <a14:hiddenLine xmlns:a14="http://schemas.microsoft.com/office/drawing/2010/main" xmlns="" w="9525">
+              <a14:hiddenLine xmlns:a14="http://schemas.microsoft.com/office/drawing/2010/main" w="9525">
                 <a:solidFill>
                   <a:schemeClr val="tx1"/>
                 </a:solidFill>
@@ -38516,10 +38693,10 @@
           <p:nvPr/>
         </p:nvPicPr>
         <p:blipFill>
-          <a:blip r:embed="rId7">
+          <a:blip r:embed="rId8">
             <a:extLst>
               <a:ext uri="{28A0092B-C50C-407E-A947-70E740481C1C}">
-                <a14:useLocalDpi xmlns:a14="http://schemas.microsoft.com/office/drawing/2010/main" xmlns="" val="0"/>
+                <a14:useLocalDpi xmlns:a14="http://schemas.microsoft.com/office/drawing/2010/main" val="0"/>
               </a:ext>
             </a:extLst>
           </a:blip>
@@ -38542,14 +38719,14 @@
           </a:ln>
           <a:extLst>
             <a:ext uri="{909E8E84-426E-40DD-AFC4-6F175D3DCCD1}">
-              <a14:hiddenFill xmlns:a14="http://schemas.microsoft.com/office/drawing/2010/main" xmlns="">
+              <a14:hiddenFill xmlns:a14="http://schemas.microsoft.com/office/drawing/2010/main">
                 <a:solidFill>
                   <a:schemeClr val="accent1"/>
                 </a:solidFill>
               </a14:hiddenFill>
             </a:ext>
             <a:ext uri="{91240B29-F687-4F45-9708-019B960494DF}">
-              <a14:hiddenLine xmlns:a14="http://schemas.microsoft.com/office/drawing/2010/main" xmlns="" w="9525">
+              <a14:hiddenLine xmlns:a14="http://schemas.microsoft.com/office/drawing/2010/main" w="9525">
                 <a:solidFill>
                   <a:schemeClr val="tx1"/>
                 </a:solidFill>
@@ -38564,7 +38741,7 @@
     </p:spTree>
     <p:extLst>
       <p:ext uri="{BB962C8B-B14F-4D97-AF65-F5344CB8AC3E}">
-        <p14:creationId xmlns:p14="http://schemas.microsoft.com/office/powerpoint/2010/main" xmlns="" val="3314778880"/>
+        <p14:creationId xmlns:p14="http://schemas.microsoft.com/office/powerpoint/2010/main" val="3314778880"/>
       </p:ext>
     </p:extLst>
   </p:cSld>
@@ -38687,7 +38864,7 @@
           <p:nvPr>
             <p:extLst>
               <p:ext uri="{D42A27DB-BD31-4B8C-83A1-F6EECF244321}">
-                <p14:modId xmlns:p14="http://schemas.microsoft.com/office/powerpoint/2010/main" xmlns="" val="1327957877"/>
+                <p14:modId xmlns:p14="http://schemas.microsoft.com/office/powerpoint/2010/main" val="1327957877"/>
               </p:ext>
             </p:extLst>
           </p:nvPr>
@@ -38711,10 +38888,10 @@
           <p:nvPr/>
         </p:nvPicPr>
         <p:blipFill>
-          <a:blip r:embed="rId6">
+          <a:blip r:embed="rId7">
             <a:extLst>
               <a:ext uri="{28A0092B-C50C-407E-A947-70E740481C1C}">
-                <a14:useLocalDpi xmlns:a14="http://schemas.microsoft.com/office/drawing/2010/main" xmlns="" val="0"/>
+                <a14:useLocalDpi xmlns:a14="http://schemas.microsoft.com/office/drawing/2010/main" val="0"/>
               </a:ext>
             </a:extLst>
           </a:blip>
@@ -38737,14 +38914,14 @@
           </a:ln>
           <a:extLst>
             <a:ext uri="{909E8E84-426E-40DD-AFC4-6F175D3DCCD1}">
-              <a14:hiddenFill xmlns:a14="http://schemas.microsoft.com/office/drawing/2010/main" xmlns="">
+              <a14:hiddenFill xmlns:a14="http://schemas.microsoft.com/office/drawing/2010/main">
                 <a:solidFill>
                   <a:schemeClr val="accent1"/>
                 </a:solidFill>
               </a14:hiddenFill>
             </a:ext>
             <a:ext uri="{91240B29-F687-4F45-9708-019B960494DF}">
-              <a14:hiddenLine xmlns:a14="http://schemas.microsoft.com/office/drawing/2010/main" xmlns="" w="9525">
+              <a14:hiddenLine xmlns:a14="http://schemas.microsoft.com/office/drawing/2010/main" w="9525">
                 <a:solidFill>
                   <a:schemeClr val="tx1"/>
                 </a:solidFill>
@@ -38759,7 +38936,7 @@
     </p:spTree>
     <p:extLst>
       <p:ext uri="{BB962C8B-B14F-4D97-AF65-F5344CB8AC3E}">
-        <p14:creationId xmlns:p14="http://schemas.microsoft.com/office/powerpoint/2010/main" xmlns="" val="383196772"/>
+        <p14:creationId xmlns:p14="http://schemas.microsoft.com/office/powerpoint/2010/main" val="383196772"/>
       </p:ext>
     </p:extLst>
   </p:cSld>
@@ -38800,7 +38977,7 @@
           <p:nvPr>
             <p:extLst>
               <p:ext uri="{D42A27DB-BD31-4B8C-83A1-F6EECF244321}">
-                <p14:modId xmlns:p14="http://schemas.microsoft.com/office/powerpoint/2010/main" xmlns="" val="445647044"/>
+                <p14:modId xmlns:p14="http://schemas.microsoft.com/office/powerpoint/2010/main" val="445647044"/>
               </p:ext>
             </p:extLst>
           </p:nvPr>
@@ -38824,10 +39001,10 @@
           <p:nvPr/>
         </p:nvPicPr>
         <p:blipFill>
-          <a:blip r:embed="rId6">
+          <a:blip r:embed="rId7">
             <a:extLst>
               <a:ext uri="{28A0092B-C50C-407E-A947-70E740481C1C}">
-                <a14:useLocalDpi xmlns:a14="http://schemas.microsoft.com/office/drawing/2010/main" xmlns="" val="0"/>
+                <a14:useLocalDpi xmlns:a14="http://schemas.microsoft.com/office/drawing/2010/main" val="0"/>
               </a:ext>
             </a:extLst>
           </a:blip>
@@ -38850,14 +39027,14 @@
           </a:ln>
           <a:extLst>
             <a:ext uri="{909E8E84-426E-40DD-AFC4-6F175D3DCCD1}">
-              <a14:hiddenFill xmlns:a14="http://schemas.microsoft.com/office/drawing/2010/main" xmlns="">
+              <a14:hiddenFill xmlns:a14="http://schemas.microsoft.com/office/drawing/2010/main">
                 <a:solidFill>
                   <a:schemeClr val="accent1"/>
                 </a:solidFill>
               </a14:hiddenFill>
             </a:ext>
             <a:ext uri="{91240B29-F687-4F45-9708-019B960494DF}">
-              <a14:hiddenLine xmlns:a14="http://schemas.microsoft.com/office/drawing/2010/main" xmlns="" w="9525">
+              <a14:hiddenLine xmlns:a14="http://schemas.microsoft.com/office/drawing/2010/main" w="9525">
                 <a:solidFill>
                   <a:schemeClr val="tx1"/>
                 </a:solidFill>
@@ -38869,8 +39046,8 @@
           </a:extLst>
         </p:spPr>
       </p:pic>
-      <mc:AlternateContent xmlns:mc="http://schemas.openxmlformats.org/markup-compatibility/2006">
-        <mc:Choice xmlns:a14="http://schemas.microsoft.com/office/drawing/2010/main" xmlns="" Requires="a14">
+      <mc:AlternateContent xmlns:mc="http://schemas.openxmlformats.org/markup-compatibility/2006" xmlns:a14="http://schemas.microsoft.com/office/drawing/2010/main">
+        <mc:Choice Requires="a14">
           <p:sp>
             <p:nvSpPr>
               <p:cNvPr id="6" name="TextBox 5"/>
@@ -38900,7 +39077,7 @@
                         <m:chr m:val="̅"/>
                         <m:ctrlPr>
                           <a:rPr lang="en-IN" sz="3200" i="1" smtClean="0">
-                            <a:latin typeface="Cambria Math"/>
+                            <a:latin typeface="Cambria Math" panose="02040503050406030204" pitchFamily="18" charset="0"/>
                           </a:rPr>
                         </m:ctrlPr>
                       </m:accPr>
@@ -38925,7 +39102,7 @@
                       <m:fPr>
                         <m:ctrlPr>
                           <a:rPr lang="en-IN" sz="3200" i="1" smtClean="0">
-                            <a:latin typeface="Cambria Math"/>
+                            <a:latin typeface="Cambria Math" panose="02040503050406030204" pitchFamily="18" charset="0"/>
                           </a:rPr>
                         </m:ctrlPr>
                       </m:fPr>
@@ -38964,7 +39141,7 @@
                       <m:fPr>
                         <m:ctrlPr>
                           <a:rPr lang="en-IN" sz="3200" i="1" smtClean="0">
-                            <a:latin typeface="Cambria Math"/>
+                            <a:latin typeface="Cambria Math" panose="02040503050406030204" pitchFamily="18" charset="0"/>
                           </a:rPr>
                         </m:ctrlPr>
                       </m:fPr>
@@ -38996,7 +39173,7 @@
             </p:txBody>
           </p:sp>
         </mc:Choice>
-        <mc:Fallback>
+        <mc:Fallback xmlns="">
           <p:sp>
             <p:nvSpPr>
               <p:cNvPr id="6" name="TextBox 5"/>
@@ -39014,7 +39191,7 @@
                 <a:avLst/>
               </a:prstGeom>
               <a:blipFill rotWithShape="1">
-                <a:blip r:embed="rId7"/>
+                <a:blip r:embed="rId8"/>
                 <a:stretch>
                   <a:fillRect r="-5341" b="-12977"/>
                 </a:stretch>
@@ -39044,7 +39221,7 @@
           <p:nvPr/>
         </p:nvPicPr>
         <p:blipFill>
-          <a:blip r:embed="rId8"/>
+          <a:blip r:embed="rId9"/>
           <a:srcRect/>
           <a:stretch>
             <a:fillRect/>
@@ -39077,7 +39254,7 @@
           <p:nvPr/>
         </p:nvPicPr>
         <p:blipFill>
-          <a:blip r:embed="rId9"/>
+          <a:blip r:embed="rId10"/>
           <a:srcRect/>
           <a:stretch>
             <a:fillRect/>
@@ -39104,7 +39281,7 @@
     </p:spTree>
     <p:extLst>
       <p:ext uri="{BB962C8B-B14F-4D97-AF65-F5344CB8AC3E}">
-        <p14:creationId xmlns:p14="http://schemas.microsoft.com/office/powerpoint/2010/main" xmlns="" val="3589439758"/>
+        <p14:creationId xmlns:p14="http://schemas.microsoft.com/office/powerpoint/2010/main" val="3589439758"/>
       </p:ext>
     </p:extLst>
   </p:cSld>
@@ -39231,7 +39408,7 @@
     </p:spTree>
     <p:extLst>
       <p:ext uri="{BB962C8B-B14F-4D97-AF65-F5344CB8AC3E}">
-        <p14:creationId xmlns:p14="http://schemas.microsoft.com/office/powerpoint/2010/main" xmlns="" val="210093637"/>
+        <p14:creationId xmlns:p14="http://schemas.microsoft.com/office/powerpoint/2010/main" val="210093637"/>
       </p:ext>
     </p:extLst>
   </p:cSld>
@@ -39321,10 +39498,10 @@
           <p:nvPr/>
         </p:nvPicPr>
         <p:blipFill>
-          <a:blip r:embed="rId6">
+          <a:blip r:embed="rId7">
             <a:extLst>
               <a:ext uri="{28A0092B-C50C-407E-A947-70E740481C1C}">
-                <a14:useLocalDpi xmlns:a14="http://schemas.microsoft.com/office/drawing/2010/main" xmlns="" val="0"/>
+                <a14:useLocalDpi xmlns:a14="http://schemas.microsoft.com/office/drawing/2010/main" val="0"/>
               </a:ext>
             </a:extLst>
           </a:blip>
@@ -39347,14 +39524,14 @@
           </a:ln>
           <a:extLst>
             <a:ext uri="{909E8E84-426E-40DD-AFC4-6F175D3DCCD1}">
-              <a14:hiddenFill xmlns:a14="http://schemas.microsoft.com/office/drawing/2010/main" xmlns="">
+              <a14:hiddenFill xmlns:a14="http://schemas.microsoft.com/office/drawing/2010/main">
                 <a:solidFill>
                   <a:schemeClr val="accent1"/>
                 </a:solidFill>
               </a14:hiddenFill>
             </a:ext>
             <a:ext uri="{91240B29-F687-4F45-9708-019B960494DF}">
-              <a14:hiddenLine xmlns:a14="http://schemas.microsoft.com/office/drawing/2010/main" xmlns="" w="9525">
+              <a14:hiddenLine xmlns:a14="http://schemas.microsoft.com/office/drawing/2010/main" w="9525">
                 <a:solidFill>
                   <a:schemeClr val="tx1"/>
                 </a:solidFill>
@@ -39369,7 +39546,7 @@
     </p:spTree>
     <p:extLst>
       <p:ext uri="{BB962C8B-B14F-4D97-AF65-F5344CB8AC3E}">
-        <p14:creationId xmlns:p14="http://schemas.microsoft.com/office/powerpoint/2010/main" xmlns="" val="2240803626"/>
+        <p14:creationId xmlns:p14="http://schemas.microsoft.com/office/powerpoint/2010/main" val="2240803626"/>
       </p:ext>
     </p:extLst>
   </p:cSld>
@@ -39428,7 +39605,7 @@
           <p:nvPr/>
         </p:nvPicPr>
         <p:blipFill>
-          <a:blip r:embed="rId6"/>
+          <a:blip r:embed="rId7"/>
           <a:srcRect/>
           <a:stretch>
             <a:fillRect/>
@@ -39455,7 +39632,7 @@
     </p:spTree>
     <p:extLst>
       <p:ext uri="{BB962C8B-B14F-4D97-AF65-F5344CB8AC3E}">
-        <p14:creationId xmlns:p14="http://schemas.microsoft.com/office/powerpoint/2010/main" xmlns="" val="2240803626"/>
+        <p14:creationId xmlns:p14="http://schemas.microsoft.com/office/powerpoint/2010/main" val="2240803626"/>
       </p:ext>
     </p:extLst>
   </p:cSld>
@@ -39514,10 +39691,10 @@
           <p:nvPr/>
         </p:nvPicPr>
         <p:blipFill>
-          <a:blip r:embed="rId6">
+          <a:blip r:embed="rId7">
             <a:extLst>
               <a:ext uri="{28A0092B-C50C-407E-A947-70E740481C1C}">
-                <a14:useLocalDpi xmlns:a14="http://schemas.microsoft.com/office/drawing/2010/main" xmlns="" val="0"/>
+                <a14:useLocalDpi xmlns:a14="http://schemas.microsoft.com/office/drawing/2010/main" val="0"/>
               </a:ext>
             </a:extLst>
           </a:blip>
@@ -39540,14 +39717,14 @@
           </a:ln>
           <a:extLst>
             <a:ext uri="{909E8E84-426E-40DD-AFC4-6F175D3DCCD1}">
-              <a14:hiddenFill xmlns:a14="http://schemas.microsoft.com/office/drawing/2010/main" xmlns="">
+              <a14:hiddenFill xmlns:a14="http://schemas.microsoft.com/office/drawing/2010/main">
                 <a:solidFill>
                   <a:schemeClr val="accent1"/>
                 </a:solidFill>
               </a14:hiddenFill>
             </a:ext>
             <a:ext uri="{91240B29-F687-4F45-9708-019B960494DF}">
-              <a14:hiddenLine xmlns:a14="http://schemas.microsoft.com/office/drawing/2010/main" xmlns="" w="9525">
+              <a14:hiddenLine xmlns:a14="http://schemas.microsoft.com/office/drawing/2010/main" w="9525">
                 <a:solidFill>
                   <a:schemeClr val="tx1"/>
                 </a:solidFill>
@@ -39601,10 +39778,10 @@
           <p:nvPr/>
         </p:nvPicPr>
         <p:blipFill>
-          <a:blip r:embed="rId7">
+          <a:blip r:embed="rId8">
             <a:extLst>
               <a:ext uri="{28A0092B-C50C-407E-A947-70E740481C1C}">
-                <a14:useLocalDpi xmlns:a14="http://schemas.microsoft.com/office/drawing/2010/main" xmlns="" val="0"/>
+                <a14:useLocalDpi xmlns:a14="http://schemas.microsoft.com/office/drawing/2010/main" val="0"/>
               </a:ext>
             </a:extLst>
           </a:blip>
@@ -39627,14 +39804,14 @@
           </a:ln>
           <a:extLst>
             <a:ext uri="{909E8E84-426E-40DD-AFC4-6F175D3DCCD1}">
-              <a14:hiddenFill xmlns:a14="http://schemas.microsoft.com/office/drawing/2010/main" xmlns="">
+              <a14:hiddenFill xmlns:a14="http://schemas.microsoft.com/office/drawing/2010/main">
                 <a:solidFill>
                   <a:schemeClr val="accent1"/>
                 </a:solidFill>
               </a14:hiddenFill>
             </a:ext>
             <a:ext uri="{91240B29-F687-4F45-9708-019B960494DF}">
-              <a14:hiddenLine xmlns:a14="http://schemas.microsoft.com/office/drawing/2010/main" xmlns="" w="9525">
+              <a14:hiddenLine xmlns:a14="http://schemas.microsoft.com/office/drawing/2010/main" w="9525">
                 <a:solidFill>
                   <a:schemeClr val="tx1"/>
                 </a:solidFill>
@@ -39649,7 +39826,7 @@
     </p:spTree>
     <p:extLst>
       <p:ext uri="{BB962C8B-B14F-4D97-AF65-F5344CB8AC3E}">
-        <p14:creationId xmlns:p14="http://schemas.microsoft.com/office/powerpoint/2010/main" xmlns="" val="1064126337"/>
+        <p14:creationId xmlns:p14="http://schemas.microsoft.com/office/powerpoint/2010/main" val="1064126337"/>
       </p:ext>
     </p:extLst>
   </p:cSld>
@@ -40214,7 +40391,7 @@
     </p:spTree>
     <p:extLst>
       <p:ext uri="{BB962C8B-B14F-4D97-AF65-F5344CB8AC3E}">
-        <p14:creationId xmlns:p14="http://schemas.microsoft.com/office/powerpoint/2010/main" xmlns="" val="1064126337"/>
+        <p14:creationId xmlns:p14="http://schemas.microsoft.com/office/powerpoint/2010/main" val="1064126337"/>
       </p:ext>
     </p:extLst>
   </p:cSld>
@@ -40276,8 +40453,8 @@
           </a:p>
         </p:txBody>
       </p:sp>
-      <mc:AlternateContent xmlns:mc="http://schemas.openxmlformats.org/markup-compatibility/2006">
-        <mc:Choice xmlns:a14="http://schemas.microsoft.com/office/drawing/2010/main" xmlns="" Requires="a14">
+      <mc:AlternateContent xmlns:mc="http://schemas.openxmlformats.org/markup-compatibility/2006" xmlns:a14="http://schemas.microsoft.com/office/drawing/2010/main">
+        <mc:Choice Requires="a14">
           <p:sp>
             <p:nvSpPr>
               <p:cNvPr id="3" name="Content Placeholder 2"/>
@@ -40315,7 +40492,7 @@
                         <m:chr m:val="∑"/>
                         <m:ctrlPr>
                           <a:rPr lang="en-IN" sz="2400" i="1" smtClean="0">
-                            <a:latin typeface="Cambria Math"/>
+                            <a:latin typeface="Cambria Math" panose="02040503050406030204" pitchFamily="18" charset="0"/>
                           </a:rPr>
                         </m:ctrlPr>
                       </m:naryPr>
@@ -40397,7 +40574,7 @@
                         <m:chr m:val="̅"/>
                         <m:ctrlPr>
                           <a:rPr lang="en-IN" sz="2400" i="1" smtClean="0">
-                            <a:latin typeface="Cambria Math"/>
+                            <a:latin typeface="Cambria Math" panose="02040503050406030204" pitchFamily="18" charset="0"/>
                           </a:rPr>
                         </m:ctrlPr>
                       </m:accPr>
@@ -40429,7 +40606,7 @@
                         <m:chr m:val="̅"/>
                         <m:ctrlPr>
                           <a:rPr lang="en-IN" sz="2400" i="1">
-                            <a:latin typeface="Cambria Math"/>
+                            <a:latin typeface="Cambria Math" panose="02040503050406030204" pitchFamily="18" charset="0"/>
                           </a:rPr>
                         </m:ctrlPr>
                       </m:accPr>
@@ -40561,7 +40738,7 @@
                         <m:chr m:val="̅"/>
                         <m:ctrlPr>
                           <a:rPr lang="en-IN" sz="2400" b="0" i="1" smtClean="0">
-                            <a:latin typeface="Cambria Math"/>
+                            <a:latin typeface="Cambria Math" panose="02040503050406030204" pitchFamily="18" charset="0"/>
                           </a:rPr>
                         </m:ctrlPr>
                       </m:accPr>
@@ -40737,160 +40914,153 @@
                 <a:pPr marL="0" indent="0">
                   <a:buNone/>
                 </a:pPr>
-                <a:r>
-                  <a:rPr lang="en-IN" sz="2400" dirty="0" smtClean="0"/>
-                  <a:t/>
-                </a:r>
                 <a14:m>
-                  <m:oMath xmlns:m="http://schemas.openxmlformats.org/officeDocument/2006/math">
-                    <m:acc>
-                      <m:accPr>
-                        <m:chr m:val="̅"/>
-                        <m:ctrlPr>
-                          <a:rPr lang="en-IN" sz="2400" i="1" smtClean="0">
-                            <a:latin typeface="Cambria Math"/>
-                          </a:rPr>
-                        </m:ctrlPr>
-                      </m:accPr>
-                      <m:e>
-                        <m:r>
-                          <a:rPr lang="en-IN" sz="2400" b="0" i="1" smtClean="0">
-                            <a:latin typeface="Cambria Math"/>
-                          </a:rPr>
-                          <m:t>𝑋</m:t>
-                        </m:r>
-                      </m:e>
-                    </m:acc>
-                    <m:r>
-                      <a:rPr lang="en-IN" sz="2400" b="0" i="1" smtClean="0">
-                        <a:latin typeface="Cambria Math"/>
-                      </a:rPr>
-                      <m:t>= </m:t>
-                    </m:r>
-                  </m:oMath>
-                </a14:m>
-                <a:r>
-                  <a:rPr lang="en-IN" sz="2400" dirty="0" smtClean="0"/>
-                  <a:t/>
-                </a:r>
-                <a14:m>
-                  <m:oMath xmlns:m="http://schemas.openxmlformats.org/officeDocument/2006/math">
-                    <m:f>
-                      <m:fPr>
-                        <m:ctrlPr>
-                          <a:rPr lang="en-IN" sz="2400" i="1" dirty="0" smtClean="0">
-                            <a:latin typeface="Cambria Math"/>
-                          </a:rPr>
-                        </m:ctrlPr>
-                      </m:fPr>
-                      <m:num>
-                        <m:r>
-                          <a:rPr lang="en-IN" sz="2400" b="0" i="1" dirty="0" smtClean="0">
-                            <a:latin typeface="Cambria Math"/>
-                          </a:rPr>
-                          <m:t>𝑛</m:t>
-                        </m:r>
-                        <m:r>
-                          <a:rPr lang="en-IN" sz="2400" b="0" i="1" dirty="0" smtClean="0">
-                            <a:latin typeface="Cambria Math"/>
-                          </a:rPr>
-                          <m:t>1</m:t>
-                        </m:r>
-                        <m:acc>
-                          <m:accPr>
-                            <m:chr m:val="̅"/>
-                            <m:ctrlPr>
-                              <a:rPr lang="en-IN" sz="2400" i="1">
-                                <a:latin typeface="Cambria Math"/>
-                              </a:rPr>
-                            </m:ctrlPr>
-                          </m:accPr>
-                          <m:e>
-                            <m:r>
-                              <a:rPr lang="en-IN" sz="2400" i="1">
-                                <a:latin typeface="Cambria Math"/>
-                              </a:rPr>
-                              <m:t>𝑋</m:t>
-                            </m:r>
-                          </m:e>
-                        </m:acc>
-                        <m:r>
-                          <a:rPr lang="en-IN" sz="2400" i="1">
-                            <a:latin typeface="Cambria Math"/>
-                          </a:rPr>
-                          <m:t>1</m:t>
-                        </m:r>
-                        <m:r>
-                          <a:rPr lang="en-IN" sz="2400" b="0" i="1" smtClean="0">
-                            <a:latin typeface="Cambria Math"/>
-                          </a:rPr>
-                          <m:t>+</m:t>
-                        </m:r>
-                        <m:r>
-                          <a:rPr lang="en-IN" sz="2400" i="1" dirty="0">
-                            <a:latin typeface="Cambria Math"/>
-                          </a:rPr>
-                          <m:t>𝑛</m:t>
-                        </m:r>
-                        <m:r>
-                          <a:rPr lang="en-IN" sz="2400" b="0" i="1" dirty="0" smtClean="0">
-                            <a:latin typeface="Cambria Math"/>
-                          </a:rPr>
-                          <m:t>2</m:t>
-                        </m:r>
-                        <m:acc>
-                          <m:accPr>
-                            <m:chr m:val="̅"/>
-                            <m:ctrlPr>
-                              <a:rPr lang="en-IN" sz="2400" i="1" smtClean="0">
-                                <a:latin typeface="Cambria Math"/>
-                              </a:rPr>
-                            </m:ctrlPr>
-                          </m:accPr>
-                          <m:e>
-                            <m:r>
-                              <a:rPr lang="en-IN" sz="2400" i="1">
-                                <a:latin typeface="Cambria Math"/>
-                              </a:rPr>
-                              <m:t>𝑋</m:t>
-                            </m:r>
-                          </m:e>
-                        </m:acc>
-                        <m:r>
-                          <a:rPr lang="en-IN" sz="2400" b="0" i="1" smtClean="0">
-                            <a:latin typeface="Cambria Math"/>
-                          </a:rPr>
-                          <m:t>2</m:t>
-                        </m:r>
-                      </m:num>
-                      <m:den>
-                        <m:r>
-                          <a:rPr lang="en-IN" sz="2400" b="0" i="1" dirty="0" smtClean="0">
-                            <a:latin typeface="Cambria Math"/>
-                          </a:rPr>
-                          <m:t>𝑛</m:t>
-                        </m:r>
-                        <m:r>
-                          <a:rPr lang="en-IN" sz="2400" b="0" i="1" dirty="0" smtClean="0">
-                            <a:latin typeface="Cambria Math"/>
-                          </a:rPr>
-                          <m:t>1+</m:t>
-                        </m:r>
-                        <m:r>
-                          <a:rPr lang="en-IN" sz="2400" b="0" i="1" dirty="0" smtClean="0">
-                            <a:latin typeface="Cambria Math"/>
-                          </a:rPr>
-                          <m:t>𝑛</m:t>
-                        </m:r>
-                        <m:r>
-                          <a:rPr lang="en-IN" sz="2400" b="0" i="1" dirty="0" smtClean="0">
-                            <a:latin typeface="Cambria Math"/>
-                          </a:rPr>
-                          <m:t>2</m:t>
-                        </m:r>
-                      </m:den>
-                    </m:f>
-                  </m:oMath>
+                  <m:oMathPara xmlns:m="http://schemas.openxmlformats.org/officeDocument/2006/math">
+                    <m:oMathParaPr>
+                      <m:jc m:val="centerGroup"/>
+                    </m:oMathParaPr>
+                    <m:oMath xmlns:m="http://schemas.openxmlformats.org/officeDocument/2006/math">
+                      <m:acc>
+                        <m:accPr>
+                          <m:chr m:val="̅"/>
+                          <m:ctrlPr>
+                            <a:rPr lang="en-IN" sz="2400" i="1" smtClean="0">
+                              <a:latin typeface="Cambria Math" panose="02040503050406030204" pitchFamily="18" charset="0"/>
+                            </a:rPr>
+                          </m:ctrlPr>
+                        </m:accPr>
+                        <m:e>
+                          <m:r>
+                            <a:rPr lang="en-IN" sz="2400" b="0" i="1" smtClean="0">
+                              <a:latin typeface="Cambria Math"/>
+                            </a:rPr>
+                            <m:t>𝑋</m:t>
+                          </m:r>
+                        </m:e>
+                      </m:acc>
+                      <m:r>
+                        <a:rPr lang="en-IN" sz="2400" b="0" i="1" smtClean="0">
+                          <a:latin typeface="Cambria Math"/>
+                        </a:rPr>
+                        <m:t>= </m:t>
+                      </m:r>
+                      <m:f>
+                        <m:fPr>
+                          <m:ctrlPr>
+                            <a:rPr lang="en-IN" sz="2400" i="1" dirty="0" smtClean="0">
+                              <a:latin typeface="Cambria Math" panose="02040503050406030204" pitchFamily="18" charset="0"/>
+                            </a:rPr>
+                          </m:ctrlPr>
+                        </m:fPr>
+                        <m:num>
+                          <m:r>
+                            <a:rPr lang="en-IN" sz="2400" b="0" i="1" dirty="0" smtClean="0">
+                              <a:latin typeface="Cambria Math"/>
+                            </a:rPr>
+                            <m:t>𝑛</m:t>
+                          </m:r>
+                          <m:r>
+                            <a:rPr lang="en-IN" sz="2400" b="0" i="1" dirty="0" smtClean="0">
+                              <a:latin typeface="Cambria Math"/>
+                            </a:rPr>
+                            <m:t>1</m:t>
+                          </m:r>
+                          <m:acc>
+                            <m:accPr>
+                              <m:chr m:val="̅"/>
+                              <m:ctrlPr>
+                                <a:rPr lang="en-IN" sz="2400" i="1">
+                                  <a:latin typeface="Cambria Math" panose="02040503050406030204" pitchFamily="18" charset="0"/>
+                                </a:rPr>
+                              </m:ctrlPr>
+                            </m:accPr>
+                            <m:e>
+                              <m:r>
+                                <a:rPr lang="en-IN" sz="2400" i="1">
+                                  <a:latin typeface="Cambria Math"/>
+                                </a:rPr>
+                                <m:t>𝑋</m:t>
+                              </m:r>
+                            </m:e>
+                          </m:acc>
+                          <m:r>
+                            <a:rPr lang="en-IN" sz="2400" i="1">
+                              <a:latin typeface="Cambria Math"/>
+                            </a:rPr>
+                            <m:t>1</m:t>
+                          </m:r>
+                          <m:r>
+                            <a:rPr lang="en-IN" sz="2400" b="0" i="1" smtClean="0">
+                              <a:latin typeface="Cambria Math"/>
+                            </a:rPr>
+                            <m:t>+</m:t>
+                          </m:r>
+                          <m:r>
+                            <a:rPr lang="en-IN" sz="2400" i="1" dirty="0">
+                              <a:latin typeface="Cambria Math"/>
+                            </a:rPr>
+                            <m:t>𝑛</m:t>
+                          </m:r>
+                          <m:r>
+                            <a:rPr lang="en-IN" sz="2400" b="0" i="1" dirty="0" smtClean="0">
+                              <a:latin typeface="Cambria Math"/>
+                            </a:rPr>
+                            <m:t>2</m:t>
+                          </m:r>
+                          <m:acc>
+                            <m:accPr>
+                              <m:chr m:val="̅"/>
+                              <m:ctrlPr>
+                                <a:rPr lang="en-IN" sz="2400" i="1" smtClean="0">
+                                  <a:latin typeface="Cambria Math" panose="02040503050406030204" pitchFamily="18" charset="0"/>
+                                </a:rPr>
+                              </m:ctrlPr>
+                            </m:accPr>
+                            <m:e>
+                              <m:r>
+                                <a:rPr lang="en-IN" sz="2400" i="1">
+                                  <a:latin typeface="Cambria Math"/>
+                                </a:rPr>
+                                <m:t>𝑋</m:t>
+                              </m:r>
+                            </m:e>
+                          </m:acc>
+                          <m:r>
+                            <a:rPr lang="en-IN" sz="2400" b="0" i="1" smtClean="0">
+                              <a:latin typeface="Cambria Math"/>
+                            </a:rPr>
+                            <m:t>2</m:t>
+                          </m:r>
+                        </m:num>
+                        <m:den>
+                          <m:r>
+                            <a:rPr lang="en-IN" sz="2400" b="0" i="1" dirty="0" smtClean="0">
+                              <a:latin typeface="Cambria Math"/>
+                            </a:rPr>
+                            <m:t>𝑛</m:t>
+                          </m:r>
+                          <m:r>
+                            <a:rPr lang="en-IN" sz="2400" b="0" i="1" dirty="0" smtClean="0">
+                              <a:latin typeface="Cambria Math"/>
+                            </a:rPr>
+                            <m:t>1+</m:t>
+                          </m:r>
+                          <m:r>
+                            <a:rPr lang="en-IN" sz="2400" b="0" i="1" dirty="0" smtClean="0">
+                              <a:latin typeface="Cambria Math"/>
+                            </a:rPr>
+                            <m:t>𝑛</m:t>
+                          </m:r>
+                          <m:r>
+                            <a:rPr lang="en-IN" sz="2400" b="0" i="1" dirty="0" smtClean="0">
+                              <a:latin typeface="Cambria Math"/>
+                            </a:rPr>
+                            <m:t>2</m:t>
+                          </m:r>
+                        </m:den>
+                      </m:f>
+                    </m:oMath>
+                  </m:oMathPara>
                 </a14:m>
                 <a:endParaRPr lang="en-IN" sz="2400" dirty="0" smtClean="0"/>
               </a:p>
@@ -40907,7 +41077,7 @@
             </p:txBody>
           </p:sp>
         </mc:Choice>
-        <mc:Fallback>
+        <mc:Fallback xmlns="">
           <p:sp>
             <p:nvSpPr>
               <p:cNvPr id="3" name="Content Placeholder 2"/>
@@ -40948,7 +41118,7 @@
     </p:spTree>
     <p:extLst>
       <p:ext uri="{BB962C8B-B14F-4D97-AF65-F5344CB8AC3E}">
-        <p14:creationId xmlns:p14="http://schemas.microsoft.com/office/powerpoint/2010/main" xmlns="" val="1903803616"/>
+        <p14:creationId xmlns:p14="http://schemas.microsoft.com/office/powerpoint/2010/main" val="1903803616"/>
       </p:ext>
     </p:extLst>
   </p:cSld>
@@ -41155,7 +41325,7 @@
     </p:spTree>
     <p:extLst>
       <p:ext uri="{BB962C8B-B14F-4D97-AF65-F5344CB8AC3E}">
-        <p14:creationId xmlns:p14="http://schemas.microsoft.com/office/powerpoint/2010/main" xmlns="" val="4124525619"/>
+        <p14:creationId xmlns:p14="http://schemas.microsoft.com/office/powerpoint/2010/main" val="4124525619"/>
       </p:ext>
     </p:extLst>
   </p:cSld>
@@ -41309,7 +41479,7 @@
     </p:spTree>
     <p:extLst>
       <p:ext uri="{BB962C8B-B14F-4D97-AF65-F5344CB8AC3E}">
-        <p14:creationId xmlns:p14="http://schemas.microsoft.com/office/powerpoint/2010/main" xmlns="" val="2869054830"/>
+        <p14:creationId xmlns:p14="http://schemas.microsoft.com/office/powerpoint/2010/main" val="2869054830"/>
       </p:ext>
     </p:extLst>
   </p:cSld>
@@ -41520,7 +41690,7 @@
           <p:nvPr>
             <p:extLst>
               <p:ext uri="{D42A27DB-BD31-4B8C-83A1-F6EECF244321}">
-                <p14:modId xmlns:p14="http://schemas.microsoft.com/office/powerpoint/2010/main" xmlns="" val="3447430047"/>
+                <p14:modId xmlns:p14="http://schemas.microsoft.com/office/powerpoint/2010/main" val="3447430047"/>
               </p:ext>
             </p:extLst>
           </p:nvPr>
@@ -42328,14 +42498,14 @@
           <a:effectLst/>
           <a:extLst>
             <a:ext uri="{909E8E84-426E-40DD-AFC4-6F175D3DCCD1}">
-              <a14:hiddenFill xmlns:a14="http://schemas.microsoft.com/office/drawing/2010/main" xmlns="">
+              <a14:hiddenFill xmlns:a14="http://schemas.microsoft.com/office/drawing/2010/main">
                 <a:solidFill>
                   <a:schemeClr val="accent1"/>
                 </a:solidFill>
               </a14:hiddenFill>
             </a:ext>
             <a:ext uri="{91240B29-F687-4F45-9708-019B960494DF}">
-              <a14:hiddenLine xmlns:a14="http://schemas.microsoft.com/office/drawing/2010/main" xmlns="" w="9525">
+              <a14:hiddenLine xmlns:a14="http://schemas.microsoft.com/office/drawing/2010/main" w="9525">
                 <a:solidFill>
                   <a:schemeClr val="tx1"/>
                 </a:solidFill>
@@ -42345,7 +42515,7 @@
               </a14:hiddenLine>
             </a:ext>
             <a:ext uri="{AF507438-7753-43E0-B8FC-AC1667EBCBE1}">
-              <a14:hiddenEffects xmlns:a14="http://schemas.microsoft.com/office/drawing/2010/main" xmlns="">
+              <a14:hiddenEffects xmlns:a14="http://schemas.microsoft.com/office/drawing/2010/main">
                 <a:effectLst>
                   <a:outerShdw dist="35921" dir="2700000" algn="ctr" rotWithShape="0">
                     <a:schemeClr val="bg2"/>
@@ -42454,7 +42624,7 @@
     </p:spTree>
     <p:extLst>
       <p:ext uri="{BB962C8B-B14F-4D97-AF65-F5344CB8AC3E}">
-        <p14:creationId xmlns:p14="http://schemas.microsoft.com/office/powerpoint/2010/main" xmlns="" val="3809547866"/>
+        <p14:creationId xmlns:p14="http://schemas.microsoft.com/office/powerpoint/2010/main" val="3809547866"/>
       </p:ext>
     </p:extLst>
   </p:cSld>
@@ -42538,7 +42708,7 @@
     </p:spTree>
     <p:extLst>
       <p:ext uri="{BB962C8B-B14F-4D97-AF65-F5344CB8AC3E}">
-        <p14:creationId xmlns:p14="http://schemas.microsoft.com/office/powerpoint/2010/main" xmlns="" val="851948270"/>
+        <p14:creationId xmlns:p14="http://schemas.microsoft.com/office/powerpoint/2010/main" val="851948270"/>
       </p:ext>
     </p:extLst>
   </p:cSld>
@@ -42689,7 +42859,7 @@
           <a:blip r:embed="rId2">
             <a:extLst>
               <a:ext uri="{28A0092B-C50C-407E-A947-70E740481C1C}">
-                <a14:useLocalDpi xmlns:a14="http://schemas.microsoft.com/office/drawing/2010/main" xmlns="" val="0"/>
+                <a14:useLocalDpi xmlns:a14="http://schemas.microsoft.com/office/drawing/2010/main" val="0"/>
               </a:ext>
             </a:extLst>
           </a:blip>
@@ -42712,14 +42882,14 @@
           </a:ln>
           <a:extLst>
             <a:ext uri="{909E8E84-426E-40DD-AFC4-6F175D3DCCD1}">
-              <a14:hiddenFill xmlns:a14="http://schemas.microsoft.com/office/drawing/2010/main" xmlns="">
+              <a14:hiddenFill xmlns:a14="http://schemas.microsoft.com/office/drawing/2010/main">
                 <a:solidFill>
                   <a:schemeClr val="accent1"/>
                 </a:solidFill>
               </a14:hiddenFill>
             </a:ext>
             <a:ext uri="{91240B29-F687-4F45-9708-019B960494DF}">
-              <a14:hiddenLine xmlns:a14="http://schemas.microsoft.com/office/drawing/2010/main" xmlns="" w="9525">
+              <a14:hiddenLine xmlns:a14="http://schemas.microsoft.com/office/drawing/2010/main" w="9525">
                 <a:solidFill>
                   <a:schemeClr val="tx1"/>
                 </a:solidFill>
@@ -42743,7 +42913,7 @@
           <a:blip r:embed="rId3">
             <a:extLst>
               <a:ext uri="{28A0092B-C50C-407E-A947-70E740481C1C}">
-                <a14:useLocalDpi xmlns:a14="http://schemas.microsoft.com/office/drawing/2010/main" xmlns="" val="0"/>
+                <a14:useLocalDpi xmlns:a14="http://schemas.microsoft.com/office/drawing/2010/main" val="0"/>
               </a:ext>
             </a:extLst>
           </a:blip>
@@ -42766,14 +42936,14 @@
           </a:ln>
           <a:extLst>
             <a:ext uri="{909E8E84-426E-40DD-AFC4-6F175D3DCCD1}">
-              <a14:hiddenFill xmlns:a14="http://schemas.microsoft.com/office/drawing/2010/main" xmlns="">
+              <a14:hiddenFill xmlns:a14="http://schemas.microsoft.com/office/drawing/2010/main">
                 <a:solidFill>
                   <a:schemeClr val="accent1"/>
                 </a:solidFill>
               </a14:hiddenFill>
             </a:ext>
             <a:ext uri="{91240B29-F687-4F45-9708-019B960494DF}">
-              <a14:hiddenLine xmlns:a14="http://schemas.microsoft.com/office/drawing/2010/main" xmlns="" w="9525">
+              <a14:hiddenLine xmlns:a14="http://schemas.microsoft.com/office/drawing/2010/main" w="9525">
                 <a:solidFill>
                   <a:schemeClr val="tx1"/>
                 </a:solidFill>
@@ -42818,7 +42988,7 @@
     </p:spTree>
     <p:extLst>
       <p:ext uri="{BB962C8B-B14F-4D97-AF65-F5344CB8AC3E}">
-        <p14:creationId xmlns:p14="http://schemas.microsoft.com/office/powerpoint/2010/main" xmlns="" val="2343982422"/>
+        <p14:creationId xmlns:p14="http://schemas.microsoft.com/office/powerpoint/2010/main" val="2343982422"/>
       </p:ext>
     </p:extLst>
   </p:cSld>
@@ -42887,7 +43057,7 @@
           <a:blip r:embed="rId2">
             <a:extLst>
               <a:ext uri="{28A0092B-C50C-407E-A947-70E740481C1C}">
-                <a14:useLocalDpi xmlns:a14="http://schemas.microsoft.com/office/drawing/2010/main" xmlns="" val="0"/>
+                <a14:useLocalDpi xmlns:a14="http://schemas.microsoft.com/office/drawing/2010/main" val="0"/>
               </a:ext>
             </a:extLst>
           </a:blip>
@@ -42910,14 +43080,14 @@
           </a:ln>
           <a:extLst>
             <a:ext uri="{909E8E84-426E-40DD-AFC4-6F175D3DCCD1}">
-              <a14:hiddenFill xmlns:a14="http://schemas.microsoft.com/office/drawing/2010/main" xmlns="">
+              <a14:hiddenFill xmlns:a14="http://schemas.microsoft.com/office/drawing/2010/main">
                 <a:solidFill>
                   <a:schemeClr val="accent1"/>
                 </a:solidFill>
               </a14:hiddenFill>
             </a:ext>
             <a:ext uri="{91240B29-F687-4F45-9708-019B960494DF}">
-              <a14:hiddenLine xmlns:a14="http://schemas.microsoft.com/office/drawing/2010/main" xmlns="" w="9525">
+              <a14:hiddenLine xmlns:a14="http://schemas.microsoft.com/office/drawing/2010/main" w="9525">
                 <a:solidFill>
                   <a:schemeClr val="tx1"/>
                 </a:solidFill>
@@ -42962,7 +43132,7 @@
     </p:spTree>
     <p:extLst>
       <p:ext uri="{BB962C8B-B14F-4D97-AF65-F5344CB8AC3E}">
-        <p14:creationId xmlns:p14="http://schemas.microsoft.com/office/powerpoint/2010/main" xmlns="" val="1028134167"/>
+        <p14:creationId xmlns:p14="http://schemas.microsoft.com/office/powerpoint/2010/main" val="1028134167"/>
       </p:ext>
     </p:extLst>
   </p:cSld>
@@ -43032,7 +43202,7 @@
           <a:blip r:embed="rId2">
             <a:extLst>
               <a:ext uri="{28A0092B-C50C-407E-A947-70E740481C1C}">
-                <a14:useLocalDpi xmlns:a14="http://schemas.microsoft.com/office/drawing/2010/main" xmlns="" val="0"/>
+                <a14:useLocalDpi xmlns:a14="http://schemas.microsoft.com/office/drawing/2010/main" val="0"/>
               </a:ext>
             </a:extLst>
           </a:blip>
@@ -43055,14 +43225,14 @@
           </a:ln>
           <a:extLst>
             <a:ext uri="{909E8E84-426E-40DD-AFC4-6F175D3DCCD1}">
-              <a14:hiddenFill xmlns:a14="http://schemas.microsoft.com/office/drawing/2010/main" xmlns="">
+              <a14:hiddenFill xmlns:a14="http://schemas.microsoft.com/office/drawing/2010/main">
                 <a:solidFill>
                   <a:schemeClr val="accent1"/>
                 </a:solidFill>
               </a14:hiddenFill>
             </a:ext>
             <a:ext uri="{91240B29-F687-4F45-9708-019B960494DF}">
-              <a14:hiddenLine xmlns:a14="http://schemas.microsoft.com/office/drawing/2010/main" xmlns="" w="9525">
+              <a14:hiddenLine xmlns:a14="http://schemas.microsoft.com/office/drawing/2010/main" w="9525">
                 <a:solidFill>
                   <a:schemeClr val="tx1"/>
                 </a:solidFill>
@@ -43086,7 +43256,7 @@
           <a:blip r:embed="rId3">
             <a:extLst>
               <a:ext uri="{28A0092B-C50C-407E-A947-70E740481C1C}">
-                <a14:useLocalDpi xmlns:a14="http://schemas.microsoft.com/office/drawing/2010/main" xmlns="" val="0"/>
+                <a14:useLocalDpi xmlns:a14="http://schemas.microsoft.com/office/drawing/2010/main" val="0"/>
               </a:ext>
             </a:extLst>
           </a:blip>
@@ -43109,14 +43279,14 @@
           </a:ln>
           <a:extLst>
             <a:ext uri="{909E8E84-426E-40DD-AFC4-6F175D3DCCD1}">
-              <a14:hiddenFill xmlns:a14="http://schemas.microsoft.com/office/drawing/2010/main" xmlns="">
+              <a14:hiddenFill xmlns:a14="http://schemas.microsoft.com/office/drawing/2010/main">
                 <a:solidFill>
                   <a:schemeClr val="accent1"/>
                 </a:solidFill>
               </a14:hiddenFill>
             </a:ext>
             <a:ext uri="{91240B29-F687-4F45-9708-019B960494DF}">
-              <a14:hiddenLine xmlns:a14="http://schemas.microsoft.com/office/drawing/2010/main" xmlns="" w="9525">
+              <a14:hiddenLine xmlns:a14="http://schemas.microsoft.com/office/drawing/2010/main" w="9525">
                 <a:solidFill>
                   <a:schemeClr val="tx1"/>
                 </a:solidFill>
@@ -43140,7 +43310,7 @@
           <a:blip r:embed="rId4">
             <a:extLst>
               <a:ext uri="{28A0092B-C50C-407E-A947-70E740481C1C}">
-                <a14:useLocalDpi xmlns:a14="http://schemas.microsoft.com/office/drawing/2010/main" xmlns="" val="0"/>
+                <a14:useLocalDpi xmlns:a14="http://schemas.microsoft.com/office/drawing/2010/main" val="0"/>
               </a:ext>
             </a:extLst>
           </a:blip>
@@ -43163,14 +43333,14 @@
           </a:ln>
           <a:extLst>
             <a:ext uri="{909E8E84-426E-40DD-AFC4-6F175D3DCCD1}">
-              <a14:hiddenFill xmlns:a14="http://schemas.microsoft.com/office/drawing/2010/main" xmlns="">
+              <a14:hiddenFill xmlns:a14="http://schemas.microsoft.com/office/drawing/2010/main">
                 <a:solidFill>
                   <a:schemeClr val="accent1"/>
                 </a:solidFill>
               </a14:hiddenFill>
             </a:ext>
             <a:ext uri="{91240B29-F687-4F45-9708-019B960494DF}">
-              <a14:hiddenLine xmlns:a14="http://schemas.microsoft.com/office/drawing/2010/main" xmlns="" w="9525">
+              <a14:hiddenLine xmlns:a14="http://schemas.microsoft.com/office/drawing/2010/main" w="9525">
                 <a:solidFill>
                   <a:schemeClr val="tx1"/>
                 </a:solidFill>
@@ -43185,7 +43355,7 @@
     </p:spTree>
     <p:extLst>
       <p:ext uri="{BB962C8B-B14F-4D97-AF65-F5344CB8AC3E}">
-        <p14:creationId xmlns:p14="http://schemas.microsoft.com/office/powerpoint/2010/main" xmlns="" val="163243331"/>
+        <p14:creationId xmlns:p14="http://schemas.microsoft.com/office/powerpoint/2010/main" val="163243331"/>
       </p:ext>
     </p:extLst>
   </p:cSld>
@@ -43253,7 +43423,7 @@
           <a:blip r:embed="rId2">
             <a:extLst>
               <a:ext uri="{28A0092B-C50C-407E-A947-70E740481C1C}">
-                <a14:useLocalDpi xmlns:a14="http://schemas.microsoft.com/office/drawing/2010/main" xmlns="" val="0"/>
+                <a14:useLocalDpi xmlns:a14="http://schemas.microsoft.com/office/drawing/2010/main" val="0"/>
               </a:ext>
             </a:extLst>
           </a:blip>
@@ -43276,14 +43446,14 @@
           </a:ln>
           <a:extLst>
             <a:ext uri="{909E8E84-426E-40DD-AFC4-6F175D3DCCD1}">
-              <a14:hiddenFill xmlns:a14="http://schemas.microsoft.com/office/drawing/2010/main" xmlns="">
+              <a14:hiddenFill xmlns:a14="http://schemas.microsoft.com/office/drawing/2010/main">
                 <a:solidFill>
                   <a:schemeClr val="accent1"/>
                 </a:solidFill>
               </a14:hiddenFill>
             </a:ext>
             <a:ext uri="{91240B29-F687-4F45-9708-019B960494DF}">
-              <a14:hiddenLine xmlns:a14="http://schemas.microsoft.com/office/drawing/2010/main" xmlns="" w="9525">
+              <a14:hiddenLine xmlns:a14="http://schemas.microsoft.com/office/drawing/2010/main" w="9525">
                 <a:solidFill>
                   <a:schemeClr val="tx1"/>
                 </a:solidFill>
@@ -43298,7 +43468,7 @@
     </p:spTree>
     <p:extLst>
       <p:ext uri="{BB962C8B-B14F-4D97-AF65-F5344CB8AC3E}">
-        <p14:creationId xmlns:p14="http://schemas.microsoft.com/office/powerpoint/2010/main" xmlns="" val="2304708671"/>
+        <p14:creationId xmlns:p14="http://schemas.microsoft.com/office/powerpoint/2010/main" val="2304708671"/>
       </p:ext>
     </p:extLst>
   </p:cSld>
@@ -43368,7 +43538,7 @@
           <a:blip r:embed="rId2">
             <a:extLst>
               <a:ext uri="{28A0092B-C50C-407E-A947-70E740481C1C}">
-                <a14:useLocalDpi xmlns:a14="http://schemas.microsoft.com/office/drawing/2010/main" xmlns="" val="0"/>
+                <a14:useLocalDpi xmlns:a14="http://schemas.microsoft.com/office/drawing/2010/main" val="0"/>
               </a:ext>
             </a:extLst>
           </a:blip>
@@ -43391,14 +43561,14 @@
           </a:ln>
           <a:extLst>
             <a:ext uri="{909E8E84-426E-40DD-AFC4-6F175D3DCCD1}">
-              <a14:hiddenFill xmlns:a14="http://schemas.microsoft.com/office/drawing/2010/main" xmlns="">
+              <a14:hiddenFill xmlns:a14="http://schemas.microsoft.com/office/drawing/2010/main">
                 <a:solidFill>
                   <a:schemeClr val="accent1"/>
                 </a:solidFill>
               </a14:hiddenFill>
             </a:ext>
             <a:ext uri="{91240B29-F687-4F45-9708-019B960494DF}">
-              <a14:hiddenLine xmlns:a14="http://schemas.microsoft.com/office/drawing/2010/main" xmlns="" w="9525">
+              <a14:hiddenLine xmlns:a14="http://schemas.microsoft.com/office/drawing/2010/main" w="9525">
                 <a:solidFill>
                   <a:schemeClr val="tx1"/>
                 </a:solidFill>
@@ -43413,7 +43583,7 @@
     </p:spTree>
     <p:extLst>
       <p:ext uri="{BB962C8B-B14F-4D97-AF65-F5344CB8AC3E}">
-        <p14:creationId xmlns:p14="http://schemas.microsoft.com/office/powerpoint/2010/main" xmlns="" val="140731411"/>
+        <p14:creationId xmlns:p14="http://schemas.microsoft.com/office/powerpoint/2010/main" val="140731411"/>
       </p:ext>
     </p:extLst>
   </p:cSld>
@@ -43459,7 +43629,7 @@
           <a:blip r:embed="rId2">
             <a:extLst>
               <a:ext uri="{28A0092B-C50C-407E-A947-70E740481C1C}">
-                <a14:useLocalDpi xmlns:a14="http://schemas.microsoft.com/office/drawing/2010/main" xmlns="" val="0"/>
+                <a14:useLocalDpi xmlns:a14="http://schemas.microsoft.com/office/drawing/2010/main" val="0"/>
               </a:ext>
             </a:extLst>
           </a:blip>
@@ -43482,14 +43652,14 @@
           </a:ln>
           <a:extLst>
             <a:ext uri="{909E8E84-426E-40DD-AFC4-6F175D3DCCD1}">
-              <a14:hiddenFill xmlns:a14="http://schemas.microsoft.com/office/drawing/2010/main" xmlns="">
+              <a14:hiddenFill xmlns:a14="http://schemas.microsoft.com/office/drawing/2010/main">
                 <a:solidFill>
                   <a:schemeClr val="accent1"/>
                 </a:solidFill>
               </a14:hiddenFill>
             </a:ext>
             <a:ext uri="{91240B29-F687-4F45-9708-019B960494DF}">
-              <a14:hiddenLine xmlns:a14="http://schemas.microsoft.com/office/drawing/2010/main" xmlns="" w="9525">
+              <a14:hiddenLine xmlns:a14="http://schemas.microsoft.com/office/drawing/2010/main" w="9525">
                 <a:solidFill>
                   <a:schemeClr val="tx1"/>
                 </a:solidFill>
@@ -43501,8 +43671,8 @@
           </a:extLst>
         </p:spPr>
       </p:pic>
-      <mc:AlternateContent xmlns:mc="http://schemas.openxmlformats.org/markup-compatibility/2006">
-        <mc:Choice xmlns:a14="http://schemas.microsoft.com/office/drawing/2010/main" xmlns="" Requires="a14">
+      <mc:AlternateContent xmlns:mc="http://schemas.openxmlformats.org/markup-compatibility/2006" xmlns:a14="http://schemas.microsoft.com/office/drawing/2010/main">
+        <mc:Choice Requires="a14">
           <p:sp>
             <p:nvSpPr>
               <p:cNvPr id="4" name="TextBox 3"/>
@@ -43535,7 +43705,7 @@
                       <m:radPr>
                         <m:ctrlPr>
                           <a:rPr lang="en-IN" i="1" smtClean="0">
-                            <a:latin typeface="Cambria Math"/>
+                            <a:latin typeface="Cambria Math" panose="02040503050406030204" pitchFamily="18" charset="0"/>
                           </a:rPr>
                         </m:ctrlPr>
                       </m:radPr>
@@ -43555,7 +43725,7 @@
                           <m:eqArrPr>
                             <m:ctrlPr>
                               <a:rPr lang="en-IN" b="0" i="1" smtClean="0">
-                                <a:latin typeface="Cambria Math"/>
+                                <a:latin typeface="Cambria Math" panose="02040503050406030204" pitchFamily="18" charset="0"/>
                               </a:rPr>
                             </m:ctrlPr>
                           </m:eqArrPr>
@@ -43585,7 +43755,7 @@
             </p:txBody>
           </p:sp>
         </mc:Choice>
-        <mc:Fallback>
+        <mc:Fallback xmlns="">
           <p:sp>
             <p:nvSpPr>
               <p:cNvPr id="4" name="TextBox 3"/>
@@ -43695,7 +43865,7 @@
     </p:spTree>
     <p:extLst>
       <p:ext uri="{BB962C8B-B14F-4D97-AF65-F5344CB8AC3E}">
-        <p14:creationId xmlns:p14="http://schemas.microsoft.com/office/powerpoint/2010/main" xmlns="" val="620979398"/>
+        <p14:creationId xmlns:p14="http://schemas.microsoft.com/office/powerpoint/2010/main" val="620979398"/>
       </p:ext>
     </p:extLst>
   </p:cSld>
@@ -43820,7 +43990,7 @@
     </p:spTree>
     <p:extLst>
       <p:ext uri="{BB962C8B-B14F-4D97-AF65-F5344CB8AC3E}">
-        <p14:creationId xmlns:p14="http://schemas.microsoft.com/office/powerpoint/2010/main" xmlns="" val="1843719496"/>
+        <p14:creationId xmlns:p14="http://schemas.microsoft.com/office/powerpoint/2010/main" val="1843719496"/>
       </p:ext>
     </p:extLst>
   </p:cSld>
@@ -43901,7 +44071,11 @@
             </a:br>
             <a:r>
               <a:rPr lang="en-IN" dirty="0"/>
-              <a:t>What is the geometric average return? It turns out that it's 14.89</a:t>
+              <a:t>What is the geometric average return? It turns out that it's </a:t>
+            </a:r>
+            <a:r>
+              <a:rPr lang="en-IN" dirty="0" smtClean="0"/>
+              <a:t>1.1489</a:t>
             </a:r>
             <a:r>
               <a:rPr lang="en-IN" dirty="0" smtClean="0"/>
@@ -43923,7 +44097,15 @@
             </a:br>
             <a:r>
               <a:rPr lang="en-IN" dirty="0"/>
-              <a:t>Now, let's look at what would have happened if we had earned that geometric average return every year: We start out investing $100, and we get a return of 14.89% in the first year, so we end the first year with a balance of $100 x 1.1489 = $114.89. Then, we start year 2 with $114.89, and again we get a return of 14.89%, so we end year 2 with a balance of $114.89 x 1.1489 = $132. </a:t>
+              <a:t>Now, let's look at what would have happened if we had earned that geometric average return every year: We start out investing $100, and we get a return of </a:t>
+            </a:r>
+            <a:r>
+              <a:rPr lang="en-IN" dirty="0" smtClean="0"/>
+              <a:t>1.1489</a:t>
+            </a:r>
+            <a:r>
+              <a:rPr lang="en-IN" dirty="0"/>
+              <a:t>% in the first year, so we end the first year with a balance of $100 x 1.1489 = $114.89. Then, we start year 2 with $114.89, and again we get a return of 14.89%, so we end year 2 with a balance of $114.89 x 1.1489 = $132. </a:t>
             </a:r>
           </a:p>
         </p:txBody>
@@ -43965,7 +44147,7 @@
     </p:spTree>
     <p:extLst>
       <p:ext uri="{BB962C8B-B14F-4D97-AF65-F5344CB8AC3E}">
-        <p14:creationId xmlns:p14="http://schemas.microsoft.com/office/powerpoint/2010/main" xmlns="" val="4228307362"/>
+        <p14:creationId xmlns:p14="http://schemas.microsoft.com/office/powerpoint/2010/main" val="4228307362"/>
       </p:ext>
     </p:extLst>
   </p:cSld>
@@ -44209,7 +44391,7 @@
     </p:spTree>
     <p:extLst>
       <p:ext uri="{BB962C8B-B14F-4D97-AF65-F5344CB8AC3E}">
-        <p14:creationId xmlns:p14="http://schemas.microsoft.com/office/powerpoint/2010/main" xmlns="" val="816197158"/>
+        <p14:creationId xmlns:p14="http://schemas.microsoft.com/office/powerpoint/2010/main" val="816197158"/>
       </p:ext>
     </p:extLst>
   </p:cSld>
@@ -44395,7 +44577,7 @@
     </p:spTree>
     <p:extLst>
       <p:ext uri="{BB962C8B-B14F-4D97-AF65-F5344CB8AC3E}">
-        <p14:creationId xmlns:p14="http://schemas.microsoft.com/office/powerpoint/2010/main" xmlns="" val="3914843525"/>
+        <p14:creationId xmlns:p14="http://schemas.microsoft.com/office/powerpoint/2010/main" val="3914843525"/>
       </p:ext>
     </p:extLst>
   </p:cSld>
@@ -44569,7 +44751,7 @@
     </p:spTree>
     <p:extLst>
       <p:ext uri="{BB962C8B-B14F-4D97-AF65-F5344CB8AC3E}">
-        <p14:creationId xmlns:p14="http://schemas.microsoft.com/office/powerpoint/2010/main" xmlns="" val="435235020"/>
+        <p14:creationId xmlns:p14="http://schemas.microsoft.com/office/powerpoint/2010/main" val="435235020"/>
       </p:ext>
     </p:extLst>
   </p:cSld>
@@ -44688,7 +44870,7 @@
     </p:spTree>
     <p:extLst>
       <p:ext uri="{BB962C8B-B14F-4D97-AF65-F5344CB8AC3E}">
-        <p14:creationId xmlns:p14="http://schemas.microsoft.com/office/powerpoint/2010/main" xmlns="" val="3023204315"/>
+        <p14:creationId xmlns:p14="http://schemas.microsoft.com/office/powerpoint/2010/main" val="3023204315"/>
       </p:ext>
     </p:extLst>
   </p:cSld>
@@ -44757,7 +44939,7 @@
           <a:blip r:embed="rId2">
             <a:extLst>
               <a:ext uri="{28A0092B-C50C-407E-A947-70E740481C1C}">
-                <a14:useLocalDpi xmlns:a14="http://schemas.microsoft.com/office/drawing/2010/main" xmlns="" val="0"/>
+                <a14:useLocalDpi xmlns:a14="http://schemas.microsoft.com/office/drawing/2010/main" val="0"/>
               </a:ext>
             </a:extLst>
           </a:blip>
@@ -44780,14 +44962,14 @@
           </a:ln>
           <a:extLst>
             <a:ext uri="{909E8E84-426E-40DD-AFC4-6F175D3DCCD1}">
-              <a14:hiddenFill xmlns:a14="http://schemas.microsoft.com/office/drawing/2010/main" xmlns="">
+              <a14:hiddenFill xmlns:a14="http://schemas.microsoft.com/office/drawing/2010/main">
                 <a:solidFill>
                   <a:schemeClr val="accent1"/>
                 </a:solidFill>
               </a14:hiddenFill>
             </a:ext>
             <a:ext uri="{91240B29-F687-4F45-9708-019B960494DF}">
-              <a14:hiddenLine xmlns:a14="http://schemas.microsoft.com/office/drawing/2010/main" xmlns="" w="9525">
+              <a14:hiddenLine xmlns:a14="http://schemas.microsoft.com/office/drawing/2010/main" w="9525">
                 <a:solidFill>
                   <a:schemeClr val="tx1"/>
                 </a:solidFill>
@@ -44848,7 +45030,7 @@
     </p:spTree>
     <p:extLst>
       <p:ext uri="{BB962C8B-B14F-4D97-AF65-F5344CB8AC3E}">
-        <p14:creationId xmlns:p14="http://schemas.microsoft.com/office/powerpoint/2010/main" xmlns="" val="1108292581"/>
+        <p14:creationId xmlns:p14="http://schemas.microsoft.com/office/powerpoint/2010/main" val="1108292581"/>
       </p:ext>
     </p:extLst>
   </p:cSld>
@@ -44917,7 +45099,7 @@
           <a:blip r:embed="rId2">
             <a:extLst>
               <a:ext uri="{28A0092B-C50C-407E-A947-70E740481C1C}">
-                <a14:useLocalDpi xmlns:a14="http://schemas.microsoft.com/office/drawing/2010/main" xmlns="" val="0"/>
+                <a14:useLocalDpi xmlns:a14="http://schemas.microsoft.com/office/drawing/2010/main" val="0"/>
               </a:ext>
             </a:extLst>
           </a:blip>
@@ -44940,14 +45122,14 @@
           </a:ln>
           <a:extLst>
             <a:ext uri="{909E8E84-426E-40DD-AFC4-6F175D3DCCD1}">
-              <a14:hiddenFill xmlns:a14="http://schemas.microsoft.com/office/drawing/2010/main" xmlns="">
+              <a14:hiddenFill xmlns:a14="http://schemas.microsoft.com/office/drawing/2010/main">
                 <a:solidFill>
                   <a:schemeClr val="accent1"/>
                 </a:solidFill>
               </a14:hiddenFill>
             </a:ext>
             <a:ext uri="{91240B29-F687-4F45-9708-019B960494DF}">
-              <a14:hiddenLine xmlns:a14="http://schemas.microsoft.com/office/drawing/2010/main" xmlns="" w="9525">
+              <a14:hiddenLine xmlns:a14="http://schemas.microsoft.com/office/drawing/2010/main" w="9525">
                 <a:solidFill>
                   <a:schemeClr val="tx1"/>
                 </a:solidFill>
@@ -44962,7 +45144,7 @@
     </p:spTree>
     <p:extLst>
       <p:ext uri="{BB962C8B-B14F-4D97-AF65-F5344CB8AC3E}">
-        <p14:creationId xmlns:p14="http://schemas.microsoft.com/office/powerpoint/2010/main" xmlns="" val="2485576067"/>
+        <p14:creationId xmlns:p14="http://schemas.microsoft.com/office/powerpoint/2010/main" val="2485576067"/>
       </p:ext>
     </p:extLst>
   </p:cSld>
@@ -45032,7 +45214,7 @@
           <a:blip r:embed="rId2">
             <a:extLst>
               <a:ext uri="{28A0092B-C50C-407E-A947-70E740481C1C}">
-                <a14:useLocalDpi xmlns:a14="http://schemas.microsoft.com/office/drawing/2010/main" xmlns="" val="0"/>
+                <a14:useLocalDpi xmlns:a14="http://schemas.microsoft.com/office/drawing/2010/main" val="0"/>
               </a:ext>
             </a:extLst>
           </a:blip>
@@ -45055,14 +45237,14 @@
           </a:ln>
           <a:extLst>
             <a:ext uri="{909E8E84-426E-40DD-AFC4-6F175D3DCCD1}">
-              <a14:hiddenFill xmlns:a14="http://schemas.microsoft.com/office/drawing/2010/main" xmlns="">
+              <a14:hiddenFill xmlns:a14="http://schemas.microsoft.com/office/drawing/2010/main">
                 <a:solidFill>
                   <a:schemeClr val="accent1"/>
                 </a:solidFill>
               </a14:hiddenFill>
             </a:ext>
             <a:ext uri="{91240B29-F687-4F45-9708-019B960494DF}">
-              <a14:hiddenLine xmlns:a14="http://schemas.microsoft.com/office/drawing/2010/main" xmlns="" w="9525">
+              <a14:hiddenLine xmlns:a14="http://schemas.microsoft.com/office/drawing/2010/main" w="9525">
                 <a:solidFill>
                   <a:schemeClr val="tx1"/>
                 </a:solidFill>
@@ -45086,7 +45268,7 @@
           <a:blip r:embed="rId3">
             <a:extLst>
               <a:ext uri="{28A0092B-C50C-407E-A947-70E740481C1C}">
-                <a14:useLocalDpi xmlns:a14="http://schemas.microsoft.com/office/drawing/2010/main" xmlns="" val="0"/>
+                <a14:useLocalDpi xmlns:a14="http://schemas.microsoft.com/office/drawing/2010/main" val="0"/>
               </a:ext>
             </a:extLst>
           </a:blip>
@@ -45109,14 +45291,14 @@
           </a:ln>
           <a:extLst>
             <a:ext uri="{909E8E84-426E-40DD-AFC4-6F175D3DCCD1}">
-              <a14:hiddenFill xmlns:a14="http://schemas.microsoft.com/office/drawing/2010/main" xmlns="">
+              <a14:hiddenFill xmlns:a14="http://schemas.microsoft.com/office/drawing/2010/main">
                 <a:solidFill>
                   <a:schemeClr val="accent1"/>
                 </a:solidFill>
               </a14:hiddenFill>
             </a:ext>
             <a:ext uri="{91240B29-F687-4F45-9708-019B960494DF}">
-              <a14:hiddenLine xmlns:a14="http://schemas.microsoft.com/office/drawing/2010/main" xmlns="" w="9525">
+              <a14:hiddenLine xmlns:a14="http://schemas.microsoft.com/office/drawing/2010/main" w="9525">
                 <a:solidFill>
                   <a:schemeClr val="tx1"/>
                 </a:solidFill>
@@ -45131,7 +45313,7 @@
     </p:spTree>
     <p:extLst>
       <p:ext uri="{BB962C8B-B14F-4D97-AF65-F5344CB8AC3E}">
-        <p14:creationId xmlns:p14="http://schemas.microsoft.com/office/powerpoint/2010/main" xmlns="" val="1504941209"/>
+        <p14:creationId xmlns:p14="http://schemas.microsoft.com/office/powerpoint/2010/main" val="1504941209"/>
       </p:ext>
     </p:extLst>
   </p:cSld>
@@ -45199,7 +45381,7 @@
           <a:blip r:embed="rId2">
             <a:extLst>
               <a:ext uri="{28A0092B-C50C-407E-A947-70E740481C1C}">
-                <a14:useLocalDpi xmlns:a14="http://schemas.microsoft.com/office/drawing/2010/main" xmlns="" val="0"/>
+                <a14:useLocalDpi xmlns:a14="http://schemas.microsoft.com/office/drawing/2010/main" val="0"/>
               </a:ext>
             </a:extLst>
           </a:blip>
@@ -45222,14 +45404,14 @@
           </a:ln>
           <a:extLst>
             <a:ext uri="{909E8E84-426E-40DD-AFC4-6F175D3DCCD1}">
-              <a14:hiddenFill xmlns:a14="http://schemas.microsoft.com/office/drawing/2010/main" xmlns="">
+              <a14:hiddenFill xmlns:a14="http://schemas.microsoft.com/office/drawing/2010/main">
                 <a:solidFill>
                   <a:schemeClr val="accent1"/>
                 </a:solidFill>
               </a14:hiddenFill>
             </a:ext>
             <a:ext uri="{91240B29-F687-4F45-9708-019B960494DF}">
-              <a14:hiddenLine xmlns:a14="http://schemas.microsoft.com/office/drawing/2010/main" xmlns="" w="9525">
+              <a14:hiddenLine xmlns:a14="http://schemas.microsoft.com/office/drawing/2010/main" w="9525">
                 <a:solidFill>
                   <a:schemeClr val="tx1"/>
                 </a:solidFill>
@@ -45253,7 +45435,7 @@
           <a:blip r:embed="rId3">
             <a:extLst>
               <a:ext uri="{28A0092B-C50C-407E-A947-70E740481C1C}">
-                <a14:useLocalDpi xmlns:a14="http://schemas.microsoft.com/office/drawing/2010/main" xmlns="" val="0"/>
+                <a14:useLocalDpi xmlns:a14="http://schemas.microsoft.com/office/drawing/2010/main" val="0"/>
               </a:ext>
             </a:extLst>
           </a:blip>
@@ -45276,14 +45458,14 @@
           </a:ln>
           <a:extLst>
             <a:ext uri="{909E8E84-426E-40DD-AFC4-6F175D3DCCD1}">
-              <a14:hiddenFill xmlns:a14="http://schemas.microsoft.com/office/drawing/2010/main" xmlns="">
+              <a14:hiddenFill xmlns:a14="http://schemas.microsoft.com/office/drawing/2010/main">
                 <a:solidFill>
                   <a:schemeClr val="accent1"/>
                 </a:solidFill>
               </a14:hiddenFill>
             </a:ext>
             <a:ext uri="{91240B29-F687-4F45-9708-019B960494DF}">
-              <a14:hiddenLine xmlns:a14="http://schemas.microsoft.com/office/drawing/2010/main" xmlns="" w="9525">
+              <a14:hiddenLine xmlns:a14="http://schemas.microsoft.com/office/drawing/2010/main" w="9525">
                 <a:solidFill>
                   <a:schemeClr val="tx1"/>
                 </a:solidFill>
@@ -45307,7 +45489,7 @@
           <a:blip r:embed="rId4">
             <a:extLst>
               <a:ext uri="{28A0092B-C50C-407E-A947-70E740481C1C}">
-                <a14:useLocalDpi xmlns:a14="http://schemas.microsoft.com/office/drawing/2010/main" xmlns="" val="0"/>
+                <a14:useLocalDpi xmlns:a14="http://schemas.microsoft.com/office/drawing/2010/main" val="0"/>
               </a:ext>
             </a:extLst>
           </a:blip>
@@ -45330,14 +45512,14 @@
           </a:ln>
           <a:extLst>
             <a:ext uri="{909E8E84-426E-40DD-AFC4-6F175D3DCCD1}">
-              <a14:hiddenFill xmlns:a14="http://schemas.microsoft.com/office/drawing/2010/main" xmlns="">
+              <a14:hiddenFill xmlns:a14="http://schemas.microsoft.com/office/drawing/2010/main">
                 <a:solidFill>
                   <a:schemeClr val="accent1"/>
                 </a:solidFill>
               </a14:hiddenFill>
             </a:ext>
             <a:ext uri="{91240B29-F687-4F45-9708-019B960494DF}">
-              <a14:hiddenLine xmlns:a14="http://schemas.microsoft.com/office/drawing/2010/main" xmlns="" w="9525">
+              <a14:hiddenLine xmlns:a14="http://schemas.microsoft.com/office/drawing/2010/main" w="9525">
                 <a:solidFill>
                   <a:schemeClr val="tx1"/>
                 </a:solidFill>
@@ -45352,7 +45534,7 @@
     </p:spTree>
     <p:extLst>
       <p:ext uri="{BB962C8B-B14F-4D97-AF65-F5344CB8AC3E}">
-        <p14:creationId xmlns:p14="http://schemas.microsoft.com/office/powerpoint/2010/main" xmlns="" val="2325331711"/>
+        <p14:creationId xmlns:p14="http://schemas.microsoft.com/office/powerpoint/2010/main" val="2325331711"/>
       </p:ext>
     </p:extLst>
   </p:cSld>
@@ -45518,7 +45700,7 @@
     </p:spTree>
     <p:extLst>
       <p:ext uri="{BB962C8B-B14F-4D97-AF65-F5344CB8AC3E}">
-        <p14:creationId xmlns:p14="http://schemas.microsoft.com/office/powerpoint/2010/main" xmlns="" val="2929602112"/>
+        <p14:creationId xmlns:p14="http://schemas.microsoft.com/office/powerpoint/2010/main" val="2929602112"/>
       </p:ext>
     </p:extLst>
   </p:cSld>
@@ -45684,7 +45866,7 @@
     </p:spTree>
     <p:extLst>
       <p:ext uri="{BB962C8B-B14F-4D97-AF65-F5344CB8AC3E}">
-        <p14:creationId xmlns:p14="http://schemas.microsoft.com/office/powerpoint/2010/main" xmlns="" val="2929602112"/>
+        <p14:creationId xmlns:p14="http://schemas.microsoft.com/office/powerpoint/2010/main" val="2929602112"/>
       </p:ext>
     </p:extLst>
   </p:cSld>
@@ -45933,7 +46115,7 @@
     </p:spTree>
     <p:extLst>
       <p:ext uri="{BB962C8B-B14F-4D97-AF65-F5344CB8AC3E}">
-        <p14:creationId xmlns:p14="http://schemas.microsoft.com/office/powerpoint/2010/main" xmlns="" val="4036762744"/>
+        <p14:creationId xmlns:p14="http://schemas.microsoft.com/office/powerpoint/2010/main" val="4036762744"/>
       </p:ext>
     </p:extLst>
   </p:cSld>
@@ -46574,8 +46756,8 @@
           </a:p>
         </p:txBody>
       </p:sp>
-      <mc:AlternateContent xmlns:mc="http://schemas.openxmlformats.org/markup-compatibility/2006">
-        <mc:Choice xmlns:a14="http://schemas.microsoft.com/office/drawing/2010/main" xmlns="" Requires="a14">
+      <mc:AlternateContent xmlns:mc="http://schemas.openxmlformats.org/markup-compatibility/2006" xmlns:a14="http://schemas.microsoft.com/office/drawing/2010/main">
+        <mc:Choice Requires="a14">
           <p:sp>
             <p:nvSpPr>
               <p:cNvPr id="3" name="Content Placeholder 2"/>
@@ -46611,10 +46793,6 @@
                   <a:buNone/>
                 </a:pPr>
                 <a:r>
-                  <a:rPr lang="en-IN" sz="2400" dirty="0"/>
-                  <a:t/>
-                </a:r>
-                <a:r>
                   <a:rPr lang="en-IN" sz="2400" dirty="0" smtClean="0"/>
                   <a:t>Speed = </a:t>
                 </a:r>
@@ -46624,7 +46802,7 @@
                       <m:fPr>
                         <m:ctrlPr>
                           <a:rPr lang="en-IN" sz="2400" i="1" smtClean="0">
-                            <a:latin typeface="Cambria Math"/>
+                            <a:latin typeface="Cambria Math" panose="02040503050406030204" pitchFamily="18" charset="0"/>
                           </a:rPr>
                         </m:ctrlPr>
                       </m:fPr>
@@ -46699,7 +46877,7 @@
                       <m:fPr>
                         <m:ctrlPr>
                           <a:rPr lang="en-IN" sz="2400" i="1" smtClean="0">
-                            <a:latin typeface="Cambria Math"/>
+                            <a:latin typeface="Cambria Math" panose="02040503050406030204" pitchFamily="18" charset="0"/>
                           </a:rPr>
                         </m:ctrlPr>
                       </m:fPr>
@@ -46748,7 +46926,7 @@
                       <m:fPr>
                         <m:ctrlPr>
                           <a:rPr lang="en-IN" sz="2400" i="1">
-                            <a:latin typeface="Cambria Math"/>
+                            <a:latin typeface="Cambria Math" panose="02040503050406030204" pitchFamily="18" charset="0"/>
                           </a:rPr>
                         </m:ctrlPr>
                       </m:fPr>
@@ -46792,10 +46970,6 @@
                   <a:t>tn</a:t>
                 </a:r>
                 <a:r>
-                  <a:rPr lang="en-IN" sz="2400" dirty="0" smtClean="0"/>
-                  <a:t/>
-                </a:r>
-                <a:r>
                   <a:rPr lang="en-IN" sz="2400" dirty="0"/>
                   <a:t>= </a:t>
                 </a:r>
@@ -46805,7 +46979,7 @@
                       <m:fPr>
                         <m:ctrlPr>
                           <a:rPr lang="en-IN" sz="2400" i="1">
-                            <a:latin typeface="Cambria Math"/>
+                            <a:latin typeface="Cambria Math" panose="02040503050406030204" pitchFamily="18" charset="0"/>
                           </a:rPr>
                         </m:ctrlPr>
                       </m:fPr>
@@ -46845,7 +47019,7 @@
             </p:txBody>
           </p:sp>
         </mc:Choice>
-        <mc:Fallback>
+        <mc:Fallback xmlns="">
           <p:sp>
             <p:nvSpPr>
               <p:cNvPr id="3" name="Content Placeholder 2"/>
@@ -46879,8 +47053,8 @@
           </p:sp>
         </mc:Fallback>
       </mc:AlternateContent>
-      <mc:AlternateContent xmlns:mc="http://schemas.openxmlformats.org/markup-compatibility/2006">
-        <mc:Choice xmlns:a14="http://schemas.microsoft.com/office/drawing/2010/main" xmlns="" Requires="a14">
+      <mc:AlternateContent xmlns:mc="http://schemas.openxmlformats.org/markup-compatibility/2006" xmlns:a14="http://schemas.microsoft.com/office/drawing/2010/main">
+        <mc:Choice Requires="a14">
           <p:sp>
             <p:nvSpPr>
               <p:cNvPr id="5" name="TextBox 4"/>
@@ -46913,7 +47087,7 @@
                       <m:fPr>
                         <m:ctrlPr>
                           <a:rPr lang="en-IN" sz="2800" i="1" smtClean="0">
-                            <a:latin typeface="Cambria Math"/>
+                            <a:latin typeface="Cambria Math" panose="02040503050406030204" pitchFamily="18" charset="0"/>
                           </a:rPr>
                         </m:ctrlPr>
                       </m:fPr>
@@ -46964,7 +47138,7 @@
                           <m:fPr>
                             <m:ctrlPr>
                               <a:rPr lang="en-IN" sz="2800" b="0" i="1" smtClean="0">
-                                <a:latin typeface="Cambria Math"/>
+                                <a:latin typeface="Cambria Math" panose="02040503050406030204" pitchFamily="18" charset="0"/>
                               </a:rPr>
                             </m:ctrlPr>
                           </m:fPr>
@@ -47000,7 +47174,7 @@
             </p:txBody>
           </p:sp>
         </mc:Choice>
-        <mc:Fallback>
+        <mc:Fallback xmlns="">
           <p:sp>
             <p:nvSpPr>
               <p:cNvPr id="5" name="TextBox 4"/>
@@ -47042,7 +47216,7 @@
     </p:spTree>
     <p:extLst>
       <p:ext uri="{BB962C8B-B14F-4D97-AF65-F5344CB8AC3E}">
-        <p14:creationId xmlns:p14="http://schemas.microsoft.com/office/powerpoint/2010/main" xmlns="" val="3513602229"/>
+        <p14:creationId xmlns:p14="http://schemas.microsoft.com/office/powerpoint/2010/main" val="3513602229"/>
       </p:ext>
     </p:extLst>
   </p:cSld>
@@ -47206,7 +47380,7 @@
           <p:nvPr>
             <p:extLst>
               <p:ext uri="{D42A27DB-BD31-4B8C-83A1-F6EECF244321}">
-                <p14:modId xmlns:p14="http://schemas.microsoft.com/office/powerpoint/2010/main" xmlns="" val="1390613277"/>
+                <p14:modId xmlns:p14="http://schemas.microsoft.com/office/powerpoint/2010/main" val="1390613277"/>
               </p:ext>
             </p:extLst>
           </p:nvPr>
@@ -47494,8 +47668,8 @@
           </a:graphicData>
         </a:graphic>
       </p:graphicFrame>
-      <mc:AlternateContent xmlns:mc="http://schemas.openxmlformats.org/markup-compatibility/2006">
-        <mc:Choice xmlns:a14="http://schemas.microsoft.com/office/drawing/2010/main" xmlns="" Requires="a14">
+      <mc:AlternateContent xmlns:mc="http://schemas.openxmlformats.org/markup-compatibility/2006" xmlns:a14="http://schemas.microsoft.com/office/drawing/2010/main">
+        <mc:Choice Requires="a14">
           <p:sp>
             <p:nvSpPr>
               <p:cNvPr id="5" name="TextBox 4"/>
@@ -47528,7 +47702,7 @@
                       <m:fPr>
                         <m:ctrlPr>
                           <a:rPr lang="en-IN" i="1" smtClean="0">
-                            <a:latin typeface="Cambria Math"/>
+                            <a:latin typeface="Cambria Math" panose="02040503050406030204" pitchFamily="18" charset="0"/>
                           </a:rPr>
                         </m:ctrlPr>
                       </m:fPr>
@@ -47579,7 +47753,7 @@
                           <m:fPr>
                             <m:ctrlPr>
                               <a:rPr lang="en-IN" b="0" i="1" smtClean="0">
-                                <a:latin typeface="Cambria Math"/>
+                                <a:latin typeface="Cambria Math" panose="02040503050406030204" pitchFamily="18" charset="0"/>
                               </a:rPr>
                             </m:ctrlPr>
                           </m:fPr>
@@ -47615,7 +47789,7 @@
             </p:txBody>
           </p:sp>
         </mc:Choice>
-        <mc:Fallback>
+        <mc:Fallback xmlns="">
           <p:sp>
             <p:nvSpPr>
               <p:cNvPr id="5" name="TextBox 4"/>
@@ -47696,7 +47870,7 @@
     </p:spTree>
     <p:extLst>
       <p:ext uri="{BB962C8B-B14F-4D97-AF65-F5344CB8AC3E}">
-        <p14:creationId xmlns:p14="http://schemas.microsoft.com/office/powerpoint/2010/main" xmlns="" val="1992702664"/>
+        <p14:creationId xmlns:p14="http://schemas.microsoft.com/office/powerpoint/2010/main" val="1992702664"/>
       </p:ext>
     </p:extLst>
   </p:cSld>
@@ -47858,7 +48032,7 @@
     </p:spTree>
     <p:extLst>
       <p:ext uri="{BB962C8B-B14F-4D97-AF65-F5344CB8AC3E}">
-        <p14:creationId xmlns:p14="http://schemas.microsoft.com/office/powerpoint/2010/main" xmlns="" val="227955048"/>
+        <p14:creationId xmlns:p14="http://schemas.microsoft.com/office/powerpoint/2010/main" val="227955048"/>
       </p:ext>
     </p:extLst>
   </p:cSld>
@@ -47929,7 +48103,7 @@
           <a:blip r:embed="rId2">
             <a:extLst>
               <a:ext uri="{28A0092B-C50C-407E-A947-70E740481C1C}">
-                <a14:useLocalDpi xmlns:a14="http://schemas.microsoft.com/office/drawing/2010/main" xmlns="" val="0"/>
+                <a14:useLocalDpi xmlns:a14="http://schemas.microsoft.com/office/drawing/2010/main" val="0"/>
               </a:ext>
             </a:extLst>
           </a:blip>
@@ -47952,14 +48126,14 @@
           </a:ln>
           <a:extLst>
             <a:ext uri="{909E8E84-426E-40DD-AFC4-6F175D3DCCD1}">
-              <a14:hiddenFill xmlns:a14="http://schemas.microsoft.com/office/drawing/2010/main" xmlns="">
+              <a14:hiddenFill xmlns:a14="http://schemas.microsoft.com/office/drawing/2010/main">
                 <a:solidFill>
                   <a:schemeClr val="accent1"/>
                 </a:solidFill>
               </a14:hiddenFill>
             </a:ext>
             <a:ext uri="{91240B29-F687-4F45-9708-019B960494DF}">
-              <a14:hiddenLine xmlns:a14="http://schemas.microsoft.com/office/drawing/2010/main" xmlns="" w="9525">
+              <a14:hiddenLine xmlns:a14="http://schemas.microsoft.com/office/drawing/2010/main" w="9525">
                 <a:solidFill>
                   <a:schemeClr val="tx1"/>
                 </a:solidFill>
@@ -48007,7 +48181,7 @@
     </p:spTree>
     <p:extLst>
       <p:ext uri="{BB962C8B-B14F-4D97-AF65-F5344CB8AC3E}">
-        <p14:creationId xmlns:p14="http://schemas.microsoft.com/office/powerpoint/2010/main" xmlns="" val="3471836408"/>
+        <p14:creationId xmlns:p14="http://schemas.microsoft.com/office/powerpoint/2010/main" val="3471836408"/>
       </p:ext>
     </p:extLst>
   </p:cSld>
@@ -48121,7 +48295,7 @@
     </p:spTree>
     <p:extLst>
       <p:ext uri="{BB962C8B-B14F-4D97-AF65-F5344CB8AC3E}">
-        <p14:creationId xmlns:p14="http://schemas.microsoft.com/office/powerpoint/2010/main" xmlns="" val="868142390"/>
+        <p14:creationId xmlns:p14="http://schemas.microsoft.com/office/powerpoint/2010/main" val="868142390"/>
       </p:ext>
     </p:extLst>
   </p:cSld>
@@ -48178,8 +48352,8 @@
           </a:p>
         </p:txBody>
       </p:sp>
-      <mc:AlternateContent xmlns:mc="http://schemas.openxmlformats.org/markup-compatibility/2006">
-        <mc:Choice xmlns:a14="http://schemas.microsoft.com/office/drawing/2010/main" xmlns="" Requires="a14">
+      <mc:AlternateContent xmlns:mc="http://schemas.openxmlformats.org/markup-compatibility/2006" xmlns:a14="http://schemas.microsoft.com/office/drawing/2010/main">
+        <mc:Choice Requires="a14">
           <p:sp>
             <p:nvSpPr>
               <p:cNvPr id="3" name="Content Placeholder 2"/>
@@ -48261,17 +48435,13 @@
                   <a:rPr lang="en-IN" sz="2400" dirty="0"/>
                   <a:t> = </a:t>
                 </a:r>
-                <a:r>
-                  <a:rPr lang="en-IN" sz="2400" dirty="0" smtClean="0"/>
-                  <a:t/>
-                </a:r>
                 <a14:m>
                   <m:oMath xmlns:m="http://schemas.openxmlformats.org/officeDocument/2006/math">
                     <m:f>
                       <m:fPr>
                         <m:ctrlPr>
                           <a:rPr lang="en-IN" sz="2400" i="1" smtClean="0">
-                            <a:latin typeface="Cambria Math"/>
+                            <a:latin typeface="Cambria Math" panose="02040503050406030204" pitchFamily="18" charset="0"/>
                           </a:rPr>
                         </m:ctrlPr>
                       </m:fPr>
@@ -48307,16 +48477,8 @@
                   </m:oMath>
                 </a14:m>
                 <a:r>
-                  <a:rPr lang="en-IN" sz="2400" dirty="0" smtClean="0"/>
-                  <a:t/>
-                </a:r>
-                <a:r>
                   <a:rPr lang="en-IN" sz="2400" dirty="0" err="1" smtClean="0"/>
                   <a:t>th</a:t>
-                </a:r>
-                <a:r>
-                  <a:rPr lang="en-IN" sz="2400" dirty="0" smtClean="0"/>
-                  <a:t/>
                 </a:r>
                 <a:r>
                   <a:rPr lang="en-IN" sz="2400" dirty="0"/>
@@ -48327,7 +48489,7 @@
             </p:txBody>
           </p:sp>
         </mc:Choice>
-        <mc:Fallback>
+        <mc:Fallback xmlns="">
           <p:sp>
             <p:nvSpPr>
               <p:cNvPr id="3" name="Content Placeholder 2"/>
@@ -48364,7 +48526,7 @@
     </p:spTree>
     <p:extLst>
       <p:ext uri="{BB962C8B-B14F-4D97-AF65-F5344CB8AC3E}">
-        <p14:creationId xmlns:p14="http://schemas.microsoft.com/office/powerpoint/2010/main" xmlns="" val="886898201"/>
+        <p14:creationId xmlns:p14="http://schemas.microsoft.com/office/powerpoint/2010/main" val="886898201"/>
       </p:ext>
     </p:extLst>
   </p:cSld>
@@ -48465,7 +48627,7 @@
           <a:blip r:embed="rId2">
             <a:extLst>
               <a:ext uri="{28A0092B-C50C-407E-A947-70E740481C1C}">
-                <a14:useLocalDpi xmlns:a14="http://schemas.microsoft.com/office/drawing/2010/main" xmlns="" val="0"/>
+                <a14:useLocalDpi xmlns:a14="http://schemas.microsoft.com/office/drawing/2010/main" val="0"/>
               </a:ext>
             </a:extLst>
           </a:blip>
@@ -48488,14 +48650,14 @@
           </a:ln>
           <a:extLst>
             <a:ext uri="{909E8E84-426E-40DD-AFC4-6F175D3DCCD1}">
-              <a14:hiddenFill xmlns:a14="http://schemas.microsoft.com/office/drawing/2010/main" xmlns="">
+              <a14:hiddenFill xmlns:a14="http://schemas.microsoft.com/office/drawing/2010/main">
                 <a:solidFill>
                   <a:schemeClr val="accent1"/>
                 </a:solidFill>
               </a14:hiddenFill>
             </a:ext>
             <a:ext uri="{91240B29-F687-4F45-9708-019B960494DF}">
-              <a14:hiddenLine xmlns:a14="http://schemas.microsoft.com/office/drawing/2010/main" xmlns="" w="9525">
+              <a14:hiddenLine xmlns:a14="http://schemas.microsoft.com/office/drawing/2010/main" w="9525">
                 <a:solidFill>
                   <a:schemeClr val="tx1"/>
                 </a:solidFill>
@@ -48510,7 +48672,7 @@
     </p:spTree>
     <p:extLst>
       <p:ext uri="{BB962C8B-B14F-4D97-AF65-F5344CB8AC3E}">
-        <p14:creationId xmlns:p14="http://schemas.microsoft.com/office/powerpoint/2010/main" xmlns="" val="2743275640"/>
+        <p14:creationId xmlns:p14="http://schemas.microsoft.com/office/powerpoint/2010/main" val="2743275640"/>
       </p:ext>
     </p:extLst>
   </p:cSld>
@@ -48606,7 +48768,7 @@
           <a:blip r:embed="rId2">
             <a:extLst>
               <a:ext uri="{28A0092B-C50C-407E-A947-70E740481C1C}">
-                <a14:useLocalDpi xmlns:a14="http://schemas.microsoft.com/office/drawing/2010/main" xmlns="" val="0"/>
+                <a14:useLocalDpi xmlns:a14="http://schemas.microsoft.com/office/drawing/2010/main" val="0"/>
               </a:ext>
             </a:extLst>
           </a:blip>
@@ -48629,14 +48791,14 @@
           </a:ln>
           <a:extLst>
             <a:ext uri="{909E8E84-426E-40DD-AFC4-6F175D3DCCD1}">
-              <a14:hiddenFill xmlns:a14="http://schemas.microsoft.com/office/drawing/2010/main" xmlns="">
+              <a14:hiddenFill xmlns:a14="http://schemas.microsoft.com/office/drawing/2010/main">
                 <a:solidFill>
                   <a:schemeClr val="accent1"/>
                 </a:solidFill>
               </a14:hiddenFill>
             </a:ext>
             <a:ext uri="{91240B29-F687-4F45-9708-019B960494DF}">
-              <a14:hiddenLine xmlns:a14="http://schemas.microsoft.com/office/drawing/2010/main" xmlns="" w="9525">
+              <a14:hiddenLine xmlns:a14="http://schemas.microsoft.com/office/drawing/2010/main" w="9525">
                 <a:solidFill>
                   <a:schemeClr val="tx1"/>
                 </a:solidFill>
@@ -48651,7 +48813,7 @@
     </p:spTree>
     <p:extLst>
       <p:ext uri="{BB962C8B-B14F-4D97-AF65-F5344CB8AC3E}">
-        <p14:creationId xmlns:p14="http://schemas.microsoft.com/office/powerpoint/2010/main" xmlns="" val="1282766646"/>
+        <p14:creationId xmlns:p14="http://schemas.microsoft.com/office/powerpoint/2010/main" val="1282766646"/>
       </p:ext>
     </p:extLst>
   </p:cSld>
@@ -48721,7 +48883,7 @@
           <a:blip r:embed="rId2">
             <a:extLst>
               <a:ext uri="{28A0092B-C50C-407E-A947-70E740481C1C}">
-                <a14:useLocalDpi xmlns:a14="http://schemas.microsoft.com/office/drawing/2010/main" xmlns="" val="0"/>
+                <a14:useLocalDpi xmlns:a14="http://schemas.microsoft.com/office/drawing/2010/main" val="0"/>
               </a:ext>
             </a:extLst>
           </a:blip>
@@ -48744,14 +48906,14 @@
           </a:ln>
           <a:extLst>
             <a:ext uri="{909E8E84-426E-40DD-AFC4-6F175D3DCCD1}">
-              <a14:hiddenFill xmlns:a14="http://schemas.microsoft.com/office/drawing/2010/main" xmlns="">
+              <a14:hiddenFill xmlns:a14="http://schemas.microsoft.com/office/drawing/2010/main">
                 <a:solidFill>
                   <a:schemeClr val="accent1"/>
                 </a:solidFill>
               </a14:hiddenFill>
             </a:ext>
             <a:ext uri="{91240B29-F687-4F45-9708-019B960494DF}">
-              <a14:hiddenLine xmlns:a14="http://schemas.microsoft.com/office/drawing/2010/main" xmlns="" w="9525">
+              <a14:hiddenLine xmlns:a14="http://schemas.microsoft.com/office/drawing/2010/main" w="9525">
                 <a:solidFill>
                   <a:schemeClr val="tx1"/>
                 </a:solidFill>
@@ -48775,7 +48937,7 @@
           <a:blip r:embed="rId3">
             <a:extLst>
               <a:ext uri="{28A0092B-C50C-407E-A947-70E740481C1C}">
-                <a14:useLocalDpi xmlns:a14="http://schemas.microsoft.com/office/drawing/2010/main" xmlns="" val="0"/>
+                <a14:useLocalDpi xmlns:a14="http://schemas.microsoft.com/office/drawing/2010/main" val="0"/>
               </a:ext>
             </a:extLst>
           </a:blip>
@@ -48798,14 +48960,14 @@
           </a:ln>
           <a:extLst>
             <a:ext uri="{909E8E84-426E-40DD-AFC4-6F175D3DCCD1}">
-              <a14:hiddenFill xmlns:a14="http://schemas.microsoft.com/office/drawing/2010/main" xmlns="">
+              <a14:hiddenFill xmlns:a14="http://schemas.microsoft.com/office/drawing/2010/main">
                 <a:solidFill>
                   <a:schemeClr val="accent1"/>
                 </a:solidFill>
               </a14:hiddenFill>
             </a:ext>
             <a:ext uri="{91240B29-F687-4F45-9708-019B960494DF}">
-              <a14:hiddenLine xmlns:a14="http://schemas.microsoft.com/office/drawing/2010/main" xmlns="" w="9525">
+              <a14:hiddenLine xmlns:a14="http://schemas.microsoft.com/office/drawing/2010/main" w="9525">
                 <a:solidFill>
                   <a:schemeClr val="tx1"/>
                 </a:solidFill>
@@ -48820,7 +48982,7 @@
     </p:spTree>
     <p:extLst>
       <p:ext uri="{BB962C8B-B14F-4D97-AF65-F5344CB8AC3E}">
-        <p14:creationId xmlns:p14="http://schemas.microsoft.com/office/powerpoint/2010/main" xmlns="" val="1433915777"/>
+        <p14:creationId xmlns:p14="http://schemas.microsoft.com/office/powerpoint/2010/main" val="1433915777"/>
       </p:ext>
     </p:extLst>
   </p:cSld>
